--- a/Presentation.pptx
+++ b/Presentation.pptx
@@ -5,32 +5,34 @@
     <p:sldMasterId id="2147483797" r:id="rId1"/>
   </p:sldMasterIdLst>
   <p:notesMasterIdLst>
-    <p:notesMasterId r:id="rId25"/>
+    <p:notesMasterId r:id="rId27"/>
   </p:notesMasterIdLst>
   <p:sldIdLst>
     <p:sldId id="256" r:id="rId2"/>
     <p:sldId id="257" r:id="rId3"/>
     <p:sldId id="258" r:id="rId4"/>
-    <p:sldId id="259" r:id="rId5"/>
-    <p:sldId id="262" r:id="rId6"/>
-    <p:sldId id="265" r:id="rId7"/>
-    <p:sldId id="2076138515" r:id="rId8"/>
-    <p:sldId id="266" r:id="rId9"/>
-    <p:sldId id="267" r:id="rId10"/>
-    <p:sldId id="2076138514" r:id="rId11"/>
-    <p:sldId id="263" r:id="rId12"/>
-    <p:sldId id="2076138516" r:id="rId13"/>
-    <p:sldId id="2076138517" r:id="rId14"/>
-    <p:sldId id="2076138519" r:id="rId15"/>
-    <p:sldId id="2076138521" r:id="rId16"/>
-    <p:sldId id="2076138522" r:id="rId17"/>
-    <p:sldId id="2076138523" r:id="rId18"/>
-    <p:sldId id="2076138525" r:id="rId19"/>
-    <p:sldId id="2076138524" r:id="rId20"/>
-    <p:sldId id="261" r:id="rId21"/>
-    <p:sldId id="2076138526" r:id="rId22"/>
-    <p:sldId id="2076138527" r:id="rId23"/>
-    <p:sldId id="2076138528" r:id="rId24"/>
+    <p:sldId id="2076138530" r:id="rId5"/>
+    <p:sldId id="259" r:id="rId6"/>
+    <p:sldId id="262" r:id="rId7"/>
+    <p:sldId id="265" r:id="rId8"/>
+    <p:sldId id="2076138515" r:id="rId9"/>
+    <p:sldId id="266" r:id="rId10"/>
+    <p:sldId id="267" r:id="rId11"/>
+    <p:sldId id="2076138514" r:id="rId12"/>
+    <p:sldId id="263" r:id="rId13"/>
+    <p:sldId id="2076138516" r:id="rId14"/>
+    <p:sldId id="2076138517" r:id="rId15"/>
+    <p:sldId id="2076138519" r:id="rId16"/>
+    <p:sldId id="2076138521" r:id="rId17"/>
+    <p:sldId id="2076138522" r:id="rId18"/>
+    <p:sldId id="2076138523" r:id="rId19"/>
+    <p:sldId id="2076138525" r:id="rId20"/>
+    <p:sldId id="2076138524" r:id="rId21"/>
+    <p:sldId id="261" r:id="rId22"/>
+    <p:sldId id="2076138526" r:id="rId23"/>
+    <p:sldId id="2076138527" r:id="rId24"/>
+    <p:sldId id="2076138529" r:id="rId25"/>
+    <p:sldId id="2076138528" r:id="rId26"/>
   </p:sldIdLst>
   <p:sldSz cx="12192000" cy="6858000"/>
   <p:notesSz cx="6858000" cy="9144000"/>
@@ -129,6 +131,11 @@
       </a:defRPr>
     </a:lvl9pPr>
   </p:defaultTextStyle>
+  <p:extLst>
+    <p:ext uri="{EFAFB233-063F-42B5-8137-9DF3F51BA10A}">
+      <p15:sldGuideLst xmlns:p15="http://schemas.microsoft.com/office/powerpoint/2012/main"/>
+    </p:ext>
+  </p:extLst>
 </p:presentation>
 </file>
 
@@ -214,7 +221,7 @@
           <a:p>
             <a:fld id="{72C741A9-F005-4BB3-A723-D0ABDC37E680}" type="datetimeFigureOut">
               <a:rPr lang="en-US" smtClean="0"/>
-              <a:t>8/22/2023</a:t>
+              <a:t>8/23/2023</a:t>
             </a:fld>
             <a:endParaRPr lang="en-US"/>
           </a:p>
@@ -549,7 +556,7 @@
           <a:p>
             <a:fld id="{0EF236AA-7B6D-4441-A628-6010A10150CB}" type="slidenum">
               <a:rPr lang="en-US" smtClean="0"/>
-              <a:t>14</a:t>
+              <a:t>15</a:t>
             </a:fld>
             <a:endParaRPr lang="en-US"/>
           </a:p>
@@ -636,7 +643,7 @@
           <a:p>
             <a:fld id="{0EF236AA-7B6D-4441-A628-6010A10150CB}" type="slidenum">
               <a:rPr lang="en-US" smtClean="0"/>
-              <a:t>15</a:t>
+              <a:t>16</a:t>
             </a:fld>
             <a:endParaRPr lang="en-US"/>
           </a:p>
@@ -723,7 +730,7 @@
           <a:p>
             <a:fld id="{0EF236AA-7B6D-4441-A628-6010A10150CB}" type="slidenum">
               <a:rPr lang="en-US" smtClean="0"/>
-              <a:t>16</a:t>
+              <a:t>17</a:t>
             </a:fld>
             <a:endParaRPr lang="en-US"/>
           </a:p>
@@ -810,7 +817,7 @@
           <a:p>
             <a:fld id="{0EF236AA-7B6D-4441-A628-6010A10150CB}" type="slidenum">
               <a:rPr lang="en-US" smtClean="0"/>
-              <a:t>17</a:t>
+              <a:t>18</a:t>
             </a:fld>
             <a:endParaRPr lang="en-US"/>
           </a:p>
@@ -897,7 +904,7 @@
           <a:p>
             <a:fld id="{0EF236AA-7B6D-4441-A628-6010A10150CB}" type="slidenum">
               <a:rPr lang="en-US" smtClean="0"/>
-              <a:t>19</a:t>
+              <a:t>20</a:t>
             </a:fld>
             <a:endParaRPr lang="en-US"/>
           </a:p>
@@ -1063,7 +1070,7 @@
           <a:p>
             <a:fld id="{3956FE8A-FFD9-4037-BF2D-A987436C8928}" type="datetimeFigureOut">
               <a:rPr lang="en-US" smtClean="0"/>
-              <a:t>8/21/2023</a:t>
+              <a:t>8/23/2023</a:t>
             </a:fld>
             <a:endParaRPr lang="en-US"/>
           </a:p>
@@ -1261,7 +1268,7 @@
           <a:p>
             <a:fld id="{3956FE8A-FFD9-4037-BF2D-A987436C8928}" type="datetimeFigureOut">
               <a:rPr lang="en-US" smtClean="0"/>
-              <a:t>8/21/2023</a:t>
+              <a:t>8/23/2023</a:t>
             </a:fld>
             <a:endParaRPr lang="en-US"/>
           </a:p>
@@ -1469,7 +1476,7 @@
           <a:p>
             <a:fld id="{3956FE8A-FFD9-4037-BF2D-A987436C8928}" type="datetimeFigureOut">
               <a:rPr lang="en-US" smtClean="0"/>
-              <a:t>8/21/2023</a:t>
+              <a:t>8/23/2023</a:t>
             </a:fld>
             <a:endParaRPr lang="en-US"/>
           </a:p>
@@ -1667,7 +1674,7 @@
           <a:p>
             <a:fld id="{3956FE8A-FFD9-4037-BF2D-A987436C8928}" type="datetimeFigureOut">
               <a:rPr lang="en-US" smtClean="0"/>
-              <a:t>8/21/2023</a:t>
+              <a:t>8/23/2023</a:t>
             </a:fld>
             <a:endParaRPr lang="en-US"/>
           </a:p>
@@ -1942,7 +1949,7 @@
           <a:p>
             <a:fld id="{3956FE8A-FFD9-4037-BF2D-A987436C8928}" type="datetimeFigureOut">
               <a:rPr lang="en-US" smtClean="0"/>
-              <a:t>8/21/2023</a:t>
+              <a:t>8/23/2023</a:t>
             </a:fld>
             <a:endParaRPr lang="en-US"/>
           </a:p>
@@ -2207,7 +2214,7 @@
           <a:p>
             <a:fld id="{3956FE8A-FFD9-4037-BF2D-A987436C8928}" type="datetimeFigureOut">
               <a:rPr lang="en-US" smtClean="0"/>
-              <a:t>8/21/2023</a:t>
+              <a:t>8/23/2023</a:t>
             </a:fld>
             <a:endParaRPr lang="en-US"/>
           </a:p>
@@ -2619,7 +2626,7 @@
           <a:p>
             <a:fld id="{3956FE8A-FFD9-4037-BF2D-A987436C8928}" type="datetimeFigureOut">
               <a:rPr lang="en-US" smtClean="0"/>
-              <a:t>8/21/2023</a:t>
+              <a:t>8/23/2023</a:t>
             </a:fld>
             <a:endParaRPr lang="en-US"/>
           </a:p>
@@ -2760,7 +2767,7 @@
           <a:p>
             <a:fld id="{3956FE8A-FFD9-4037-BF2D-A987436C8928}" type="datetimeFigureOut">
               <a:rPr lang="en-US" smtClean="0"/>
-              <a:t>8/21/2023</a:t>
+              <a:t>8/23/2023</a:t>
             </a:fld>
             <a:endParaRPr lang="en-US"/>
           </a:p>
@@ -2873,7 +2880,7 @@
           <a:p>
             <a:fld id="{3956FE8A-FFD9-4037-BF2D-A987436C8928}" type="datetimeFigureOut">
               <a:rPr lang="en-US" smtClean="0"/>
-              <a:t>8/21/2023</a:t>
+              <a:t>8/23/2023</a:t>
             </a:fld>
             <a:endParaRPr lang="en-US"/>
           </a:p>
@@ -3184,7 +3191,7 @@
           <a:p>
             <a:fld id="{3956FE8A-FFD9-4037-BF2D-A987436C8928}" type="datetimeFigureOut">
               <a:rPr lang="en-US" smtClean="0"/>
-              <a:t>8/21/2023</a:t>
+              <a:t>8/23/2023</a:t>
             </a:fld>
             <a:endParaRPr lang="en-US"/>
           </a:p>
@@ -3472,7 +3479,7 @@
           <a:p>
             <a:fld id="{3956FE8A-FFD9-4037-BF2D-A987436C8928}" type="datetimeFigureOut">
               <a:rPr lang="en-US" smtClean="0"/>
-              <a:t>8/21/2023</a:t>
+              <a:t>8/23/2023</a:t>
             </a:fld>
             <a:endParaRPr lang="en-US"/>
           </a:p>
@@ -3713,7 +3720,7 @@
           <a:p>
             <a:fld id="{3956FE8A-FFD9-4037-BF2D-A987436C8928}" type="datetimeFigureOut">
               <a:rPr lang="en-US" smtClean="0"/>
-              <a:t>8/21/2023</a:t>
+              <a:t>8/23/2023</a:t>
             </a:fld>
             <a:endParaRPr lang="en-US"/>
           </a:p>
@@ -4237,6 +4244,1732 @@
           <p:cNvPr id="2" name="Title 1">
             <a:extLst>
               <a:ext uri="{FF2B5EF4-FFF2-40B4-BE49-F238E27FC236}">
+                <a16:creationId xmlns:a16="http://schemas.microsoft.com/office/drawing/2014/main" id="{BD4F47CC-15E3-1205-5B8E-1CB7B76DBEAF}"/>
+              </a:ext>
+            </a:extLst>
+          </p:cNvPr>
+          <p:cNvSpPr>
+            <a:spLocks noGrp="1"/>
+          </p:cNvSpPr>
+          <p:nvPr>
+            <p:ph type="title"/>
+          </p:nvPr>
+        </p:nvSpPr>
+        <p:spPr/>
+        <p:txBody>
+          <a:bodyPr/>
+          <a:lstStyle/>
+          <a:p>
+            <a:r>
+              <a:rPr lang="en-US" dirty="0"/>
+              <a:t>Tokens and grants</a:t>
+            </a:r>
+          </a:p>
+        </p:txBody>
+      </p:sp>
+      <p:sp>
+        <p:nvSpPr>
+          <p:cNvPr id="4" name="Text Placeholder 2">
+            <a:extLst>
+              <a:ext uri="{FF2B5EF4-FFF2-40B4-BE49-F238E27FC236}">
+                <a16:creationId xmlns:a16="http://schemas.microsoft.com/office/drawing/2014/main" id="{CDDAE6C4-0951-0DDB-7182-116586CC39FF}"/>
+              </a:ext>
+            </a:extLst>
+          </p:cNvPr>
+          <p:cNvSpPr txBox="1">
+            <a:spLocks/>
+          </p:cNvSpPr>
+          <p:nvPr/>
+        </p:nvSpPr>
+        <p:spPr>
+          <a:xfrm>
+            <a:off x="584200" y="1438275"/>
+            <a:ext cx="2532063" cy="307777"/>
+          </a:xfrm>
+          <a:prstGeom prst="rect">
+            <a:avLst/>
+          </a:prstGeom>
+        </p:spPr>
+        <p:txBody>
+          <a:bodyPr/>
+          <a:lstStyle>
+            <a:lvl1pPr marL="228600" indent="-228600" algn="l" defTabSz="914400" rtl="0" eaLnBrk="1" latinLnBrk="0" hangingPunct="1">
+              <a:lnSpc>
+                <a:spcPct val="90000"/>
+              </a:lnSpc>
+              <a:spcBef>
+                <a:spcPts val="1000"/>
+              </a:spcBef>
+              <a:buFont typeface="Arial" panose="020B0604020202020204" pitchFamily="34" charset="0"/>
+              <a:buChar char="•"/>
+              <a:defRPr sz="2800" kern="1200">
+                <a:solidFill>
+                  <a:schemeClr val="tx1"/>
+                </a:solidFill>
+                <a:latin typeface="+mn-lt"/>
+                <a:ea typeface="+mn-ea"/>
+                <a:cs typeface="+mn-cs"/>
+              </a:defRPr>
+            </a:lvl1pPr>
+            <a:lvl2pPr marL="685800" indent="-228600" algn="l" defTabSz="914400" rtl="0" eaLnBrk="1" latinLnBrk="0" hangingPunct="1">
+              <a:lnSpc>
+                <a:spcPct val="90000"/>
+              </a:lnSpc>
+              <a:spcBef>
+                <a:spcPts val="500"/>
+              </a:spcBef>
+              <a:buFont typeface="Arial" panose="020B0604020202020204" pitchFamily="34" charset="0"/>
+              <a:buChar char="•"/>
+              <a:defRPr sz="2400" kern="1200">
+                <a:solidFill>
+                  <a:schemeClr val="tx1"/>
+                </a:solidFill>
+                <a:latin typeface="+mn-lt"/>
+                <a:ea typeface="+mn-ea"/>
+                <a:cs typeface="+mn-cs"/>
+              </a:defRPr>
+            </a:lvl2pPr>
+            <a:lvl3pPr marL="1143000" indent="-228600" algn="l" defTabSz="914400" rtl="0" eaLnBrk="1" latinLnBrk="0" hangingPunct="1">
+              <a:lnSpc>
+                <a:spcPct val="90000"/>
+              </a:lnSpc>
+              <a:spcBef>
+                <a:spcPts val="500"/>
+              </a:spcBef>
+              <a:buFont typeface="Arial" panose="020B0604020202020204" pitchFamily="34" charset="0"/>
+              <a:buChar char="•"/>
+              <a:defRPr sz="2000" kern="1200">
+                <a:solidFill>
+                  <a:schemeClr val="tx1"/>
+                </a:solidFill>
+                <a:latin typeface="+mn-lt"/>
+                <a:ea typeface="+mn-ea"/>
+                <a:cs typeface="+mn-cs"/>
+              </a:defRPr>
+            </a:lvl3pPr>
+            <a:lvl4pPr marL="1600200" indent="-228600" algn="l" defTabSz="914400" rtl="0" eaLnBrk="1" latinLnBrk="0" hangingPunct="1">
+              <a:lnSpc>
+                <a:spcPct val="90000"/>
+              </a:lnSpc>
+              <a:spcBef>
+                <a:spcPts val="500"/>
+              </a:spcBef>
+              <a:buFont typeface="Arial" panose="020B0604020202020204" pitchFamily="34" charset="0"/>
+              <a:buChar char="•"/>
+              <a:defRPr sz="1800" kern="1200">
+                <a:solidFill>
+                  <a:schemeClr val="tx1"/>
+                </a:solidFill>
+                <a:latin typeface="+mn-lt"/>
+                <a:ea typeface="+mn-ea"/>
+                <a:cs typeface="+mn-cs"/>
+              </a:defRPr>
+            </a:lvl4pPr>
+            <a:lvl5pPr marL="2057400" indent="-228600" algn="l" defTabSz="914400" rtl="0" eaLnBrk="1" latinLnBrk="0" hangingPunct="1">
+              <a:lnSpc>
+                <a:spcPct val="90000"/>
+              </a:lnSpc>
+              <a:spcBef>
+                <a:spcPts val="500"/>
+              </a:spcBef>
+              <a:buFont typeface="Arial" panose="020B0604020202020204" pitchFamily="34" charset="0"/>
+              <a:buChar char="•"/>
+              <a:defRPr sz="1800" kern="1200">
+                <a:solidFill>
+                  <a:schemeClr val="tx1"/>
+                </a:solidFill>
+                <a:latin typeface="+mn-lt"/>
+                <a:ea typeface="+mn-ea"/>
+                <a:cs typeface="+mn-cs"/>
+              </a:defRPr>
+            </a:lvl5pPr>
+            <a:lvl6pPr marL="2514600" indent="-228600" algn="l" defTabSz="914400" rtl="0" eaLnBrk="1" latinLnBrk="0" hangingPunct="1">
+              <a:lnSpc>
+                <a:spcPct val="90000"/>
+              </a:lnSpc>
+              <a:spcBef>
+                <a:spcPts val="500"/>
+              </a:spcBef>
+              <a:buFont typeface="Arial" panose="020B0604020202020204" pitchFamily="34" charset="0"/>
+              <a:buChar char="•"/>
+              <a:defRPr sz="1800" kern="1200">
+                <a:solidFill>
+                  <a:schemeClr val="tx1"/>
+                </a:solidFill>
+                <a:latin typeface="+mn-lt"/>
+                <a:ea typeface="+mn-ea"/>
+                <a:cs typeface="+mn-cs"/>
+              </a:defRPr>
+            </a:lvl6pPr>
+            <a:lvl7pPr marL="2971800" indent="-228600" algn="l" defTabSz="914400" rtl="0" eaLnBrk="1" latinLnBrk="0" hangingPunct="1">
+              <a:lnSpc>
+                <a:spcPct val="90000"/>
+              </a:lnSpc>
+              <a:spcBef>
+                <a:spcPts val="500"/>
+              </a:spcBef>
+              <a:buFont typeface="Arial" panose="020B0604020202020204" pitchFamily="34" charset="0"/>
+              <a:buChar char="•"/>
+              <a:defRPr sz="1800" kern="1200">
+                <a:solidFill>
+                  <a:schemeClr val="tx1"/>
+                </a:solidFill>
+                <a:latin typeface="+mn-lt"/>
+                <a:ea typeface="+mn-ea"/>
+                <a:cs typeface="+mn-cs"/>
+              </a:defRPr>
+            </a:lvl7pPr>
+            <a:lvl8pPr marL="3429000" indent="-228600" algn="l" defTabSz="914400" rtl="0" eaLnBrk="1" latinLnBrk="0" hangingPunct="1">
+              <a:lnSpc>
+                <a:spcPct val="90000"/>
+              </a:lnSpc>
+              <a:spcBef>
+                <a:spcPts val="500"/>
+              </a:spcBef>
+              <a:buFont typeface="Arial" panose="020B0604020202020204" pitchFamily="34" charset="0"/>
+              <a:buChar char="•"/>
+              <a:defRPr sz="1800" kern="1200">
+                <a:solidFill>
+                  <a:schemeClr val="tx1"/>
+                </a:solidFill>
+                <a:latin typeface="+mn-lt"/>
+                <a:ea typeface="+mn-ea"/>
+                <a:cs typeface="+mn-cs"/>
+              </a:defRPr>
+            </a:lvl8pPr>
+            <a:lvl9pPr marL="3886200" indent="-228600" algn="l" defTabSz="914400" rtl="0" eaLnBrk="1" latinLnBrk="0" hangingPunct="1">
+              <a:lnSpc>
+                <a:spcPct val="90000"/>
+              </a:lnSpc>
+              <a:spcBef>
+                <a:spcPts val="500"/>
+              </a:spcBef>
+              <a:buFont typeface="Arial" panose="020B0604020202020204" pitchFamily="34" charset="0"/>
+              <a:buChar char="•"/>
+              <a:defRPr sz="1800" kern="1200">
+                <a:solidFill>
+                  <a:schemeClr val="tx1"/>
+                </a:solidFill>
+                <a:latin typeface="+mn-lt"/>
+                <a:ea typeface="+mn-ea"/>
+                <a:cs typeface="+mn-cs"/>
+              </a:defRPr>
+            </a:lvl9pPr>
+          </a:lstStyle>
+          <a:p>
+            <a:pPr marL="0" indent="0">
+              <a:buNone/>
+            </a:pPr>
+            <a:r>
+              <a:rPr lang="en-US" dirty="0"/>
+              <a:t>Access Token</a:t>
+            </a:r>
+          </a:p>
+        </p:txBody>
+      </p:sp>
+      <p:sp>
+        <p:nvSpPr>
+          <p:cNvPr id="5" name="Text Placeholder 3">
+            <a:extLst>
+              <a:ext uri="{FF2B5EF4-FFF2-40B4-BE49-F238E27FC236}">
+                <a16:creationId xmlns:a16="http://schemas.microsoft.com/office/drawing/2014/main" id="{6D84282D-D601-440A-7C7E-AB46813A5965}"/>
+              </a:ext>
+            </a:extLst>
+          </p:cNvPr>
+          <p:cNvSpPr txBox="1">
+            <a:spLocks/>
+          </p:cNvSpPr>
+          <p:nvPr/>
+        </p:nvSpPr>
+        <p:spPr>
+          <a:xfrm>
+            <a:off x="584200" y="2283115"/>
+            <a:ext cx="2532063" cy="1883593"/>
+          </a:xfrm>
+          <a:prstGeom prst="rect">
+            <a:avLst/>
+          </a:prstGeom>
+        </p:spPr>
+        <p:txBody>
+          <a:bodyPr/>
+          <a:lstStyle>
+            <a:lvl1pPr marL="228600" indent="-228600" algn="l" defTabSz="914400" rtl="0" eaLnBrk="1" latinLnBrk="0" hangingPunct="1">
+              <a:lnSpc>
+                <a:spcPct val="90000"/>
+              </a:lnSpc>
+              <a:spcBef>
+                <a:spcPts val="1000"/>
+              </a:spcBef>
+              <a:buFont typeface="Arial" panose="020B0604020202020204" pitchFamily="34" charset="0"/>
+              <a:buChar char="•"/>
+              <a:defRPr sz="2800" kern="1200">
+                <a:solidFill>
+                  <a:schemeClr val="tx1"/>
+                </a:solidFill>
+                <a:latin typeface="+mn-lt"/>
+                <a:ea typeface="+mn-ea"/>
+                <a:cs typeface="+mn-cs"/>
+              </a:defRPr>
+            </a:lvl1pPr>
+            <a:lvl2pPr marL="685800" indent="-228600" algn="l" defTabSz="914400" rtl="0" eaLnBrk="1" latinLnBrk="0" hangingPunct="1">
+              <a:lnSpc>
+                <a:spcPct val="90000"/>
+              </a:lnSpc>
+              <a:spcBef>
+                <a:spcPts val="500"/>
+              </a:spcBef>
+              <a:buFont typeface="Arial" panose="020B0604020202020204" pitchFamily="34" charset="0"/>
+              <a:buChar char="•"/>
+              <a:defRPr sz="2400" kern="1200">
+                <a:solidFill>
+                  <a:schemeClr val="tx1"/>
+                </a:solidFill>
+                <a:latin typeface="+mn-lt"/>
+                <a:ea typeface="+mn-ea"/>
+                <a:cs typeface="+mn-cs"/>
+              </a:defRPr>
+            </a:lvl2pPr>
+            <a:lvl3pPr marL="1143000" indent="-228600" algn="l" defTabSz="914400" rtl="0" eaLnBrk="1" latinLnBrk="0" hangingPunct="1">
+              <a:lnSpc>
+                <a:spcPct val="90000"/>
+              </a:lnSpc>
+              <a:spcBef>
+                <a:spcPts val="500"/>
+              </a:spcBef>
+              <a:buFont typeface="Arial" panose="020B0604020202020204" pitchFamily="34" charset="0"/>
+              <a:buChar char="•"/>
+              <a:defRPr sz="2000" kern="1200">
+                <a:solidFill>
+                  <a:schemeClr val="tx1"/>
+                </a:solidFill>
+                <a:latin typeface="+mn-lt"/>
+                <a:ea typeface="+mn-ea"/>
+                <a:cs typeface="+mn-cs"/>
+              </a:defRPr>
+            </a:lvl3pPr>
+            <a:lvl4pPr marL="1600200" indent="-228600" algn="l" defTabSz="914400" rtl="0" eaLnBrk="1" latinLnBrk="0" hangingPunct="1">
+              <a:lnSpc>
+                <a:spcPct val="90000"/>
+              </a:lnSpc>
+              <a:spcBef>
+                <a:spcPts val="500"/>
+              </a:spcBef>
+              <a:buFont typeface="Arial" panose="020B0604020202020204" pitchFamily="34" charset="0"/>
+              <a:buChar char="•"/>
+              <a:defRPr sz="1800" kern="1200">
+                <a:solidFill>
+                  <a:schemeClr val="tx1"/>
+                </a:solidFill>
+                <a:latin typeface="+mn-lt"/>
+                <a:ea typeface="+mn-ea"/>
+                <a:cs typeface="+mn-cs"/>
+              </a:defRPr>
+            </a:lvl4pPr>
+            <a:lvl5pPr marL="2057400" indent="-228600" algn="l" defTabSz="914400" rtl="0" eaLnBrk="1" latinLnBrk="0" hangingPunct="1">
+              <a:lnSpc>
+                <a:spcPct val="90000"/>
+              </a:lnSpc>
+              <a:spcBef>
+                <a:spcPts val="500"/>
+              </a:spcBef>
+              <a:buFont typeface="Arial" panose="020B0604020202020204" pitchFamily="34" charset="0"/>
+              <a:buChar char="•"/>
+              <a:defRPr sz="1800" kern="1200">
+                <a:solidFill>
+                  <a:schemeClr val="tx1"/>
+                </a:solidFill>
+                <a:latin typeface="+mn-lt"/>
+                <a:ea typeface="+mn-ea"/>
+                <a:cs typeface="+mn-cs"/>
+              </a:defRPr>
+            </a:lvl5pPr>
+            <a:lvl6pPr marL="2514600" indent="-228600" algn="l" defTabSz="914400" rtl="0" eaLnBrk="1" latinLnBrk="0" hangingPunct="1">
+              <a:lnSpc>
+                <a:spcPct val="90000"/>
+              </a:lnSpc>
+              <a:spcBef>
+                <a:spcPts val="500"/>
+              </a:spcBef>
+              <a:buFont typeface="Arial" panose="020B0604020202020204" pitchFamily="34" charset="0"/>
+              <a:buChar char="•"/>
+              <a:defRPr sz="1800" kern="1200">
+                <a:solidFill>
+                  <a:schemeClr val="tx1"/>
+                </a:solidFill>
+                <a:latin typeface="+mn-lt"/>
+                <a:ea typeface="+mn-ea"/>
+                <a:cs typeface="+mn-cs"/>
+              </a:defRPr>
+            </a:lvl6pPr>
+            <a:lvl7pPr marL="2971800" indent="-228600" algn="l" defTabSz="914400" rtl="0" eaLnBrk="1" latinLnBrk="0" hangingPunct="1">
+              <a:lnSpc>
+                <a:spcPct val="90000"/>
+              </a:lnSpc>
+              <a:spcBef>
+                <a:spcPts val="500"/>
+              </a:spcBef>
+              <a:buFont typeface="Arial" panose="020B0604020202020204" pitchFamily="34" charset="0"/>
+              <a:buChar char="•"/>
+              <a:defRPr sz="1800" kern="1200">
+                <a:solidFill>
+                  <a:schemeClr val="tx1"/>
+                </a:solidFill>
+                <a:latin typeface="+mn-lt"/>
+                <a:ea typeface="+mn-ea"/>
+                <a:cs typeface="+mn-cs"/>
+              </a:defRPr>
+            </a:lvl7pPr>
+            <a:lvl8pPr marL="3429000" indent="-228600" algn="l" defTabSz="914400" rtl="0" eaLnBrk="1" latinLnBrk="0" hangingPunct="1">
+              <a:lnSpc>
+                <a:spcPct val="90000"/>
+              </a:lnSpc>
+              <a:spcBef>
+                <a:spcPts val="500"/>
+              </a:spcBef>
+              <a:buFont typeface="Arial" panose="020B0604020202020204" pitchFamily="34" charset="0"/>
+              <a:buChar char="•"/>
+              <a:defRPr sz="1800" kern="1200">
+                <a:solidFill>
+                  <a:schemeClr val="tx1"/>
+                </a:solidFill>
+                <a:latin typeface="+mn-lt"/>
+                <a:ea typeface="+mn-ea"/>
+                <a:cs typeface="+mn-cs"/>
+              </a:defRPr>
+            </a:lvl8pPr>
+            <a:lvl9pPr marL="3886200" indent="-228600" algn="l" defTabSz="914400" rtl="0" eaLnBrk="1" latinLnBrk="0" hangingPunct="1">
+              <a:lnSpc>
+                <a:spcPct val="90000"/>
+              </a:lnSpc>
+              <a:spcBef>
+                <a:spcPts val="500"/>
+              </a:spcBef>
+              <a:buFont typeface="Arial" panose="020B0604020202020204" pitchFamily="34" charset="0"/>
+              <a:buChar char="•"/>
+              <a:defRPr sz="1800" kern="1200">
+                <a:solidFill>
+                  <a:schemeClr val="tx1"/>
+                </a:solidFill>
+                <a:latin typeface="+mn-lt"/>
+                <a:ea typeface="+mn-ea"/>
+                <a:cs typeface="+mn-cs"/>
+              </a:defRPr>
+            </a:lvl9pPr>
+          </a:lstStyle>
+          <a:p>
+            <a:r>
+              <a:rPr lang="en-US" sz="1800" dirty="0"/>
+              <a:t>JWT </a:t>
+            </a:r>
+          </a:p>
+          <a:p>
+            <a:r>
+              <a:rPr lang="en-US" sz="1800" dirty="0"/>
+              <a:t>Requested by client</a:t>
+            </a:r>
+          </a:p>
+          <a:p>
+            <a:r>
+              <a:rPr lang="en-US" sz="1800" dirty="0"/>
+              <a:t>For a resource</a:t>
+            </a:r>
+          </a:p>
+          <a:p>
+            <a:r>
+              <a:rPr lang="en-US" sz="1800" dirty="0"/>
+              <a:t>Provide </a:t>
+            </a:r>
+            <a:r>
+              <a:rPr lang="en-US" sz="1800" dirty="0" err="1"/>
+              <a:t>authz</a:t>
+            </a:r>
+            <a:r>
+              <a:rPr lang="en-US" sz="1800" dirty="0"/>
+              <a:t> data, e.g. scope</a:t>
+            </a:r>
+          </a:p>
+          <a:p>
+            <a:endParaRPr lang="en-US" sz="1800" dirty="0"/>
+          </a:p>
+        </p:txBody>
+      </p:sp>
+      <p:sp>
+        <p:nvSpPr>
+          <p:cNvPr id="6" name="Text Placeholder 4">
+            <a:extLst>
+              <a:ext uri="{FF2B5EF4-FFF2-40B4-BE49-F238E27FC236}">
+                <a16:creationId xmlns:a16="http://schemas.microsoft.com/office/drawing/2014/main" id="{A88F07B4-FC1D-CF00-12C1-BDE39C0248B4}"/>
+              </a:ext>
+            </a:extLst>
+          </p:cNvPr>
+          <p:cNvSpPr txBox="1">
+            <a:spLocks/>
+          </p:cNvSpPr>
+          <p:nvPr/>
+        </p:nvSpPr>
+        <p:spPr>
+          <a:xfrm>
+            <a:off x="3413125" y="1438275"/>
+            <a:ext cx="2533650" cy="307777"/>
+          </a:xfrm>
+          <a:prstGeom prst="rect">
+            <a:avLst/>
+          </a:prstGeom>
+        </p:spPr>
+        <p:txBody>
+          <a:bodyPr/>
+          <a:lstStyle>
+            <a:lvl1pPr marL="228600" indent="-228600" algn="l" defTabSz="914400" rtl="0" eaLnBrk="1" latinLnBrk="0" hangingPunct="1">
+              <a:lnSpc>
+                <a:spcPct val="90000"/>
+              </a:lnSpc>
+              <a:spcBef>
+                <a:spcPts val="1000"/>
+              </a:spcBef>
+              <a:buFont typeface="Arial" panose="020B0604020202020204" pitchFamily="34" charset="0"/>
+              <a:buChar char="•"/>
+              <a:defRPr sz="2800" kern="1200">
+                <a:solidFill>
+                  <a:schemeClr val="tx1"/>
+                </a:solidFill>
+                <a:latin typeface="+mn-lt"/>
+                <a:ea typeface="+mn-ea"/>
+                <a:cs typeface="+mn-cs"/>
+              </a:defRPr>
+            </a:lvl1pPr>
+            <a:lvl2pPr marL="685800" indent="-228600" algn="l" defTabSz="914400" rtl="0" eaLnBrk="1" latinLnBrk="0" hangingPunct="1">
+              <a:lnSpc>
+                <a:spcPct val="90000"/>
+              </a:lnSpc>
+              <a:spcBef>
+                <a:spcPts val="500"/>
+              </a:spcBef>
+              <a:buFont typeface="Arial" panose="020B0604020202020204" pitchFamily="34" charset="0"/>
+              <a:buChar char="•"/>
+              <a:defRPr sz="2400" kern="1200">
+                <a:solidFill>
+                  <a:schemeClr val="tx1"/>
+                </a:solidFill>
+                <a:latin typeface="+mn-lt"/>
+                <a:ea typeface="+mn-ea"/>
+                <a:cs typeface="+mn-cs"/>
+              </a:defRPr>
+            </a:lvl2pPr>
+            <a:lvl3pPr marL="1143000" indent="-228600" algn="l" defTabSz="914400" rtl="0" eaLnBrk="1" latinLnBrk="0" hangingPunct="1">
+              <a:lnSpc>
+                <a:spcPct val="90000"/>
+              </a:lnSpc>
+              <a:spcBef>
+                <a:spcPts val="500"/>
+              </a:spcBef>
+              <a:buFont typeface="Arial" panose="020B0604020202020204" pitchFamily="34" charset="0"/>
+              <a:buChar char="•"/>
+              <a:defRPr sz="2000" kern="1200">
+                <a:solidFill>
+                  <a:schemeClr val="tx1"/>
+                </a:solidFill>
+                <a:latin typeface="+mn-lt"/>
+                <a:ea typeface="+mn-ea"/>
+                <a:cs typeface="+mn-cs"/>
+              </a:defRPr>
+            </a:lvl3pPr>
+            <a:lvl4pPr marL="1600200" indent="-228600" algn="l" defTabSz="914400" rtl="0" eaLnBrk="1" latinLnBrk="0" hangingPunct="1">
+              <a:lnSpc>
+                <a:spcPct val="90000"/>
+              </a:lnSpc>
+              <a:spcBef>
+                <a:spcPts val="500"/>
+              </a:spcBef>
+              <a:buFont typeface="Arial" panose="020B0604020202020204" pitchFamily="34" charset="0"/>
+              <a:buChar char="•"/>
+              <a:defRPr sz="1800" kern="1200">
+                <a:solidFill>
+                  <a:schemeClr val="tx1"/>
+                </a:solidFill>
+                <a:latin typeface="+mn-lt"/>
+                <a:ea typeface="+mn-ea"/>
+                <a:cs typeface="+mn-cs"/>
+              </a:defRPr>
+            </a:lvl4pPr>
+            <a:lvl5pPr marL="2057400" indent="-228600" algn="l" defTabSz="914400" rtl="0" eaLnBrk="1" latinLnBrk="0" hangingPunct="1">
+              <a:lnSpc>
+                <a:spcPct val="90000"/>
+              </a:lnSpc>
+              <a:spcBef>
+                <a:spcPts val="500"/>
+              </a:spcBef>
+              <a:buFont typeface="Arial" panose="020B0604020202020204" pitchFamily="34" charset="0"/>
+              <a:buChar char="•"/>
+              <a:defRPr sz="1800" kern="1200">
+                <a:solidFill>
+                  <a:schemeClr val="tx1"/>
+                </a:solidFill>
+                <a:latin typeface="+mn-lt"/>
+                <a:ea typeface="+mn-ea"/>
+                <a:cs typeface="+mn-cs"/>
+              </a:defRPr>
+            </a:lvl5pPr>
+            <a:lvl6pPr marL="2514600" indent="-228600" algn="l" defTabSz="914400" rtl="0" eaLnBrk="1" latinLnBrk="0" hangingPunct="1">
+              <a:lnSpc>
+                <a:spcPct val="90000"/>
+              </a:lnSpc>
+              <a:spcBef>
+                <a:spcPts val="500"/>
+              </a:spcBef>
+              <a:buFont typeface="Arial" panose="020B0604020202020204" pitchFamily="34" charset="0"/>
+              <a:buChar char="•"/>
+              <a:defRPr sz="1800" kern="1200">
+                <a:solidFill>
+                  <a:schemeClr val="tx1"/>
+                </a:solidFill>
+                <a:latin typeface="+mn-lt"/>
+                <a:ea typeface="+mn-ea"/>
+                <a:cs typeface="+mn-cs"/>
+              </a:defRPr>
+            </a:lvl6pPr>
+            <a:lvl7pPr marL="2971800" indent="-228600" algn="l" defTabSz="914400" rtl="0" eaLnBrk="1" latinLnBrk="0" hangingPunct="1">
+              <a:lnSpc>
+                <a:spcPct val="90000"/>
+              </a:lnSpc>
+              <a:spcBef>
+                <a:spcPts val="500"/>
+              </a:spcBef>
+              <a:buFont typeface="Arial" panose="020B0604020202020204" pitchFamily="34" charset="0"/>
+              <a:buChar char="•"/>
+              <a:defRPr sz="1800" kern="1200">
+                <a:solidFill>
+                  <a:schemeClr val="tx1"/>
+                </a:solidFill>
+                <a:latin typeface="+mn-lt"/>
+                <a:ea typeface="+mn-ea"/>
+                <a:cs typeface="+mn-cs"/>
+              </a:defRPr>
+            </a:lvl7pPr>
+            <a:lvl8pPr marL="3429000" indent="-228600" algn="l" defTabSz="914400" rtl="0" eaLnBrk="1" latinLnBrk="0" hangingPunct="1">
+              <a:lnSpc>
+                <a:spcPct val="90000"/>
+              </a:lnSpc>
+              <a:spcBef>
+                <a:spcPts val="500"/>
+              </a:spcBef>
+              <a:buFont typeface="Arial" panose="020B0604020202020204" pitchFamily="34" charset="0"/>
+              <a:buChar char="•"/>
+              <a:defRPr sz="1800" kern="1200">
+                <a:solidFill>
+                  <a:schemeClr val="tx1"/>
+                </a:solidFill>
+                <a:latin typeface="+mn-lt"/>
+                <a:ea typeface="+mn-ea"/>
+                <a:cs typeface="+mn-cs"/>
+              </a:defRPr>
+            </a:lvl8pPr>
+            <a:lvl9pPr marL="3886200" indent="-228600" algn="l" defTabSz="914400" rtl="0" eaLnBrk="1" latinLnBrk="0" hangingPunct="1">
+              <a:lnSpc>
+                <a:spcPct val="90000"/>
+              </a:lnSpc>
+              <a:spcBef>
+                <a:spcPts val="500"/>
+              </a:spcBef>
+              <a:buFont typeface="Arial" panose="020B0604020202020204" pitchFamily="34" charset="0"/>
+              <a:buChar char="•"/>
+              <a:defRPr sz="1800" kern="1200">
+                <a:solidFill>
+                  <a:schemeClr val="tx1"/>
+                </a:solidFill>
+                <a:latin typeface="+mn-lt"/>
+                <a:ea typeface="+mn-ea"/>
+                <a:cs typeface="+mn-cs"/>
+              </a:defRPr>
+            </a:lvl9pPr>
+          </a:lstStyle>
+          <a:p>
+            <a:pPr marL="0" indent="0">
+              <a:buNone/>
+            </a:pPr>
+            <a:r>
+              <a:rPr lang="en-US" dirty="0"/>
+              <a:t>Id token</a:t>
+            </a:r>
+          </a:p>
+        </p:txBody>
+      </p:sp>
+      <p:sp>
+        <p:nvSpPr>
+          <p:cNvPr id="7" name="Text Placeholder 5">
+            <a:extLst>
+              <a:ext uri="{FF2B5EF4-FFF2-40B4-BE49-F238E27FC236}">
+                <a16:creationId xmlns:a16="http://schemas.microsoft.com/office/drawing/2014/main" id="{FE54F9EF-79C1-EFD4-0F96-4D17D2DD3580}"/>
+              </a:ext>
+            </a:extLst>
+          </p:cNvPr>
+          <p:cNvSpPr txBox="1">
+            <a:spLocks/>
+          </p:cNvSpPr>
+          <p:nvPr/>
+        </p:nvSpPr>
+        <p:spPr>
+          <a:xfrm>
+            <a:off x="3413125" y="2276475"/>
+            <a:ext cx="2532063" cy="3323987"/>
+          </a:xfrm>
+          <a:prstGeom prst="rect">
+            <a:avLst/>
+          </a:prstGeom>
+        </p:spPr>
+        <p:txBody>
+          <a:bodyPr/>
+          <a:lstStyle>
+            <a:lvl1pPr marL="228600" indent="-228600" algn="l" defTabSz="914400" rtl="0" eaLnBrk="1" latinLnBrk="0" hangingPunct="1">
+              <a:lnSpc>
+                <a:spcPct val="90000"/>
+              </a:lnSpc>
+              <a:spcBef>
+                <a:spcPts val="1000"/>
+              </a:spcBef>
+              <a:buFont typeface="Arial" panose="020B0604020202020204" pitchFamily="34" charset="0"/>
+              <a:buChar char="•"/>
+              <a:defRPr sz="2800" kern="1200">
+                <a:solidFill>
+                  <a:schemeClr val="tx1"/>
+                </a:solidFill>
+                <a:latin typeface="+mn-lt"/>
+                <a:ea typeface="+mn-ea"/>
+                <a:cs typeface="+mn-cs"/>
+              </a:defRPr>
+            </a:lvl1pPr>
+            <a:lvl2pPr marL="685800" indent="-228600" algn="l" defTabSz="914400" rtl="0" eaLnBrk="1" latinLnBrk="0" hangingPunct="1">
+              <a:lnSpc>
+                <a:spcPct val="90000"/>
+              </a:lnSpc>
+              <a:spcBef>
+                <a:spcPts val="500"/>
+              </a:spcBef>
+              <a:buFont typeface="Arial" panose="020B0604020202020204" pitchFamily="34" charset="0"/>
+              <a:buChar char="•"/>
+              <a:defRPr sz="2400" kern="1200">
+                <a:solidFill>
+                  <a:schemeClr val="tx1"/>
+                </a:solidFill>
+                <a:latin typeface="+mn-lt"/>
+                <a:ea typeface="+mn-ea"/>
+                <a:cs typeface="+mn-cs"/>
+              </a:defRPr>
+            </a:lvl2pPr>
+            <a:lvl3pPr marL="1143000" indent="-228600" algn="l" defTabSz="914400" rtl="0" eaLnBrk="1" latinLnBrk="0" hangingPunct="1">
+              <a:lnSpc>
+                <a:spcPct val="90000"/>
+              </a:lnSpc>
+              <a:spcBef>
+                <a:spcPts val="500"/>
+              </a:spcBef>
+              <a:buFont typeface="Arial" panose="020B0604020202020204" pitchFamily="34" charset="0"/>
+              <a:buChar char="•"/>
+              <a:defRPr sz="2000" kern="1200">
+                <a:solidFill>
+                  <a:schemeClr val="tx1"/>
+                </a:solidFill>
+                <a:latin typeface="+mn-lt"/>
+                <a:ea typeface="+mn-ea"/>
+                <a:cs typeface="+mn-cs"/>
+              </a:defRPr>
+            </a:lvl3pPr>
+            <a:lvl4pPr marL="1600200" indent="-228600" algn="l" defTabSz="914400" rtl="0" eaLnBrk="1" latinLnBrk="0" hangingPunct="1">
+              <a:lnSpc>
+                <a:spcPct val="90000"/>
+              </a:lnSpc>
+              <a:spcBef>
+                <a:spcPts val="500"/>
+              </a:spcBef>
+              <a:buFont typeface="Arial" panose="020B0604020202020204" pitchFamily="34" charset="0"/>
+              <a:buChar char="•"/>
+              <a:defRPr sz="1800" kern="1200">
+                <a:solidFill>
+                  <a:schemeClr val="tx1"/>
+                </a:solidFill>
+                <a:latin typeface="+mn-lt"/>
+                <a:ea typeface="+mn-ea"/>
+                <a:cs typeface="+mn-cs"/>
+              </a:defRPr>
+            </a:lvl4pPr>
+            <a:lvl5pPr marL="2057400" indent="-228600" algn="l" defTabSz="914400" rtl="0" eaLnBrk="1" latinLnBrk="0" hangingPunct="1">
+              <a:lnSpc>
+                <a:spcPct val="90000"/>
+              </a:lnSpc>
+              <a:spcBef>
+                <a:spcPts val="500"/>
+              </a:spcBef>
+              <a:buFont typeface="Arial" panose="020B0604020202020204" pitchFamily="34" charset="0"/>
+              <a:buChar char="•"/>
+              <a:defRPr sz="1800" kern="1200">
+                <a:solidFill>
+                  <a:schemeClr val="tx1"/>
+                </a:solidFill>
+                <a:latin typeface="+mn-lt"/>
+                <a:ea typeface="+mn-ea"/>
+                <a:cs typeface="+mn-cs"/>
+              </a:defRPr>
+            </a:lvl5pPr>
+            <a:lvl6pPr marL="2514600" indent="-228600" algn="l" defTabSz="914400" rtl="0" eaLnBrk="1" latinLnBrk="0" hangingPunct="1">
+              <a:lnSpc>
+                <a:spcPct val="90000"/>
+              </a:lnSpc>
+              <a:spcBef>
+                <a:spcPts val="500"/>
+              </a:spcBef>
+              <a:buFont typeface="Arial" panose="020B0604020202020204" pitchFamily="34" charset="0"/>
+              <a:buChar char="•"/>
+              <a:defRPr sz="1800" kern="1200">
+                <a:solidFill>
+                  <a:schemeClr val="tx1"/>
+                </a:solidFill>
+                <a:latin typeface="+mn-lt"/>
+                <a:ea typeface="+mn-ea"/>
+                <a:cs typeface="+mn-cs"/>
+              </a:defRPr>
+            </a:lvl6pPr>
+            <a:lvl7pPr marL="2971800" indent="-228600" algn="l" defTabSz="914400" rtl="0" eaLnBrk="1" latinLnBrk="0" hangingPunct="1">
+              <a:lnSpc>
+                <a:spcPct val="90000"/>
+              </a:lnSpc>
+              <a:spcBef>
+                <a:spcPts val="500"/>
+              </a:spcBef>
+              <a:buFont typeface="Arial" panose="020B0604020202020204" pitchFamily="34" charset="0"/>
+              <a:buChar char="•"/>
+              <a:defRPr sz="1800" kern="1200">
+                <a:solidFill>
+                  <a:schemeClr val="tx1"/>
+                </a:solidFill>
+                <a:latin typeface="+mn-lt"/>
+                <a:ea typeface="+mn-ea"/>
+                <a:cs typeface="+mn-cs"/>
+              </a:defRPr>
+            </a:lvl7pPr>
+            <a:lvl8pPr marL="3429000" indent="-228600" algn="l" defTabSz="914400" rtl="0" eaLnBrk="1" latinLnBrk="0" hangingPunct="1">
+              <a:lnSpc>
+                <a:spcPct val="90000"/>
+              </a:lnSpc>
+              <a:spcBef>
+                <a:spcPts val="500"/>
+              </a:spcBef>
+              <a:buFont typeface="Arial" panose="020B0604020202020204" pitchFamily="34" charset="0"/>
+              <a:buChar char="•"/>
+              <a:defRPr sz="1800" kern="1200">
+                <a:solidFill>
+                  <a:schemeClr val="tx1"/>
+                </a:solidFill>
+                <a:latin typeface="+mn-lt"/>
+                <a:ea typeface="+mn-ea"/>
+                <a:cs typeface="+mn-cs"/>
+              </a:defRPr>
+            </a:lvl8pPr>
+            <a:lvl9pPr marL="3886200" indent="-228600" algn="l" defTabSz="914400" rtl="0" eaLnBrk="1" latinLnBrk="0" hangingPunct="1">
+              <a:lnSpc>
+                <a:spcPct val="90000"/>
+              </a:lnSpc>
+              <a:spcBef>
+                <a:spcPts val="500"/>
+              </a:spcBef>
+              <a:buFont typeface="Arial" panose="020B0604020202020204" pitchFamily="34" charset="0"/>
+              <a:buChar char="•"/>
+              <a:defRPr sz="1800" kern="1200">
+                <a:solidFill>
+                  <a:schemeClr val="tx1"/>
+                </a:solidFill>
+                <a:latin typeface="+mn-lt"/>
+                <a:ea typeface="+mn-ea"/>
+                <a:cs typeface="+mn-cs"/>
+              </a:defRPr>
+            </a:lvl9pPr>
+          </a:lstStyle>
+          <a:p>
+            <a:r>
+              <a:rPr lang="en-US" sz="1800" dirty="0"/>
+              <a:t>JWT</a:t>
+            </a:r>
+          </a:p>
+          <a:p>
+            <a:r>
+              <a:rPr lang="en-US" sz="1800" dirty="0"/>
+              <a:t>Requested by client</a:t>
+            </a:r>
+          </a:p>
+          <a:p>
+            <a:r>
+              <a:rPr lang="en-US" sz="1800" dirty="0"/>
+              <a:t>For own use</a:t>
+            </a:r>
+          </a:p>
+          <a:p>
+            <a:r>
+              <a:rPr lang="en-US" sz="1800" dirty="0"/>
+              <a:t>Claims describing a user</a:t>
+            </a:r>
+          </a:p>
+          <a:p>
+            <a:r>
+              <a:rPr lang="en-US" sz="1800" dirty="0"/>
+              <a:t>Use MS Graph to get detailed user info</a:t>
+            </a:r>
+          </a:p>
+          <a:p>
+            <a:endParaRPr lang="en-US" sz="1800" dirty="0"/>
+          </a:p>
+        </p:txBody>
+      </p:sp>
+      <p:sp>
+        <p:nvSpPr>
+          <p:cNvPr id="8" name="Text Placeholder 6">
+            <a:extLst>
+              <a:ext uri="{FF2B5EF4-FFF2-40B4-BE49-F238E27FC236}">
+                <a16:creationId xmlns:a16="http://schemas.microsoft.com/office/drawing/2014/main" id="{5387E117-4565-B2E2-AD1E-0D864FA6CD51}"/>
+              </a:ext>
+            </a:extLst>
+          </p:cNvPr>
+          <p:cNvSpPr txBox="1">
+            <a:spLocks/>
+          </p:cNvSpPr>
+          <p:nvPr/>
+        </p:nvSpPr>
+        <p:spPr>
+          <a:xfrm>
+            <a:off x="6244208" y="1438275"/>
+            <a:ext cx="2532063" cy="307777"/>
+          </a:xfrm>
+          <a:prstGeom prst="rect">
+            <a:avLst/>
+          </a:prstGeom>
+        </p:spPr>
+        <p:txBody>
+          <a:bodyPr/>
+          <a:lstStyle>
+            <a:lvl1pPr marL="228600" indent="-228600" algn="l" defTabSz="914400" rtl="0" eaLnBrk="1" latinLnBrk="0" hangingPunct="1">
+              <a:lnSpc>
+                <a:spcPct val="90000"/>
+              </a:lnSpc>
+              <a:spcBef>
+                <a:spcPts val="1000"/>
+              </a:spcBef>
+              <a:buFont typeface="Arial" panose="020B0604020202020204" pitchFamily="34" charset="0"/>
+              <a:buChar char="•"/>
+              <a:defRPr sz="2800" kern="1200">
+                <a:solidFill>
+                  <a:schemeClr val="tx1"/>
+                </a:solidFill>
+                <a:latin typeface="+mn-lt"/>
+                <a:ea typeface="+mn-ea"/>
+                <a:cs typeface="+mn-cs"/>
+              </a:defRPr>
+            </a:lvl1pPr>
+            <a:lvl2pPr marL="685800" indent="-228600" algn="l" defTabSz="914400" rtl="0" eaLnBrk="1" latinLnBrk="0" hangingPunct="1">
+              <a:lnSpc>
+                <a:spcPct val="90000"/>
+              </a:lnSpc>
+              <a:spcBef>
+                <a:spcPts val="500"/>
+              </a:spcBef>
+              <a:buFont typeface="Arial" panose="020B0604020202020204" pitchFamily="34" charset="0"/>
+              <a:buChar char="•"/>
+              <a:defRPr sz="2400" kern="1200">
+                <a:solidFill>
+                  <a:schemeClr val="tx1"/>
+                </a:solidFill>
+                <a:latin typeface="+mn-lt"/>
+                <a:ea typeface="+mn-ea"/>
+                <a:cs typeface="+mn-cs"/>
+              </a:defRPr>
+            </a:lvl2pPr>
+            <a:lvl3pPr marL="1143000" indent="-228600" algn="l" defTabSz="914400" rtl="0" eaLnBrk="1" latinLnBrk="0" hangingPunct="1">
+              <a:lnSpc>
+                <a:spcPct val="90000"/>
+              </a:lnSpc>
+              <a:spcBef>
+                <a:spcPts val="500"/>
+              </a:spcBef>
+              <a:buFont typeface="Arial" panose="020B0604020202020204" pitchFamily="34" charset="0"/>
+              <a:buChar char="•"/>
+              <a:defRPr sz="2000" kern="1200">
+                <a:solidFill>
+                  <a:schemeClr val="tx1"/>
+                </a:solidFill>
+                <a:latin typeface="+mn-lt"/>
+                <a:ea typeface="+mn-ea"/>
+                <a:cs typeface="+mn-cs"/>
+              </a:defRPr>
+            </a:lvl3pPr>
+            <a:lvl4pPr marL="1600200" indent="-228600" algn="l" defTabSz="914400" rtl="0" eaLnBrk="1" latinLnBrk="0" hangingPunct="1">
+              <a:lnSpc>
+                <a:spcPct val="90000"/>
+              </a:lnSpc>
+              <a:spcBef>
+                <a:spcPts val="500"/>
+              </a:spcBef>
+              <a:buFont typeface="Arial" panose="020B0604020202020204" pitchFamily="34" charset="0"/>
+              <a:buChar char="•"/>
+              <a:defRPr sz="1800" kern="1200">
+                <a:solidFill>
+                  <a:schemeClr val="tx1"/>
+                </a:solidFill>
+                <a:latin typeface="+mn-lt"/>
+                <a:ea typeface="+mn-ea"/>
+                <a:cs typeface="+mn-cs"/>
+              </a:defRPr>
+            </a:lvl4pPr>
+            <a:lvl5pPr marL="2057400" indent="-228600" algn="l" defTabSz="914400" rtl="0" eaLnBrk="1" latinLnBrk="0" hangingPunct="1">
+              <a:lnSpc>
+                <a:spcPct val="90000"/>
+              </a:lnSpc>
+              <a:spcBef>
+                <a:spcPts val="500"/>
+              </a:spcBef>
+              <a:buFont typeface="Arial" panose="020B0604020202020204" pitchFamily="34" charset="0"/>
+              <a:buChar char="•"/>
+              <a:defRPr sz="1800" kern="1200">
+                <a:solidFill>
+                  <a:schemeClr val="tx1"/>
+                </a:solidFill>
+                <a:latin typeface="+mn-lt"/>
+                <a:ea typeface="+mn-ea"/>
+                <a:cs typeface="+mn-cs"/>
+              </a:defRPr>
+            </a:lvl5pPr>
+            <a:lvl6pPr marL="2514600" indent="-228600" algn="l" defTabSz="914400" rtl="0" eaLnBrk="1" latinLnBrk="0" hangingPunct="1">
+              <a:lnSpc>
+                <a:spcPct val="90000"/>
+              </a:lnSpc>
+              <a:spcBef>
+                <a:spcPts val="500"/>
+              </a:spcBef>
+              <a:buFont typeface="Arial" panose="020B0604020202020204" pitchFamily="34" charset="0"/>
+              <a:buChar char="•"/>
+              <a:defRPr sz="1800" kern="1200">
+                <a:solidFill>
+                  <a:schemeClr val="tx1"/>
+                </a:solidFill>
+                <a:latin typeface="+mn-lt"/>
+                <a:ea typeface="+mn-ea"/>
+                <a:cs typeface="+mn-cs"/>
+              </a:defRPr>
+            </a:lvl6pPr>
+            <a:lvl7pPr marL="2971800" indent="-228600" algn="l" defTabSz="914400" rtl="0" eaLnBrk="1" latinLnBrk="0" hangingPunct="1">
+              <a:lnSpc>
+                <a:spcPct val="90000"/>
+              </a:lnSpc>
+              <a:spcBef>
+                <a:spcPts val="500"/>
+              </a:spcBef>
+              <a:buFont typeface="Arial" panose="020B0604020202020204" pitchFamily="34" charset="0"/>
+              <a:buChar char="•"/>
+              <a:defRPr sz="1800" kern="1200">
+                <a:solidFill>
+                  <a:schemeClr val="tx1"/>
+                </a:solidFill>
+                <a:latin typeface="+mn-lt"/>
+                <a:ea typeface="+mn-ea"/>
+                <a:cs typeface="+mn-cs"/>
+              </a:defRPr>
+            </a:lvl7pPr>
+            <a:lvl8pPr marL="3429000" indent="-228600" algn="l" defTabSz="914400" rtl="0" eaLnBrk="1" latinLnBrk="0" hangingPunct="1">
+              <a:lnSpc>
+                <a:spcPct val="90000"/>
+              </a:lnSpc>
+              <a:spcBef>
+                <a:spcPts val="500"/>
+              </a:spcBef>
+              <a:buFont typeface="Arial" panose="020B0604020202020204" pitchFamily="34" charset="0"/>
+              <a:buChar char="•"/>
+              <a:defRPr sz="1800" kern="1200">
+                <a:solidFill>
+                  <a:schemeClr val="tx1"/>
+                </a:solidFill>
+                <a:latin typeface="+mn-lt"/>
+                <a:ea typeface="+mn-ea"/>
+                <a:cs typeface="+mn-cs"/>
+              </a:defRPr>
+            </a:lvl8pPr>
+            <a:lvl9pPr marL="3886200" indent="-228600" algn="l" defTabSz="914400" rtl="0" eaLnBrk="1" latinLnBrk="0" hangingPunct="1">
+              <a:lnSpc>
+                <a:spcPct val="90000"/>
+              </a:lnSpc>
+              <a:spcBef>
+                <a:spcPts val="500"/>
+              </a:spcBef>
+              <a:buFont typeface="Arial" panose="020B0604020202020204" pitchFamily="34" charset="0"/>
+              <a:buChar char="•"/>
+              <a:defRPr sz="1800" kern="1200">
+                <a:solidFill>
+                  <a:schemeClr val="tx1"/>
+                </a:solidFill>
+                <a:latin typeface="+mn-lt"/>
+                <a:ea typeface="+mn-ea"/>
+                <a:cs typeface="+mn-cs"/>
+              </a:defRPr>
+            </a:lvl9pPr>
+          </a:lstStyle>
+          <a:p>
+            <a:pPr marL="0" indent="0">
+              <a:buNone/>
+            </a:pPr>
+            <a:r>
+              <a:rPr lang="en-US" dirty="0"/>
+              <a:t>Refresh tokens</a:t>
+            </a:r>
+          </a:p>
+        </p:txBody>
+      </p:sp>
+      <p:sp>
+        <p:nvSpPr>
+          <p:cNvPr id="9" name="Text Placeholder 7">
+            <a:extLst>
+              <a:ext uri="{FF2B5EF4-FFF2-40B4-BE49-F238E27FC236}">
+                <a16:creationId xmlns:a16="http://schemas.microsoft.com/office/drawing/2014/main" id="{14E9A369-7478-32A1-F842-A2CB1B7F2FA3}"/>
+              </a:ext>
+            </a:extLst>
+          </p:cNvPr>
+          <p:cNvSpPr txBox="1">
+            <a:spLocks/>
+          </p:cNvSpPr>
+          <p:nvPr/>
+        </p:nvSpPr>
+        <p:spPr>
+          <a:xfrm>
+            <a:off x="6244208" y="2283115"/>
+            <a:ext cx="2532063" cy="1495794"/>
+          </a:xfrm>
+          <a:prstGeom prst="rect">
+            <a:avLst/>
+          </a:prstGeom>
+        </p:spPr>
+        <p:txBody>
+          <a:bodyPr/>
+          <a:lstStyle>
+            <a:lvl1pPr marL="228600" indent="-228600" algn="l" defTabSz="914400" rtl="0" eaLnBrk="1" latinLnBrk="0" hangingPunct="1">
+              <a:lnSpc>
+                <a:spcPct val="90000"/>
+              </a:lnSpc>
+              <a:spcBef>
+                <a:spcPts val="1000"/>
+              </a:spcBef>
+              <a:buFont typeface="Arial" panose="020B0604020202020204" pitchFamily="34" charset="0"/>
+              <a:buChar char="•"/>
+              <a:defRPr sz="2800" kern="1200">
+                <a:solidFill>
+                  <a:schemeClr val="tx1"/>
+                </a:solidFill>
+                <a:latin typeface="+mn-lt"/>
+                <a:ea typeface="+mn-ea"/>
+                <a:cs typeface="+mn-cs"/>
+              </a:defRPr>
+            </a:lvl1pPr>
+            <a:lvl2pPr marL="685800" indent="-228600" algn="l" defTabSz="914400" rtl="0" eaLnBrk="1" latinLnBrk="0" hangingPunct="1">
+              <a:lnSpc>
+                <a:spcPct val="90000"/>
+              </a:lnSpc>
+              <a:spcBef>
+                <a:spcPts val="500"/>
+              </a:spcBef>
+              <a:buFont typeface="Arial" panose="020B0604020202020204" pitchFamily="34" charset="0"/>
+              <a:buChar char="•"/>
+              <a:defRPr sz="2400" kern="1200">
+                <a:solidFill>
+                  <a:schemeClr val="tx1"/>
+                </a:solidFill>
+                <a:latin typeface="+mn-lt"/>
+                <a:ea typeface="+mn-ea"/>
+                <a:cs typeface="+mn-cs"/>
+              </a:defRPr>
+            </a:lvl2pPr>
+            <a:lvl3pPr marL="1143000" indent="-228600" algn="l" defTabSz="914400" rtl="0" eaLnBrk="1" latinLnBrk="0" hangingPunct="1">
+              <a:lnSpc>
+                <a:spcPct val="90000"/>
+              </a:lnSpc>
+              <a:spcBef>
+                <a:spcPts val="500"/>
+              </a:spcBef>
+              <a:buFont typeface="Arial" panose="020B0604020202020204" pitchFamily="34" charset="0"/>
+              <a:buChar char="•"/>
+              <a:defRPr sz="2000" kern="1200">
+                <a:solidFill>
+                  <a:schemeClr val="tx1"/>
+                </a:solidFill>
+                <a:latin typeface="+mn-lt"/>
+                <a:ea typeface="+mn-ea"/>
+                <a:cs typeface="+mn-cs"/>
+              </a:defRPr>
+            </a:lvl3pPr>
+            <a:lvl4pPr marL="1600200" indent="-228600" algn="l" defTabSz="914400" rtl="0" eaLnBrk="1" latinLnBrk="0" hangingPunct="1">
+              <a:lnSpc>
+                <a:spcPct val="90000"/>
+              </a:lnSpc>
+              <a:spcBef>
+                <a:spcPts val="500"/>
+              </a:spcBef>
+              <a:buFont typeface="Arial" panose="020B0604020202020204" pitchFamily="34" charset="0"/>
+              <a:buChar char="•"/>
+              <a:defRPr sz="1800" kern="1200">
+                <a:solidFill>
+                  <a:schemeClr val="tx1"/>
+                </a:solidFill>
+                <a:latin typeface="+mn-lt"/>
+                <a:ea typeface="+mn-ea"/>
+                <a:cs typeface="+mn-cs"/>
+              </a:defRPr>
+            </a:lvl4pPr>
+            <a:lvl5pPr marL="2057400" indent="-228600" algn="l" defTabSz="914400" rtl="0" eaLnBrk="1" latinLnBrk="0" hangingPunct="1">
+              <a:lnSpc>
+                <a:spcPct val="90000"/>
+              </a:lnSpc>
+              <a:spcBef>
+                <a:spcPts val="500"/>
+              </a:spcBef>
+              <a:buFont typeface="Arial" panose="020B0604020202020204" pitchFamily="34" charset="0"/>
+              <a:buChar char="•"/>
+              <a:defRPr sz="1800" kern="1200">
+                <a:solidFill>
+                  <a:schemeClr val="tx1"/>
+                </a:solidFill>
+                <a:latin typeface="+mn-lt"/>
+                <a:ea typeface="+mn-ea"/>
+                <a:cs typeface="+mn-cs"/>
+              </a:defRPr>
+            </a:lvl5pPr>
+            <a:lvl6pPr marL="2514600" indent="-228600" algn="l" defTabSz="914400" rtl="0" eaLnBrk="1" latinLnBrk="0" hangingPunct="1">
+              <a:lnSpc>
+                <a:spcPct val="90000"/>
+              </a:lnSpc>
+              <a:spcBef>
+                <a:spcPts val="500"/>
+              </a:spcBef>
+              <a:buFont typeface="Arial" panose="020B0604020202020204" pitchFamily="34" charset="0"/>
+              <a:buChar char="•"/>
+              <a:defRPr sz="1800" kern="1200">
+                <a:solidFill>
+                  <a:schemeClr val="tx1"/>
+                </a:solidFill>
+                <a:latin typeface="+mn-lt"/>
+                <a:ea typeface="+mn-ea"/>
+                <a:cs typeface="+mn-cs"/>
+              </a:defRPr>
+            </a:lvl6pPr>
+            <a:lvl7pPr marL="2971800" indent="-228600" algn="l" defTabSz="914400" rtl="0" eaLnBrk="1" latinLnBrk="0" hangingPunct="1">
+              <a:lnSpc>
+                <a:spcPct val="90000"/>
+              </a:lnSpc>
+              <a:spcBef>
+                <a:spcPts val="500"/>
+              </a:spcBef>
+              <a:buFont typeface="Arial" panose="020B0604020202020204" pitchFamily="34" charset="0"/>
+              <a:buChar char="•"/>
+              <a:defRPr sz="1800" kern="1200">
+                <a:solidFill>
+                  <a:schemeClr val="tx1"/>
+                </a:solidFill>
+                <a:latin typeface="+mn-lt"/>
+                <a:ea typeface="+mn-ea"/>
+                <a:cs typeface="+mn-cs"/>
+              </a:defRPr>
+            </a:lvl7pPr>
+            <a:lvl8pPr marL="3429000" indent="-228600" algn="l" defTabSz="914400" rtl="0" eaLnBrk="1" latinLnBrk="0" hangingPunct="1">
+              <a:lnSpc>
+                <a:spcPct val="90000"/>
+              </a:lnSpc>
+              <a:spcBef>
+                <a:spcPts val="500"/>
+              </a:spcBef>
+              <a:buFont typeface="Arial" panose="020B0604020202020204" pitchFamily="34" charset="0"/>
+              <a:buChar char="•"/>
+              <a:defRPr sz="1800" kern="1200">
+                <a:solidFill>
+                  <a:schemeClr val="tx1"/>
+                </a:solidFill>
+                <a:latin typeface="+mn-lt"/>
+                <a:ea typeface="+mn-ea"/>
+                <a:cs typeface="+mn-cs"/>
+              </a:defRPr>
+            </a:lvl8pPr>
+            <a:lvl9pPr marL="3886200" indent="-228600" algn="l" defTabSz="914400" rtl="0" eaLnBrk="1" latinLnBrk="0" hangingPunct="1">
+              <a:lnSpc>
+                <a:spcPct val="90000"/>
+              </a:lnSpc>
+              <a:spcBef>
+                <a:spcPts val="500"/>
+              </a:spcBef>
+              <a:buFont typeface="Arial" panose="020B0604020202020204" pitchFamily="34" charset="0"/>
+              <a:buChar char="•"/>
+              <a:defRPr sz="1800" kern="1200">
+                <a:solidFill>
+                  <a:schemeClr val="tx1"/>
+                </a:solidFill>
+                <a:latin typeface="+mn-lt"/>
+                <a:ea typeface="+mn-ea"/>
+                <a:cs typeface="+mn-cs"/>
+              </a:defRPr>
+            </a:lvl9pPr>
+          </a:lstStyle>
+          <a:p>
+            <a:r>
+              <a:rPr lang="en-US" sz="1800"/>
+              <a:t>Allow clients to renew an access token</a:t>
+            </a:r>
+          </a:p>
+          <a:p>
+            <a:r>
+              <a:rPr lang="en-US" sz="1800"/>
+              <a:t>Opaque to both client and resource</a:t>
+            </a:r>
+          </a:p>
+          <a:p>
+            <a:endParaRPr lang="en-US" sz="1800" dirty="0"/>
+          </a:p>
+        </p:txBody>
+      </p:sp>
+      <p:sp>
+        <p:nvSpPr>
+          <p:cNvPr id="10" name="Text Placeholder 8">
+            <a:extLst>
+              <a:ext uri="{FF2B5EF4-FFF2-40B4-BE49-F238E27FC236}">
+                <a16:creationId xmlns:a16="http://schemas.microsoft.com/office/drawing/2014/main" id="{8DBB0B71-0CB7-CE81-2F43-FD1DF3134245}"/>
+              </a:ext>
+            </a:extLst>
+          </p:cNvPr>
+          <p:cNvSpPr txBox="1">
+            <a:spLocks/>
+          </p:cNvSpPr>
+          <p:nvPr/>
+        </p:nvSpPr>
+        <p:spPr>
+          <a:xfrm>
+            <a:off x="9073133" y="1438275"/>
+            <a:ext cx="2982018" cy="307777"/>
+          </a:xfrm>
+          <a:prstGeom prst="rect">
+            <a:avLst/>
+          </a:prstGeom>
+        </p:spPr>
+        <p:txBody>
+          <a:bodyPr/>
+          <a:lstStyle>
+            <a:lvl1pPr marL="228600" indent="-228600" algn="l" defTabSz="914400" rtl="0" eaLnBrk="1" latinLnBrk="0" hangingPunct="1">
+              <a:lnSpc>
+                <a:spcPct val="90000"/>
+              </a:lnSpc>
+              <a:spcBef>
+                <a:spcPts val="1000"/>
+              </a:spcBef>
+              <a:buFont typeface="Arial" panose="020B0604020202020204" pitchFamily="34" charset="0"/>
+              <a:buChar char="•"/>
+              <a:defRPr sz="2800" kern="1200">
+                <a:solidFill>
+                  <a:schemeClr val="tx1"/>
+                </a:solidFill>
+                <a:latin typeface="+mn-lt"/>
+                <a:ea typeface="+mn-ea"/>
+                <a:cs typeface="+mn-cs"/>
+              </a:defRPr>
+            </a:lvl1pPr>
+            <a:lvl2pPr marL="685800" indent="-228600" algn="l" defTabSz="914400" rtl="0" eaLnBrk="1" latinLnBrk="0" hangingPunct="1">
+              <a:lnSpc>
+                <a:spcPct val="90000"/>
+              </a:lnSpc>
+              <a:spcBef>
+                <a:spcPts val="500"/>
+              </a:spcBef>
+              <a:buFont typeface="Arial" panose="020B0604020202020204" pitchFamily="34" charset="0"/>
+              <a:buChar char="•"/>
+              <a:defRPr sz="2400" kern="1200">
+                <a:solidFill>
+                  <a:schemeClr val="tx1"/>
+                </a:solidFill>
+                <a:latin typeface="+mn-lt"/>
+                <a:ea typeface="+mn-ea"/>
+                <a:cs typeface="+mn-cs"/>
+              </a:defRPr>
+            </a:lvl2pPr>
+            <a:lvl3pPr marL="1143000" indent="-228600" algn="l" defTabSz="914400" rtl="0" eaLnBrk="1" latinLnBrk="0" hangingPunct="1">
+              <a:lnSpc>
+                <a:spcPct val="90000"/>
+              </a:lnSpc>
+              <a:spcBef>
+                <a:spcPts val="500"/>
+              </a:spcBef>
+              <a:buFont typeface="Arial" panose="020B0604020202020204" pitchFamily="34" charset="0"/>
+              <a:buChar char="•"/>
+              <a:defRPr sz="2000" kern="1200">
+                <a:solidFill>
+                  <a:schemeClr val="tx1"/>
+                </a:solidFill>
+                <a:latin typeface="+mn-lt"/>
+                <a:ea typeface="+mn-ea"/>
+                <a:cs typeface="+mn-cs"/>
+              </a:defRPr>
+            </a:lvl3pPr>
+            <a:lvl4pPr marL="1600200" indent="-228600" algn="l" defTabSz="914400" rtl="0" eaLnBrk="1" latinLnBrk="0" hangingPunct="1">
+              <a:lnSpc>
+                <a:spcPct val="90000"/>
+              </a:lnSpc>
+              <a:spcBef>
+                <a:spcPts val="500"/>
+              </a:spcBef>
+              <a:buFont typeface="Arial" panose="020B0604020202020204" pitchFamily="34" charset="0"/>
+              <a:buChar char="•"/>
+              <a:defRPr sz="1800" kern="1200">
+                <a:solidFill>
+                  <a:schemeClr val="tx1"/>
+                </a:solidFill>
+                <a:latin typeface="+mn-lt"/>
+                <a:ea typeface="+mn-ea"/>
+                <a:cs typeface="+mn-cs"/>
+              </a:defRPr>
+            </a:lvl4pPr>
+            <a:lvl5pPr marL="2057400" indent="-228600" algn="l" defTabSz="914400" rtl="0" eaLnBrk="1" latinLnBrk="0" hangingPunct="1">
+              <a:lnSpc>
+                <a:spcPct val="90000"/>
+              </a:lnSpc>
+              <a:spcBef>
+                <a:spcPts val="500"/>
+              </a:spcBef>
+              <a:buFont typeface="Arial" panose="020B0604020202020204" pitchFamily="34" charset="0"/>
+              <a:buChar char="•"/>
+              <a:defRPr sz="1800" kern="1200">
+                <a:solidFill>
+                  <a:schemeClr val="tx1"/>
+                </a:solidFill>
+                <a:latin typeface="+mn-lt"/>
+                <a:ea typeface="+mn-ea"/>
+                <a:cs typeface="+mn-cs"/>
+              </a:defRPr>
+            </a:lvl5pPr>
+            <a:lvl6pPr marL="2514600" indent="-228600" algn="l" defTabSz="914400" rtl="0" eaLnBrk="1" latinLnBrk="0" hangingPunct="1">
+              <a:lnSpc>
+                <a:spcPct val="90000"/>
+              </a:lnSpc>
+              <a:spcBef>
+                <a:spcPts val="500"/>
+              </a:spcBef>
+              <a:buFont typeface="Arial" panose="020B0604020202020204" pitchFamily="34" charset="0"/>
+              <a:buChar char="•"/>
+              <a:defRPr sz="1800" kern="1200">
+                <a:solidFill>
+                  <a:schemeClr val="tx1"/>
+                </a:solidFill>
+                <a:latin typeface="+mn-lt"/>
+                <a:ea typeface="+mn-ea"/>
+                <a:cs typeface="+mn-cs"/>
+              </a:defRPr>
+            </a:lvl6pPr>
+            <a:lvl7pPr marL="2971800" indent="-228600" algn="l" defTabSz="914400" rtl="0" eaLnBrk="1" latinLnBrk="0" hangingPunct="1">
+              <a:lnSpc>
+                <a:spcPct val="90000"/>
+              </a:lnSpc>
+              <a:spcBef>
+                <a:spcPts val="500"/>
+              </a:spcBef>
+              <a:buFont typeface="Arial" panose="020B0604020202020204" pitchFamily="34" charset="0"/>
+              <a:buChar char="•"/>
+              <a:defRPr sz="1800" kern="1200">
+                <a:solidFill>
+                  <a:schemeClr val="tx1"/>
+                </a:solidFill>
+                <a:latin typeface="+mn-lt"/>
+                <a:ea typeface="+mn-ea"/>
+                <a:cs typeface="+mn-cs"/>
+              </a:defRPr>
+            </a:lvl7pPr>
+            <a:lvl8pPr marL="3429000" indent="-228600" algn="l" defTabSz="914400" rtl="0" eaLnBrk="1" latinLnBrk="0" hangingPunct="1">
+              <a:lnSpc>
+                <a:spcPct val="90000"/>
+              </a:lnSpc>
+              <a:spcBef>
+                <a:spcPts val="500"/>
+              </a:spcBef>
+              <a:buFont typeface="Arial" panose="020B0604020202020204" pitchFamily="34" charset="0"/>
+              <a:buChar char="•"/>
+              <a:defRPr sz="1800" kern="1200">
+                <a:solidFill>
+                  <a:schemeClr val="tx1"/>
+                </a:solidFill>
+                <a:latin typeface="+mn-lt"/>
+                <a:ea typeface="+mn-ea"/>
+                <a:cs typeface="+mn-cs"/>
+              </a:defRPr>
+            </a:lvl8pPr>
+            <a:lvl9pPr marL="3886200" indent="-228600" algn="l" defTabSz="914400" rtl="0" eaLnBrk="1" latinLnBrk="0" hangingPunct="1">
+              <a:lnSpc>
+                <a:spcPct val="90000"/>
+              </a:lnSpc>
+              <a:spcBef>
+                <a:spcPts val="500"/>
+              </a:spcBef>
+              <a:buFont typeface="Arial" panose="020B0604020202020204" pitchFamily="34" charset="0"/>
+              <a:buChar char="•"/>
+              <a:defRPr sz="1800" kern="1200">
+                <a:solidFill>
+                  <a:schemeClr val="tx1"/>
+                </a:solidFill>
+                <a:latin typeface="+mn-lt"/>
+                <a:ea typeface="+mn-ea"/>
+                <a:cs typeface="+mn-cs"/>
+              </a:defRPr>
+            </a:lvl9pPr>
+          </a:lstStyle>
+          <a:p>
+            <a:pPr marL="0" indent="0">
+              <a:buNone/>
+            </a:pPr>
+            <a:r>
+              <a:rPr lang="en-US" dirty="0"/>
+              <a:t>Flows/Grant types</a:t>
+            </a:r>
+          </a:p>
+        </p:txBody>
+      </p:sp>
+      <p:sp>
+        <p:nvSpPr>
+          <p:cNvPr id="11" name="Text Placeholder 9">
+            <a:extLst>
+              <a:ext uri="{FF2B5EF4-FFF2-40B4-BE49-F238E27FC236}">
+                <a16:creationId xmlns:a16="http://schemas.microsoft.com/office/drawing/2014/main" id="{DD4A83BB-93D0-4F59-3489-11764B504ADD}"/>
+              </a:ext>
+            </a:extLst>
+          </p:cNvPr>
+          <p:cNvSpPr txBox="1">
+            <a:spLocks/>
+          </p:cNvSpPr>
+          <p:nvPr/>
+        </p:nvSpPr>
+        <p:spPr>
+          <a:xfrm>
+            <a:off x="9073133" y="2276475"/>
+            <a:ext cx="2532063" cy="2382191"/>
+          </a:xfrm>
+          <a:prstGeom prst="rect">
+            <a:avLst/>
+          </a:prstGeom>
+        </p:spPr>
+        <p:txBody>
+          <a:bodyPr/>
+          <a:lstStyle>
+            <a:lvl1pPr marL="228600" indent="-228600" algn="l" defTabSz="914400" rtl="0" eaLnBrk="1" latinLnBrk="0" hangingPunct="1">
+              <a:lnSpc>
+                <a:spcPct val="90000"/>
+              </a:lnSpc>
+              <a:spcBef>
+                <a:spcPts val="1000"/>
+              </a:spcBef>
+              <a:buFont typeface="Arial" panose="020B0604020202020204" pitchFamily="34" charset="0"/>
+              <a:buChar char="•"/>
+              <a:defRPr sz="2800" kern="1200">
+                <a:solidFill>
+                  <a:schemeClr val="tx1"/>
+                </a:solidFill>
+                <a:latin typeface="+mn-lt"/>
+                <a:ea typeface="+mn-ea"/>
+                <a:cs typeface="+mn-cs"/>
+              </a:defRPr>
+            </a:lvl1pPr>
+            <a:lvl2pPr marL="685800" indent="-228600" algn="l" defTabSz="914400" rtl="0" eaLnBrk="1" latinLnBrk="0" hangingPunct="1">
+              <a:lnSpc>
+                <a:spcPct val="90000"/>
+              </a:lnSpc>
+              <a:spcBef>
+                <a:spcPts val="500"/>
+              </a:spcBef>
+              <a:buFont typeface="Arial" panose="020B0604020202020204" pitchFamily="34" charset="0"/>
+              <a:buChar char="•"/>
+              <a:defRPr sz="2400" kern="1200">
+                <a:solidFill>
+                  <a:schemeClr val="tx1"/>
+                </a:solidFill>
+                <a:latin typeface="+mn-lt"/>
+                <a:ea typeface="+mn-ea"/>
+                <a:cs typeface="+mn-cs"/>
+              </a:defRPr>
+            </a:lvl2pPr>
+            <a:lvl3pPr marL="1143000" indent="-228600" algn="l" defTabSz="914400" rtl="0" eaLnBrk="1" latinLnBrk="0" hangingPunct="1">
+              <a:lnSpc>
+                <a:spcPct val="90000"/>
+              </a:lnSpc>
+              <a:spcBef>
+                <a:spcPts val="500"/>
+              </a:spcBef>
+              <a:buFont typeface="Arial" panose="020B0604020202020204" pitchFamily="34" charset="0"/>
+              <a:buChar char="•"/>
+              <a:defRPr sz="2000" kern="1200">
+                <a:solidFill>
+                  <a:schemeClr val="tx1"/>
+                </a:solidFill>
+                <a:latin typeface="+mn-lt"/>
+                <a:ea typeface="+mn-ea"/>
+                <a:cs typeface="+mn-cs"/>
+              </a:defRPr>
+            </a:lvl3pPr>
+            <a:lvl4pPr marL="1600200" indent="-228600" algn="l" defTabSz="914400" rtl="0" eaLnBrk="1" latinLnBrk="0" hangingPunct="1">
+              <a:lnSpc>
+                <a:spcPct val="90000"/>
+              </a:lnSpc>
+              <a:spcBef>
+                <a:spcPts val="500"/>
+              </a:spcBef>
+              <a:buFont typeface="Arial" panose="020B0604020202020204" pitchFamily="34" charset="0"/>
+              <a:buChar char="•"/>
+              <a:defRPr sz="1800" kern="1200">
+                <a:solidFill>
+                  <a:schemeClr val="tx1"/>
+                </a:solidFill>
+                <a:latin typeface="+mn-lt"/>
+                <a:ea typeface="+mn-ea"/>
+                <a:cs typeface="+mn-cs"/>
+              </a:defRPr>
+            </a:lvl4pPr>
+            <a:lvl5pPr marL="2057400" indent="-228600" algn="l" defTabSz="914400" rtl="0" eaLnBrk="1" latinLnBrk="0" hangingPunct="1">
+              <a:lnSpc>
+                <a:spcPct val="90000"/>
+              </a:lnSpc>
+              <a:spcBef>
+                <a:spcPts val="500"/>
+              </a:spcBef>
+              <a:buFont typeface="Arial" panose="020B0604020202020204" pitchFamily="34" charset="0"/>
+              <a:buChar char="•"/>
+              <a:defRPr sz="1800" kern="1200">
+                <a:solidFill>
+                  <a:schemeClr val="tx1"/>
+                </a:solidFill>
+                <a:latin typeface="+mn-lt"/>
+                <a:ea typeface="+mn-ea"/>
+                <a:cs typeface="+mn-cs"/>
+              </a:defRPr>
+            </a:lvl5pPr>
+            <a:lvl6pPr marL="2514600" indent="-228600" algn="l" defTabSz="914400" rtl="0" eaLnBrk="1" latinLnBrk="0" hangingPunct="1">
+              <a:lnSpc>
+                <a:spcPct val="90000"/>
+              </a:lnSpc>
+              <a:spcBef>
+                <a:spcPts val="500"/>
+              </a:spcBef>
+              <a:buFont typeface="Arial" panose="020B0604020202020204" pitchFamily="34" charset="0"/>
+              <a:buChar char="•"/>
+              <a:defRPr sz="1800" kern="1200">
+                <a:solidFill>
+                  <a:schemeClr val="tx1"/>
+                </a:solidFill>
+                <a:latin typeface="+mn-lt"/>
+                <a:ea typeface="+mn-ea"/>
+                <a:cs typeface="+mn-cs"/>
+              </a:defRPr>
+            </a:lvl6pPr>
+            <a:lvl7pPr marL="2971800" indent="-228600" algn="l" defTabSz="914400" rtl="0" eaLnBrk="1" latinLnBrk="0" hangingPunct="1">
+              <a:lnSpc>
+                <a:spcPct val="90000"/>
+              </a:lnSpc>
+              <a:spcBef>
+                <a:spcPts val="500"/>
+              </a:spcBef>
+              <a:buFont typeface="Arial" panose="020B0604020202020204" pitchFamily="34" charset="0"/>
+              <a:buChar char="•"/>
+              <a:defRPr sz="1800" kern="1200">
+                <a:solidFill>
+                  <a:schemeClr val="tx1"/>
+                </a:solidFill>
+                <a:latin typeface="+mn-lt"/>
+                <a:ea typeface="+mn-ea"/>
+                <a:cs typeface="+mn-cs"/>
+              </a:defRPr>
+            </a:lvl7pPr>
+            <a:lvl8pPr marL="3429000" indent="-228600" algn="l" defTabSz="914400" rtl="0" eaLnBrk="1" latinLnBrk="0" hangingPunct="1">
+              <a:lnSpc>
+                <a:spcPct val="90000"/>
+              </a:lnSpc>
+              <a:spcBef>
+                <a:spcPts val="500"/>
+              </a:spcBef>
+              <a:buFont typeface="Arial" panose="020B0604020202020204" pitchFamily="34" charset="0"/>
+              <a:buChar char="•"/>
+              <a:defRPr sz="1800" kern="1200">
+                <a:solidFill>
+                  <a:schemeClr val="tx1"/>
+                </a:solidFill>
+                <a:latin typeface="+mn-lt"/>
+                <a:ea typeface="+mn-ea"/>
+                <a:cs typeface="+mn-cs"/>
+              </a:defRPr>
+            </a:lvl8pPr>
+            <a:lvl9pPr marL="3886200" indent="-228600" algn="l" defTabSz="914400" rtl="0" eaLnBrk="1" latinLnBrk="0" hangingPunct="1">
+              <a:lnSpc>
+                <a:spcPct val="90000"/>
+              </a:lnSpc>
+              <a:spcBef>
+                <a:spcPts val="500"/>
+              </a:spcBef>
+              <a:buFont typeface="Arial" panose="020B0604020202020204" pitchFamily="34" charset="0"/>
+              <a:buChar char="•"/>
+              <a:defRPr sz="1800" kern="1200">
+                <a:solidFill>
+                  <a:schemeClr val="tx1"/>
+                </a:solidFill>
+                <a:latin typeface="+mn-lt"/>
+                <a:ea typeface="+mn-ea"/>
+                <a:cs typeface="+mn-cs"/>
+              </a:defRPr>
+            </a:lvl9pPr>
+          </a:lstStyle>
+          <a:p>
+            <a:r>
+              <a:rPr lang="en-US" sz="1800"/>
+              <a:t>OAuth2 defined interactions for obtaining tokens</a:t>
+            </a:r>
+          </a:p>
+          <a:p>
+            <a:r>
+              <a:rPr lang="en-US" sz="1800"/>
+              <a:t>Designed to minimize risks of token misuse</a:t>
+            </a:r>
+          </a:p>
+          <a:p>
+            <a:r>
+              <a:rPr lang="en-US" sz="1800"/>
+              <a:t>Choice dependent on the nature of client</a:t>
+            </a:r>
+          </a:p>
+          <a:p>
+            <a:endParaRPr lang="en-US" sz="1800" dirty="0"/>
+          </a:p>
+        </p:txBody>
+      </p:sp>
+    </p:spTree>
+    <p:extLst>
+      <p:ext uri="{BB962C8B-B14F-4D97-AF65-F5344CB8AC3E}">
+        <p14:creationId xmlns:p14="http://schemas.microsoft.com/office/powerpoint/2010/main" val="1543282413"/>
+      </p:ext>
+    </p:extLst>
+  </p:cSld>
+  <p:clrMapOvr>
+    <a:masterClrMapping/>
+  </p:clrMapOvr>
+</p:sld>
+</file>
+
+<file path=ppt/slides/slide11.xml><?xml version="1.0" encoding="utf-8"?>
+<p:sld xmlns:a="http://schemas.openxmlformats.org/drawingml/2006/main" xmlns:r="http://schemas.openxmlformats.org/officeDocument/2006/relationships" xmlns:p="http://schemas.openxmlformats.org/presentationml/2006/main">
+  <p:cSld>
+    <p:spTree>
+      <p:nvGrpSpPr>
+        <p:cNvPr id="1" name=""/>
+        <p:cNvGrpSpPr/>
+        <p:nvPr/>
+      </p:nvGrpSpPr>
+      <p:grpSpPr>
+        <a:xfrm>
+          <a:off x="0" y="0"/>
+          <a:ext cx="0" cy="0"/>
+          <a:chOff x="0" y="0"/>
+          <a:chExt cx="0" cy="0"/>
+        </a:xfrm>
+      </p:grpSpPr>
+      <p:sp>
+        <p:nvSpPr>
+          <p:cNvPr id="2" name="Title 1">
+            <a:extLst>
+              <a:ext uri="{FF2B5EF4-FFF2-40B4-BE49-F238E27FC236}">
                 <a16:creationId xmlns:a16="http://schemas.microsoft.com/office/drawing/2014/main" id="{F382A245-54FB-0C41-A768-71B81CC967CE}"/>
               </a:ext>
             </a:extLst>
@@ -5051,7 +6784,7 @@
 </p:sld>
 </file>
 
-<file path=ppt/slides/slide11.xml><?xml version="1.0" encoding="utf-8"?>
+<file path=ppt/slides/slide12.xml><?xml version="1.0" encoding="utf-8"?>
 <p:sld xmlns:a="http://schemas.openxmlformats.org/drawingml/2006/main" xmlns:r="http://schemas.openxmlformats.org/officeDocument/2006/relationships" xmlns:p="http://schemas.openxmlformats.org/presentationml/2006/main">
   <p:cSld>
     <p:spTree>
@@ -7467,7 +9200,7 @@
 </p:sld>
 </file>
 
-<file path=ppt/slides/slide12.xml><?xml version="1.0" encoding="utf-8"?>
+<file path=ppt/slides/slide13.xml><?xml version="1.0" encoding="utf-8"?>
 <p:sld xmlns:a="http://schemas.openxmlformats.org/drawingml/2006/main" xmlns:r="http://schemas.openxmlformats.org/officeDocument/2006/relationships" xmlns:p="http://schemas.openxmlformats.org/presentationml/2006/main">
   <p:cSld>
     <p:spTree>
@@ -7591,7 +9324,7 @@
 </p:sld>
 </file>
 
-<file path=ppt/slides/slide13.xml><?xml version="1.0" encoding="utf-8"?>
+<file path=ppt/slides/slide14.xml><?xml version="1.0" encoding="utf-8"?>
 <p:sld xmlns:a="http://schemas.openxmlformats.org/drawingml/2006/main" xmlns:r="http://schemas.openxmlformats.org/officeDocument/2006/relationships" xmlns:p="http://schemas.openxmlformats.org/presentationml/2006/main">
   <p:cSld>
     <p:spTree>
@@ -10128,7 +11861,7 @@
 </p:sld>
 </file>
 
-<file path=ppt/slides/slide14.xml><?xml version="1.0" encoding="utf-8"?>
+<file path=ppt/slides/slide15.xml><?xml version="1.0" encoding="utf-8"?>
 <p:sld xmlns:a="http://schemas.openxmlformats.org/drawingml/2006/main" xmlns:r="http://schemas.openxmlformats.org/officeDocument/2006/relationships" xmlns:p="http://schemas.openxmlformats.org/presentationml/2006/main">
   <p:cSld>
     <p:spTree>
@@ -10205,7 +11938,7 @@
 </p:sld>
 </file>
 
-<file path=ppt/slides/slide15.xml><?xml version="1.0" encoding="utf-8"?>
+<file path=ppt/slides/slide16.xml><?xml version="1.0" encoding="utf-8"?>
 <p:sld xmlns:a="http://schemas.openxmlformats.org/drawingml/2006/main" xmlns:r="http://schemas.openxmlformats.org/officeDocument/2006/relationships" xmlns:p="http://schemas.openxmlformats.org/presentationml/2006/main">
   <p:cSld>
     <p:spTree>
@@ -10282,7 +12015,7 @@
 </p:sld>
 </file>
 
-<file path=ppt/slides/slide16.xml><?xml version="1.0" encoding="utf-8"?>
+<file path=ppt/slides/slide17.xml><?xml version="1.0" encoding="utf-8"?>
 <p:sld xmlns:a="http://schemas.openxmlformats.org/drawingml/2006/main" xmlns:r="http://schemas.openxmlformats.org/officeDocument/2006/relationships" xmlns:p="http://schemas.openxmlformats.org/presentationml/2006/main">
   <p:cSld>
     <p:spTree>
@@ -10359,7 +12092,7 @@
 </p:sld>
 </file>
 
-<file path=ppt/slides/slide17.xml><?xml version="1.0" encoding="utf-8"?>
+<file path=ppt/slides/slide18.xml><?xml version="1.0" encoding="utf-8"?>
 <p:sld xmlns:a="http://schemas.openxmlformats.org/drawingml/2006/main" xmlns:r="http://schemas.openxmlformats.org/officeDocument/2006/relationships" xmlns:p="http://schemas.openxmlformats.org/presentationml/2006/main">
   <p:cSld>
     <p:spTree>
@@ -10500,7 +12233,7 @@
 </p:sld>
 </file>
 
-<file path=ppt/slides/slide18.xml><?xml version="1.0" encoding="utf-8"?>
+<file path=ppt/slides/slide19.xml><?xml version="1.0" encoding="utf-8"?>
 <p:sld xmlns:a="http://schemas.openxmlformats.org/drawingml/2006/main" xmlns:r="http://schemas.openxmlformats.org/officeDocument/2006/relationships" xmlns:p="http://schemas.openxmlformats.org/presentationml/2006/main">
   <p:cSld>
     <p:spTree>
@@ -10649,83 +12382,6 @@
     <p:extLst>
       <p:ext uri="{BB962C8B-B14F-4D97-AF65-F5344CB8AC3E}">
         <p14:creationId xmlns:p14="http://schemas.microsoft.com/office/powerpoint/2010/main" val="3221521324"/>
-      </p:ext>
-    </p:extLst>
-  </p:cSld>
-  <p:clrMapOvr>
-    <a:masterClrMapping/>
-  </p:clrMapOvr>
-</p:sld>
-</file>
-
-<file path=ppt/slides/slide19.xml><?xml version="1.0" encoding="utf-8"?>
-<p:sld xmlns:a="http://schemas.openxmlformats.org/drawingml/2006/main" xmlns:r="http://schemas.openxmlformats.org/officeDocument/2006/relationships" xmlns:p="http://schemas.openxmlformats.org/presentationml/2006/main">
-  <p:cSld>
-    <p:spTree>
-      <p:nvGrpSpPr>
-        <p:cNvPr id="1" name=""/>
-        <p:cNvGrpSpPr/>
-        <p:nvPr/>
-      </p:nvGrpSpPr>
-      <p:grpSpPr>
-        <a:xfrm>
-          <a:off x="0" y="0"/>
-          <a:ext cx="0" cy="0"/>
-          <a:chOff x="0" y="0"/>
-          <a:chExt cx="0" cy="0"/>
-        </a:xfrm>
-      </p:grpSpPr>
-      <p:pic>
-        <p:nvPicPr>
-          <p:cNvPr id="8194" name="Picture 2">
-            <a:extLst>
-              <a:ext uri="{FF2B5EF4-FFF2-40B4-BE49-F238E27FC236}">
-                <a16:creationId xmlns:a16="http://schemas.microsoft.com/office/drawing/2014/main" id="{BCAE2321-9454-E9DF-BA00-C71AC5E1F999}"/>
-              </a:ext>
-            </a:extLst>
-          </p:cNvPr>
-          <p:cNvPicPr>
-            <a:picLocks noChangeAspect="1" noChangeArrowheads="1"/>
-          </p:cNvPicPr>
-          <p:nvPr/>
-        </p:nvPicPr>
-        <p:blipFill>
-          <a:blip r:embed="rId3">
-            <a:extLst>
-              <a:ext uri="{28A0092B-C50C-407E-A947-70E740481C1C}">
-                <a14:useLocalDpi xmlns:a14="http://schemas.microsoft.com/office/drawing/2010/main" val="0"/>
-              </a:ext>
-            </a:extLst>
-          </a:blip>
-          <a:srcRect/>
-          <a:stretch>
-            <a:fillRect/>
-          </a:stretch>
-        </p:blipFill>
-        <p:spPr bwMode="auto">
-          <a:xfrm>
-            <a:off x="587829" y="61147"/>
-            <a:ext cx="11010122" cy="6731903"/>
-          </a:xfrm>
-          <a:prstGeom prst="rect">
-            <a:avLst/>
-          </a:prstGeom>
-          <a:noFill/>
-          <a:extLst>
-            <a:ext uri="{909E8E84-426E-40DD-AFC4-6F175D3DCCD1}">
-              <a14:hiddenFill xmlns:a14="http://schemas.microsoft.com/office/drawing/2010/main">
-                <a:solidFill>
-                  <a:srgbClr val="FFFFFF"/>
-                </a:solidFill>
-              </a14:hiddenFill>
-            </a:ext>
-          </a:extLst>
-        </p:spPr>
-      </p:pic>
-    </p:spTree>
-    <p:extLst>
-      <p:ext uri="{BB962C8B-B14F-4D97-AF65-F5344CB8AC3E}">
-        <p14:creationId xmlns:p14="http://schemas.microsoft.com/office/powerpoint/2010/main" val="787288493"/>
       </p:ext>
     </p:extLst>
   </p:cSld>
@@ -10991,6 +12647,83 @@
           <a:chExt cx="0" cy="0"/>
         </a:xfrm>
       </p:grpSpPr>
+      <p:pic>
+        <p:nvPicPr>
+          <p:cNvPr id="8194" name="Picture 2">
+            <a:extLst>
+              <a:ext uri="{FF2B5EF4-FFF2-40B4-BE49-F238E27FC236}">
+                <a16:creationId xmlns:a16="http://schemas.microsoft.com/office/drawing/2014/main" id="{BCAE2321-9454-E9DF-BA00-C71AC5E1F999}"/>
+              </a:ext>
+            </a:extLst>
+          </p:cNvPr>
+          <p:cNvPicPr>
+            <a:picLocks noChangeAspect="1" noChangeArrowheads="1"/>
+          </p:cNvPicPr>
+          <p:nvPr/>
+        </p:nvPicPr>
+        <p:blipFill>
+          <a:blip r:embed="rId3">
+            <a:extLst>
+              <a:ext uri="{28A0092B-C50C-407E-A947-70E740481C1C}">
+                <a14:useLocalDpi xmlns:a14="http://schemas.microsoft.com/office/drawing/2010/main" val="0"/>
+              </a:ext>
+            </a:extLst>
+          </a:blip>
+          <a:srcRect/>
+          <a:stretch>
+            <a:fillRect/>
+          </a:stretch>
+        </p:blipFill>
+        <p:spPr bwMode="auto">
+          <a:xfrm>
+            <a:off x="587829" y="61147"/>
+            <a:ext cx="11010122" cy="6731903"/>
+          </a:xfrm>
+          <a:prstGeom prst="rect">
+            <a:avLst/>
+          </a:prstGeom>
+          <a:noFill/>
+          <a:extLst>
+            <a:ext uri="{909E8E84-426E-40DD-AFC4-6F175D3DCCD1}">
+              <a14:hiddenFill xmlns:a14="http://schemas.microsoft.com/office/drawing/2010/main">
+                <a:solidFill>
+                  <a:srgbClr val="FFFFFF"/>
+                </a:solidFill>
+              </a14:hiddenFill>
+            </a:ext>
+          </a:extLst>
+        </p:spPr>
+      </p:pic>
+    </p:spTree>
+    <p:extLst>
+      <p:ext uri="{BB962C8B-B14F-4D97-AF65-F5344CB8AC3E}">
+        <p14:creationId xmlns:p14="http://schemas.microsoft.com/office/powerpoint/2010/main" val="787288493"/>
+      </p:ext>
+    </p:extLst>
+  </p:cSld>
+  <p:clrMapOvr>
+    <a:masterClrMapping/>
+  </p:clrMapOvr>
+</p:sld>
+</file>
+
+<file path=ppt/slides/slide21.xml><?xml version="1.0" encoding="utf-8"?>
+<p:sld xmlns:a="http://schemas.openxmlformats.org/drawingml/2006/main" xmlns:r="http://schemas.openxmlformats.org/officeDocument/2006/relationships" xmlns:p="http://schemas.openxmlformats.org/presentationml/2006/main">
+  <p:cSld>
+    <p:spTree>
+      <p:nvGrpSpPr>
+        <p:cNvPr id="1" name=""/>
+        <p:cNvGrpSpPr/>
+        <p:nvPr/>
+      </p:nvGrpSpPr>
+      <p:grpSpPr>
+        <a:xfrm>
+          <a:off x="0" y="0"/>
+          <a:ext cx="0" cy="0"/>
+          <a:chOff x="0" y="0"/>
+          <a:chExt cx="0" cy="0"/>
+        </a:xfrm>
+      </p:grpSpPr>
       <p:sp>
         <p:nvSpPr>
           <p:cNvPr id="2" name="Title 1">
@@ -11065,7 +12798,7 @@
 </p:sld>
 </file>
 
-<file path=ppt/slides/slide21.xml><?xml version="1.0" encoding="utf-8"?>
+<file path=ppt/slides/slide22.xml><?xml version="1.0" encoding="utf-8"?>
 <p:sld xmlns:a="http://schemas.openxmlformats.org/drawingml/2006/main" xmlns:r="http://schemas.openxmlformats.org/officeDocument/2006/relationships" xmlns:p="http://schemas.openxmlformats.org/presentationml/2006/main">
   <p:cSld>
     <p:spTree>
@@ -11195,7 +12928,7 @@
 </p:sld>
 </file>
 
-<file path=ppt/slides/slide22.xml><?xml version="1.0" encoding="utf-8"?>
+<file path=ppt/slides/slide23.xml><?xml version="1.0" encoding="utf-8"?>
 <p:sld xmlns:a="http://schemas.openxmlformats.org/drawingml/2006/main" xmlns:r="http://schemas.openxmlformats.org/officeDocument/2006/relationships" xmlns:p="http://schemas.openxmlformats.org/presentationml/2006/main">
   <p:cSld>
     <p:spTree>
@@ -12296,7 +14029,1131 @@
 </p:sld>
 </file>
 
-<file path=ppt/slides/slide23.xml><?xml version="1.0" encoding="utf-8"?>
+<file path=ppt/slides/slide24.xml><?xml version="1.0" encoding="utf-8"?>
+<p:sld xmlns:a="http://schemas.openxmlformats.org/drawingml/2006/main" xmlns:r="http://schemas.openxmlformats.org/officeDocument/2006/relationships" xmlns:p="http://schemas.openxmlformats.org/presentationml/2006/main">
+  <p:cSld>
+    <p:spTree>
+      <p:nvGrpSpPr>
+        <p:cNvPr id="1" name=""/>
+        <p:cNvGrpSpPr/>
+        <p:nvPr/>
+      </p:nvGrpSpPr>
+      <p:grpSpPr>
+        <a:xfrm>
+          <a:off x="0" y="0"/>
+          <a:ext cx="0" cy="0"/>
+          <a:chOff x="0" y="0"/>
+          <a:chExt cx="0" cy="0"/>
+        </a:xfrm>
+      </p:grpSpPr>
+      <p:sp>
+        <p:nvSpPr>
+          <p:cNvPr id="2" name="Title 1">
+            <a:extLst>
+              <a:ext uri="{FF2B5EF4-FFF2-40B4-BE49-F238E27FC236}">
+                <a16:creationId xmlns:a16="http://schemas.microsoft.com/office/drawing/2014/main" id="{99628E3D-5C38-AF59-0E7B-C91620DB6DE3}"/>
+              </a:ext>
+            </a:extLst>
+          </p:cNvPr>
+          <p:cNvSpPr>
+            <a:spLocks noGrp="1"/>
+          </p:cNvSpPr>
+          <p:nvPr>
+            <p:ph type="title"/>
+          </p:nvPr>
+        </p:nvSpPr>
+        <p:spPr/>
+        <p:txBody>
+          <a:bodyPr/>
+          <a:lstStyle/>
+          <a:p>
+            <a:r>
+              <a:rPr lang="en-US" dirty="0"/>
+              <a:t>Application Components</a:t>
+            </a:r>
+          </a:p>
+        </p:txBody>
+      </p:sp>
+      <p:sp>
+        <p:nvSpPr>
+          <p:cNvPr id="4" name="Rectangle: Rounded Corners 3">
+            <a:extLst>
+              <a:ext uri="{FF2B5EF4-FFF2-40B4-BE49-F238E27FC236}">
+                <a16:creationId xmlns:a16="http://schemas.microsoft.com/office/drawing/2014/main" id="{6D236F67-0F75-361A-89BC-CAA84BD0B836}"/>
+              </a:ext>
+            </a:extLst>
+          </p:cNvPr>
+          <p:cNvSpPr/>
+          <p:nvPr/>
+        </p:nvSpPr>
+        <p:spPr>
+          <a:xfrm>
+            <a:off x="3464075" y="1690688"/>
+            <a:ext cx="1397000" cy="1738312"/>
+          </a:xfrm>
+          <a:prstGeom prst="roundRect">
+            <a:avLst/>
+          </a:prstGeom>
+        </p:spPr>
+        <p:style>
+          <a:lnRef idx="2">
+            <a:schemeClr val="accent1">
+              <a:shade val="50000"/>
+            </a:schemeClr>
+          </a:lnRef>
+          <a:fillRef idx="1">
+            <a:schemeClr val="accent1"/>
+          </a:fillRef>
+          <a:effectRef idx="0">
+            <a:schemeClr val="accent1"/>
+          </a:effectRef>
+          <a:fontRef idx="minor">
+            <a:schemeClr val="lt1"/>
+          </a:fontRef>
+        </p:style>
+        <p:txBody>
+          <a:bodyPr rtlCol="0" anchor="ctr"/>
+          <a:lstStyle/>
+          <a:p>
+            <a:pPr algn="ctr"/>
+            <a:r>
+              <a:rPr lang="en-US" dirty="0"/>
+              <a:t>User Interface</a:t>
+            </a:r>
+          </a:p>
+        </p:txBody>
+      </p:sp>
+      <p:sp>
+        <p:nvSpPr>
+          <p:cNvPr id="5" name="Rectangle: Rounded Corners 4">
+            <a:extLst>
+              <a:ext uri="{FF2B5EF4-FFF2-40B4-BE49-F238E27FC236}">
+                <a16:creationId xmlns:a16="http://schemas.microsoft.com/office/drawing/2014/main" id="{EC211CF7-D3B9-D755-41A0-EEAB619CEB1C}"/>
+              </a:ext>
+            </a:extLst>
+          </p:cNvPr>
+          <p:cNvSpPr/>
+          <p:nvPr/>
+        </p:nvSpPr>
+        <p:spPr>
+          <a:xfrm>
+            <a:off x="5479141" y="2283355"/>
+            <a:ext cx="1397000" cy="1738312"/>
+          </a:xfrm>
+          <a:prstGeom prst="roundRect">
+            <a:avLst/>
+          </a:prstGeom>
+        </p:spPr>
+        <p:style>
+          <a:lnRef idx="2">
+            <a:schemeClr val="accent1">
+              <a:shade val="50000"/>
+            </a:schemeClr>
+          </a:lnRef>
+          <a:fillRef idx="1">
+            <a:schemeClr val="accent1"/>
+          </a:fillRef>
+          <a:effectRef idx="0">
+            <a:schemeClr val="accent1"/>
+          </a:effectRef>
+          <a:fontRef idx="minor">
+            <a:schemeClr val="lt1"/>
+          </a:fontRef>
+        </p:style>
+        <p:txBody>
+          <a:bodyPr rtlCol="0" anchor="ctr"/>
+          <a:lstStyle/>
+          <a:p>
+            <a:pPr algn="ctr"/>
+            <a:r>
+              <a:rPr lang="en-US" dirty="0"/>
+              <a:t>API-A</a:t>
+            </a:r>
+          </a:p>
+        </p:txBody>
+      </p:sp>
+      <p:sp>
+        <p:nvSpPr>
+          <p:cNvPr id="6" name="Rectangle: Rounded Corners 5">
+            <a:extLst>
+              <a:ext uri="{FF2B5EF4-FFF2-40B4-BE49-F238E27FC236}">
+                <a16:creationId xmlns:a16="http://schemas.microsoft.com/office/drawing/2014/main" id="{0DA5DB35-4F6F-62F1-0399-75D59BC6E96A}"/>
+              </a:ext>
+            </a:extLst>
+          </p:cNvPr>
+          <p:cNvSpPr/>
+          <p:nvPr/>
+        </p:nvSpPr>
+        <p:spPr>
+          <a:xfrm>
+            <a:off x="7494207" y="3003022"/>
+            <a:ext cx="1397000" cy="1738312"/>
+          </a:xfrm>
+          <a:prstGeom prst="roundRect">
+            <a:avLst/>
+          </a:prstGeom>
+        </p:spPr>
+        <p:style>
+          <a:lnRef idx="2">
+            <a:schemeClr val="accent1">
+              <a:shade val="50000"/>
+            </a:schemeClr>
+          </a:lnRef>
+          <a:fillRef idx="1">
+            <a:schemeClr val="accent1"/>
+          </a:fillRef>
+          <a:effectRef idx="0">
+            <a:schemeClr val="accent1"/>
+          </a:effectRef>
+          <a:fontRef idx="minor">
+            <a:schemeClr val="lt1"/>
+          </a:fontRef>
+        </p:style>
+        <p:txBody>
+          <a:bodyPr rtlCol="0" anchor="ctr"/>
+          <a:lstStyle/>
+          <a:p>
+            <a:pPr algn="ctr"/>
+            <a:r>
+              <a:rPr lang="en-US" dirty="0"/>
+              <a:t>API-B</a:t>
+            </a:r>
+          </a:p>
+        </p:txBody>
+      </p:sp>
+      <p:sp>
+        <p:nvSpPr>
+          <p:cNvPr id="7" name="Rectangle: Rounded Corners 6">
+            <a:extLst>
+              <a:ext uri="{FF2B5EF4-FFF2-40B4-BE49-F238E27FC236}">
+                <a16:creationId xmlns:a16="http://schemas.microsoft.com/office/drawing/2014/main" id="{045A7221-73CB-499A-B58E-756F3F310E1B}"/>
+              </a:ext>
+            </a:extLst>
+          </p:cNvPr>
+          <p:cNvSpPr/>
+          <p:nvPr/>
+        </p:nvSpPr>
+        <p:spPr>
+          <a:xfrm>
+            <a:off x="4471607" y="4741334"/>
+            <a:ext cx="1397000" cy="1738312"/>
+          </a:xfrm>
+          <a:prstGeom prst="roundRect">
+            <a:avLst/>
+          </a:prstGeom>
+        </p:spPr>
+        <p:style>
+          <a:lnRef idx="2">
+            <a:schemeClr val="accent1">
+              <a:shade val="50000"/>
+            </a:schemeClr>
+          </a:lnRef>
+          <a:fillRef idx="1">
+            <a:schemeClr val="accent1"/>
+          </a:fillRef>
+          <a:effectRef idx="0">
+            <a:schemeClr val="accent1"/>
+          </a:effectRef>
+          <a:fontRef idx="minor">
+            <a:schemeClr val="lt1"/>
+          </a:fontRef>
+        </p:style>
+        <p:txBody>
+          <a:bodyPr rtlCol="0" anchor="ctr"/>
+          <a:lstStyle/>
+          <a:p>
+            <a:pPr algn="ctr"/>
+            <a:r>
+              <a:rPr lang="en-US" dirty="0"/>
+              <a:t>Azure AD</a:t>
+            </a:r>
+          </a:p>
+        </p:txBody>
+      </p:sp>
+      <p:sp>
+        <p:nvSpPr>
+          <p:cNvPr id="12" name="Oval 11">
+            <a:extLst>
+              <a:ext uri="{FF2B5EF4-FFF2-40B4-BE49-F238E27FC236}">
+                <a16:creationId xmlns:a16="http://schemas.microsoft.com/office/drawing/2014/main" id="{63605D8A-C428-6A26-97AE-6A82A018E4A7}"/>
+              </a:ext>
+            </a:extLst>
+          </p:cNvPr>
+          <p:cNvSpPr/>
+          <p:nvPr/>
+        </p:nvSpPr>
+        <p:spPr>
+          <a:xfrm>
+            <a:off x="1966791" y="3872178"/>
+            <a:ext cx="422523" cy="422523"/>
+          </a:xfrm>
+          <a:prstGeom prst="ellipse">
+            <a:avLst/>
+          </a:prstGeom>
+        </p:spPr>
+        <p:style>
+          <a:lnRef idx="2">
+            <a:schemeClr val="accent2">
+              <a:shade val="50000"/>
+            </a:schemeClr>
+          </a:lnRef>
+          <a:fillRef idx="1">
+            <a:schemeClr val="accent2"/>
+          </a:fillRef>
+          <a:effectRef idx="0">
+            <a:schemeClr val="accent2"/>
+          </a:effectRef>
+          <a:fontRef idx="minor">
+            <a:schemeClr val="lt1"/>
+          </a:fontRef>
+        </p:style>
+        <p:txBody>
+          <a:bodyPr rtlCol="0" anchor="ctr"/>
+          <a:lstStyle/>
+          <a:p>
+            <a:pPr algn="ctr"/>
+            <a:r>
+              <a:rPr lang="en-US" dirty="0"/>
+              <a:t>1</a:t>
+            </a:r>
+          </a:p>
+        </p:txBody>
+      </p:sp>
+      <p:sp>
+        <p:nvSpPr>
+          <p:cNvPr id="17" name="Oval 16">
+            <a:extLst>
+              <a:ext uri="{FF2B5EF4-FFF2-40B4-BE49-F238E27FC236}">
+                <a16:creationId xmlns:a16="http://schemas.microsoft.com/office/drawing/2014/main" id="{1080AB9D-5AEA-CF3D-F0A4-E484177E6023}"/>
+              </a:ext>
+            </a:extLst>
+          </p:cNvPr>
+          <p:cNvSpPr/>
+          <p:nvPr/>
+        </p:nvSpPr>
+        <p:spPr>
+          <a:xfrm>
+            <a:off x="2723936" y="3872178"/>
+            <a:ext cx="422523" cy="422523"/>
+          </a:xfrm>
+          <a:prstGeom prst="ellipse">
+            <a:avLst/>
+          </a:prstGeom>
+        </p:spPr>
+        <p:style>
+          <a:lnRef idx="2">
+            <a:schemeClr val="accent2">
+              <a:shade val="50000"/>
+            </a:schemeClr>
+          </a:lnRef>
+          <a:fillRef idx="1">
+            <a:schemeClr val="accent2"/>
+          </a:fillRef>
+          <a:effectRef idx="0">
+            <a:schemeClr val="accent2"/>
+          </a:effectRef>
+          <a:fontRef idx="minor">
+            <a:schemeClr val="lt1"/>
+          </a:fontRef>
+        </p:style>
+        <p:txBody>
+          <a:bodyPr rtlCol="0" anchor="ctr"/>
+          <a:lstStyle/>
+          <a:p>
+            <a:pPr algn="ctr"/>
+            <a:r>
+              <a:rPr lang="en-US" dirty="0"/>
+              <a:t>2</a:t>
+            </a:r>
+          </a:p>
+        </p:txBody>
+      </p:sp>
+      <p:sp>
+        <p:nvSpPr>
+          <p:cNvPr id="20" name="Freeform: Shape 19">
+            <a:extLst>
+              <a:ext uri="{FF2B5EF4-FFF2-40B4-BE49-F238E27FC236}">
+                <a16:creationId xmlns:a16="http://schemas.microsoft.com/office/drawing/2014/main" id="{F8BE8242-CEA6-FD5C-EF10-8A0D6D2E5606}"/>
+              </a:ext>
+            </a:extLst>
+          </p:cNvPr>
+          <p:cNvSpPr/>
+          <p:nvPr/>
+        </p:nvSpPr>
+        <p:spPr>
+          <a:xfrm>
+            <a:off x="2490603" y="2481943"/>
+            <a:ext cx="1922777" cy="3306335"/>
+          </a:xfrm>
+          <a:custGeom>
+            <a:avLst/>
+            <a:gdLst>
+              <a:gd name="connsiteX0" fmla="*/ 943062 w 1922777"/>
+              <a:gd name="connsiteY0" fmla="*/ 0 h 3306335"/>
+              <a:gd name="connsiteX1" fmla="*/ 670 w 1922777"/>
+              <a:gd name="connsiteY1" fmla="*/ 1567543 h 3306335"/>
+              <a:gd name="connsiteX2" fmla="*/ 812434 w 1922777"/>
+              <a:gd name="connsiteY2" fmla="*/ 3032449 h 3306335"/>
+              <a:gd name="connsiteX3" fmla="*/ 1922777 w 1922777"/>
+              <a:gd name="connsiteY3" fmla="*/ 3303037 h 3306335"/>
+            </a:gdLst>
+            <a:ahLst/>
+            <a:cxnLst>
+              <a:cxn ang="0">
+                <a:pos x="connsiteX0" y="connsiteY0"/>
+              </a:cxn>
+              <a:cxn ang="0">
+                <a:pos x="connsiteX1" y="connsiteY1"/>
+              </a:cxn>
+              <a:cxn ang="0">
+                <a:pos x="connsiteX2" y="connsiteY2"/>
+              </a:cxn>
+              <a:cxn ang="0">
+                <a:pos x="connsiteX3" y="connsiteY3"/>
+              </a:cxn>
+            </a:cxnLst>
+            <a:rect l="l" t="t" r="r" b="b"/>
+            <a:pathLst>
+              <a:path w="1922777" h="3306335">
+                <a:moveTo>
+                  <a:pt x="943062" y="0"/>
+                </a:moveTo>
+                <a:cubicBezTo>
+                  <a:pt x="482751" y="531067"/>
+                  <a:pt x="22441" y="1062135"/>
+                  <a:pt x="670" y="1567543"/>
+                </a:cubicBezTo>
+                <a:cubicBezTo>
+                  <a:pt x="-21101" y="2072951"/>
+                  <a:pt x="492083" y="2743200"/>
+                  <a:pt x="812434" y="3032449"/>
+                </a:cubicBezTo>
+                <a:cubicBezTo>
+                  <a:pt x="1132785" y="3321698"/>
+                  <a:pt x="1527781" y="3312367"/>
+                  <a:pt x="1922777" y="3303037"/>
+                </a:cubicBezTo>
+              </a:path>
+            </a:pathLst>
+          </a:custGeom>
+          <a:noFill/>
+          <a:ln w="25400">
+            <a:tailEnd type="triangle"/>
+          </a:ln>
+        </p:spPr>
+        <p:style>
+          <a:lnRef idx="2">
+            <a:schemeClr val="accent1">
+              <a:shade val="50000"/>
+            </a:schemeClr>
+          </a:lnRef>
+          <a:fillRef idx="1">
+            <a:schemeClr val="accent1"/>
+          </a:fillRef>
+          <a:effectRef idx="0">
+            <a:schemeClr val="accent1"/>
+          </a:effectRef>
+          <a:fontRef idx="minor">
+            <a:schemeClr val="lt1"/>
+          </a:fontRef>
+        </p:style>
+        <p:txBody>
+          <a:bodyPr rtlCol="0" anchor="ctr"/>
+          <a:lstStyle/>
+          <a:p>
+            <a:pPr algn="ctr"/>
+            <a:endParaRPr lang="en-US"/>
+          </a:p>
+        </p:txBody>
+      </p:sp>
+      <p:sp>
+        <p:nvSpPr>
+          <p:cNvPr id="21" name="TextBox 20">
+            <a:extLst>
+              <a:ext uri="{FF2B5EF4-FFF2-40B4-BE49-F238E27FC236}">
+                <a16:creationId xmlns:a16="http://schemas.microsoft.com/office/drawing/2014/main" id="{9E8EB9EC-C45C-95A5-3025-0CCD9B73FF93}"/>
+              </a:ext>
+            </a:extLst>
+          </p:cNvPr>
+          <p:cNvSpPr txBox="1"/>
+          <p:nvPr/>
+        </p:nvSpPr>
+        <p:spPr>
+          <a:xfrm>
+            <a:off x="522486" y="3872178"/>
+            <a:ext cx="1558212" cy="415498"/>
+          </a:xfrm>
+          <a:prstGeom prst="rect">
+            <a:avLst/>
+          </a:prstGeom>
+          <a:noFill/>
+        </p:spPr>
+        <p:txBody>
+          <a:bodyPr wrap="square" rtlCol="0">
+            <a:spAutoFit/>
+          </a:bodyPr>
+          <a:lstStyle/>
+          <a:p>
+            <a:r>
+              <a:rPr lang="en-US" sz="1050" dirty="0"/>
+              <a:t>MSAL Redirects User to Authorization endpoint.</a:t>
+            </a:r>
+          </a:p>
+        </p:txBody>
+      </p:sp>
+      <p:sp>
+        <p:nvSpPr>
+          <p:cNvPr id="22" name="Freeform: Shape 21">
+            <a:extLst>
+              <a:ext uri="{FF2B5EF4-FFF2-40B4-BE49-F238E27FC236}">
+                <a16:creationId xmlns:a16="http://schemas.microsoft.com/office/drawing/2014/main" id="{BE3C5454-7311-24CB-5CB5-03EBC81CA758}"/>
+              </a:ext>
+            </a:extLst>
+          </p:cNvPr>
+          <p:cNvSpPr/>
+          <p:nvPr/>
+        </p:nvSpPr>
+        <p:spPr>
+          <a:xfrm>
+            <a:off x="2659112" y="2836506"/>
+            <a:ext cx="1754268" cy="2752531"/>
+          </a:xfrm>
+          <a:custGeom>
+            <a:avLst/>
+            <a:gdLst>
+              <a:gd name="connsiteX0" fmla="*/ 1754268 w 1754268"/>
+              <a:gd name="connsiteY0" fmla="*/ 2752531 h 2752531"/>
+              <a:gd name="connsiteX1" fmla="*/ 681247 w 1754268"/>
+              <a:gd name="connsiteY1" fmla="*/ 2360645 h 2752531"/>
+              <a:gd name="connsiteX2" fmla="*/ 112 w 1754268"/>
+              <a:gd name="connsiteY2" fmla="*/ 1278294 h 2752531"/>
+              <a:gd name="connsiteX3" fmla="*/ 727900 w 1754268"/>
+              <a:gd name="connsiteY3" fmla="*/ 0 h 2752531"/>
+            </a:gdLst>
+            <a:ahLst/>
+            <a:cxnLst>
+              <a:cxn ang="0">
+                <a:pos x="connsiteX0" y="connsiteY0"/>
+              </a:cxn>
+              <a:cxn ang="0">
+                <a:pos x="connsiteX1" y="connsiteY1"/>
+              </a:cxn>
+              <a:cxn ang="0">
+                <a:pos x="connsiteX2" y="connsiteY2"/>
+              </a:cxn>
+              <a:cxn ang="0">
+                <a:pos x="connsiteX3" y="connsiteY3"/>
+              </a:cxn>
+            </a:cxnLst>
+            <a:rect l="l" t="t" r="r" b="b"/>
+            <a:pathLst>
+              <a:path w="1754268" h="2752531">
+                <a:moveTo>
+                  <a:pt x="1754268" y="2752531"/>
+                </a:moveTo>
+                <a:cubicBezTo>
+                  <a:pt x="1363937" y="2679441"/>
+                  <a:pt x="973606" y="2606351"/>
+                  <a:pt x="681247" y="2360645"/>
+                </a:cubicBezTo>
+                <a:cubicBezTo>
+                  <a:pt x="388888" y="2114939"/>
+                  <a:pt x="-7663" y="1671735"/>
+                  <a:pt x="112" y="1278294"/>
+                </a:cubicBezTo>
+                <a:cubicBezTo>
+                  <a:pt x="7887" y="884853"/>
+                  <a:pt x="367893" y="442426"/>
+                  <a:pt x="727900" y="0"/>
+                </a:cubicBezTo>
+              </a:path>
+            </a:pathLst>
+          </a:custGeom>
+          <a:noFill/>
+          <a:ln w="25400">
+            <a:tailEnd type="triangle"/>
+          </a:ln>
+        </p:spPr>
+        <p:style>
+          <a:lnRef idx="2">
+            <a:schemeClr val="accent1">
+              <a:shade val="50000"/>
+            </a:schemeClr>
+          </a:lnRef>
+          <a:fillRef idx="1">
+            <a:schemeClr val="accent1"/>
+          </a:fillRef>
+          <a:effectRef idx="0">
+            <a:schemeClr val="accent1"/>
+          </a:effectRef>
+          <a:fontRef idx="minor">
+            <a:schemeClr val="lt1"/>
+          </a:fontRef>
+        </p:style>
+        <p:txBody>
+          <a:bodyPr rtlCol="0" anchor="ctr"/>
+          <a:lstStyle/>
+          <a:p>
+            <a:pPr algn="ctr"/>
+            <a:endParaRPr lang="en-US"/>
+          </a:p>
+        </p:txBody>
+      </p:sp>
+      <p:sp>
+        <p:nvSpPr>
+          <p:cNvPr id="23" name="TextBox 22">
+            <a:extLst>
+              <a:ext uri="{FF2B5EF4-FFF2-40B4-BE49-F238E27FC236}">
+                <a16:creationId xmlns:a16="http://schemas.microsoft.com/office/drawing/2014/main" id="{D8342921-E5E8-7B5A-5D4B-25466B8D3483}"/>
+              </a:ext>
+            </a:extLst>
+          </p:cNvPr>
+          <p:cNvSpPr txBox="1"/>
+          <p:nvPr/>
+        </p:nvSpPr>
+        <p:spPr>
+          <a:xfrm>
+            <a:off x="2994001" y="4220650"/>
+            <a:ext cx="1558212" cy="415498"/>
+          </a:xfrm>
+          <a:prstGeom prst="rect">
+            <a:avLst/>
+          </a:prstGeom>
+          <a:noFill/>
+        </p:spPr>
+        <p:txBody>
+          <a:bodyPr wrap="square" rtlCol="0">
+            <a:spAutoFit/>
+          </a:bodyPr>
+          <a:lstStyle/>
+          <a:p>
+            <a:r>
+              <a:rPr lang="en-US" sz="1050" dirty="0"/>
+              <a:t>User logs on and AD sends ID/Access tokens</a:t>
+            </a:r>
+          </a:p>
+        </p:txBody>
+      </p:sp>
+      <p:cxnSp>
+        <p:nvCxnSpPr>
+          <p:cNvPr id="25" name="Straight Arrow Connector 24">
+            <a:extLst>
+              <a:ext uri="{FF2B5EF4-FFF2-40B4-BE49-F238E27FC236}">
+                <a16:creationId xmlns:a16="http://schemas.microsoft.com/office/drawing/2014/main" id="{9BDEF65E-7238-0623-41B3-91C42A2B1158}"/>
+              </a:ext>
+            </a:extLst>
+          </p:cNvPr>
+          <p:cNvCxnSpPr>
+            <a:cxnSpLocks/>
+            <a:stCxn id="4" idx="3"/>
+            <a:endCxn id="5" idx="1"/>
+          </p:cNvCxnSpPr>
+          <p:nvPr/>
+        </p:nvCxnSpPr>
+        <p:spPr>
+          <a:xfrm>
+            <a:off x="4861075" y="2559844"/>
+            <a:ext cx="618066" cy="592667"/>
+          </a:xfrm>
+          <a:prstGeom prst="straightConnector1">
+            <a:avLst/>
+          </a:prstGeom>
+          <a:ln w="25400">
+            <a:tailEnd type="triangle"/>
+          </a:ln>
+        </p:spPr>
+        <p:style>
+          <a:lnRef idx="1">
+            <a:schemeClr val="accent1"/>
+          </a:lnRef>
+          <a:fillRef idx="0">
+            <a:schemeClr val="accent1"/>
+          </a:fillRef>
+          <a:effectRef idx="0">
+            <a:schemeClr val="accent1"/>
+          </a:effectRef>
+          <a:fontRef idx="minor">
+            <a:schemeClr val="tx1"/>
+          </a:fontRef>
+        </p:style>
+      </p:cxnSp>
+      <p:sp>
+        <p:nvSpPr>
+          <p:cNvPr id="27" name="Oval 26">
+            <a:extLst>
+              <a:ext uri="{FF2B5EF4-FFF2-40B4-BE49-F238E27FC236}">
+                <a16:creationId xmlns:a16="http://schemas.microsoft.com/office/drawing/2014/main" id="{92CA45A9-A0C1-02D4-CF93-EA5F41CF6C55}"/>
+              </a:ext>
+            </a:extLst>
+          </p:cNvPr>
+          <p:cNvSpPr/>
+          <p:nvPr/>
+        </p:nvSpPr>
+        <p:spPr>
+          <a:xfrm>
+            <a:off x="4965881" y="2255350"/>
+            <a:ext cx="422523" cy="422523"/>
+          </a:xfrm>
+          <a:prstGeom prst="ellipse">
+            <a:avLst/>
+          </a:prstGeom>
+        </p:spPr>
+        <p:style>
+          <a:lnRef idx="2">
+            <a:schemeClr val="accent2">
+              <a:shade val="50000"/>
+            </a:schemeClr>
+          </a:lnRef>
+          <a:fillRef idx="1">
+            <a:schemeClr val="accent2"/>
+          </a:fillRef>
+          <a:effectRef idx="0">
+            <a:schemeClr val="accent2"/>
+          </a:effectRef>
+          <a:fontRef idx="minor">
+            <a:schemeClr val="lt1"/>
+          </a:fontRef>
+        </p:style>
+        <p:txBody>
+          <a:bodyPr rtlCol="0" anchor="ctr"/>
+          <a:lstStyle/>
+          <a:p>
+            <a:pPr algn="ctr"/>
+            <a:r>
+              <a:rPr lang="en-US" dirty="0"/>
+              <a:t>3</a:t>
+            </a:r>
+          </a:p>
+        </p:txBody>
+      </p:sp>
+      <p:sp>
+        <p:nvSpPr>
+          <p:cNvPr id="28" name="TextBox 27">
+            <a:extLst>
+              <a:ext uri="{FF2B5EF4-FFF2-40B4-BE49-F238E27FC236}">
+                <a16:creationId xmlns:a16="http://schemas.microsoft.com/office/drawing/2014/main" id="{C68C0954-1531-FE41-10ED-7E45571D3A6F}"/>
+              </a:ext>
+            </a:extLst>
+          </p:cNvPr>
+          <p:cNvSpPr txBox="1"/>
+          <p:nvPr/>
+        </p:nvSpPr>
+        <p:spPr>
+          <a:xfrm>
+            <a:off x="4979708" y="1779272"/>
+            <a:ext cx="1558212" cy="415498"/>
+          </a:xfrm>
+          <a:prstGeom prst="rect">
+            <a:avLst/>
+          </a:prstGeom>
+          <a:noFill/>
+        </p:spPr>
+        <p:txBody>
+          <a:bodyPr wrap="square" rtlCol="0">
+            <a:spAutoFit/>
+          </a:bodyPr>
+          <a:lstStyle/>
+          <a:p>
+            <a:r>
+              <a:rPr lang="en-US" sz="1050" dirty="0"/>
+              <a:t>Access token is sent to API-A</a:t>
+            </a:r>
+          </a:p>
+        </p:txBody>
+      </p:sp>
+      <p:cxnSp>
+        <p:nvCxnSpPr>
+          <p:cNvPr id="29" name="Straight Arrow Connector 28">
+            <a:extLst>
+              <a:ext uri="{FF2B5EF4-FFF2-40B4-BE49-F238E27FC236}">
+                <a16:creationId xmlns:a16="http://schemas.microsoft.com/office/drawing/2014/main" id="{861A29F4-5F2D-71B7-8AE0-84D7945F59F2}"/>
+              </a:ext>
+            </a:extLst>
+          </p:cNvPr>
+          <p:cNvCxnSpPr>
+            <a:cxnSpLocks/>
+            <a:endCxn id="7" idx="0"/>
+          </p:cNvCxnSpPr>
+          <p:nvPr/>
+        </p:nvCxnSpPr>
+        <p:spPr>
+          <a:xfrm flipH="1">
+            <a:off x="5170107" y="4021667"/>
+            <a:ext cx="309034" cy="719667"/>
+          </a:xfrm>
+          <a:prstGeom prst="straightConnector1">
+            <a:avLst/>
+          </a:prstGeom>
+          <a:ln w="25400">
+            <a:tailEnd type="triangle"/>
+          </a:ln>
+        </p:spPr>
+        <p:style>
+          <a:lnRef idx="1">
+            <a:schemeClr val="accent1"/>
+          </a:lnRef>
+          <a:fillRef idx="0">
+            <a:schemeClr val="accent1"/>
+          </a:fillRef>
+          <a:effectRef idx="0">
+            <a:schemeClr val="accent1"/>
+          </a:effectRef>
+          <a:fontRef idx="minor">
+            <a:schemeClr val="tx1"/>
+          </a:fontRef>
+        </p:style>
+      </p:cxnSp>
+      <p:sp>
+        <p:nvSpPr>
+          <p:cNvPr id="32" name="Oval 31">
+            <a:extLst>
+              <a:ext uri="{FF2B5EF4-FFF2-40B4-BE49-F238E27FC236}">
+                <a16:creationId xmlns:a16="http://schemas.microsoft.com/office/drawing/2014/main" id="{7F024322-5D07-BD7A-3993-88933737798D}"/>
+              </a:ext>
+            </a:extLst>
+          </p:cNvPr>
+          <p:cNvSpPr/>
+          <p:nvPr/>
+        </p:nvSpPr>
+        <p:spPr>
+          <a:xfrm>
+            <a:off x="4727524" y="4261023"/>
+            <a:ext cx="422523" cy="422523"/>
+          </a:xfrm>
+          <a:prstGeom prst="ellipse">
+            <a:avLst/>
+          </a:prstGeom>
+        </p:spPr>
+        <p:style>
+          <a:lnRef idx="2">
+            <a:schemeClr val="accent2">
+              <a:shade val="50000"/>
+            </a:schemeClr>
+          </a:lnRef>
+          <a:fillRef idx="1">
+            <a:schemeClr val="accent2"/>
+          </a:fillRef>
+          <a:effectRef idx="0">
+            <a:schemeClr val="accent2"/>
+          </a:effectRef>
+          <a:fontRef idx="minor">
+            <a:schemeClr val="lt1"/>
+          </a:fontRef>
+        </p:style>
+        <p:txBody>
+          <a:bodyPr rtlCol="0" anchor="ctr"/>
+          <a:lstStyle/>
+          <a:p>
+            <a:pPr algn="ctr"/>
+            <a:r>
+              <a:rPr lang="en-US" dirty="0"/>
+              <a:t>4</a:t>
+            </a:r>
+          </a:p>
+        </p:txBody>
+      </p:sp>
+      <p:sp>
+        <p:nvSpPr>
+          <p:cNvPr id="33" name="TextBox 32">
+            <a:extLst>
+              <a:ext uri="{FF2B5EF4-FFF2-40B4-BE49-F238E27FC236}">
+                <a16:creationId xmlns:a16="http://schemas.microsoft.com/office/drawing/2014/main" id="{E3A4CD49-0187-F9F3-924D-4C358370CE6C}"/>
+              </a:ext>
+            </a:extLst>
+          </p:cNvPr>
+          <p:cNvSpPr txBox="1"/>
+          <p:nvPr/>
+        </p:nvSpPr>
+        <p:spPr>
+          <a:xfrm>
+            <a:off x="3896115" y="3429000"/>
+            <a:ext cx="1558212" cy="738664"/>
+          </a:xfrm>
+          <a:prstGeom prst="rect">
+            <a:avLst/>
+          </a:prstGeom>
+          <a:noFill/>
+        </p:spPr>
+        <p:txBody>
+          <a:bodyPr wrap="square" rtlCol="0">
+            <a:spAutoFit/>
+          </a:bodyPr>
+          <a:lstStyle/>
+          <a:p>
+            <a:pPr algn="r"/>
+            <a:r>
+              <a:rPr lang="en-US" sz="1050" dirty="0"/>
+              <a:t>API-A uses on-behalf-of flow with secret to generate new access token</a:t>
+            </a:r>
+          </a:p>
+        </p:txBody>
+      </p:sp>
+      <p:cxnSp>
+        <p:nvCxnSpPr>
+          <p:cNvPr id="34" name="Straight Arrow Connector 33">
+            <a:extLst>
+              <a:ext uri="{FF2B5EF4-FFF2-40B4-BE49-F238E27FC236}">
+                <a16:creationId xmlns:a16="http://schemas.microsoft.com/office/drawing/2014/main" id="{B2CF19B3-A596-1B7C-2840-0BCD53B66120}"/>
+              </a:ext>
+            </a:extLst>
+          </p:cNvPr>
+          <p:cNvCxnSpPr>
+            <a:cxnSpLocks/>
+          </p:cNvCxnSpPr>
+          <p:nvPr/>
+        </p:nvCxnSpPr>
+        <p:spPr>
+          <a:xfrm flipV="1">
+            <a:off x="5324624" y="4110252"/>
+            <a:ext cx="264413" cy="631082"/>
+          </a:xfrm>
+          <a:prstGeom prst="straightConnector1">
+            <a:avLst/>
+          </a:prstGeom>
+          <a:ln w="25400">
+            <a:tailEnd type="triangle"/>
+          </a:ln>
+        </p:spPr>
+        <p:style>
+          <a:lnRef idx="1">
+            <a:schemeClr val="accent1"/>
+          </a:lnRef>
+          <a:fillRef idx="0">
+            <a:schemeClr val="accent1"/>
+          </a:fillRef>
+          <a:effectRef idx="0">
+            <a:schemeClr val="accent1"/>
+          </a:effectRef>
+          <a:fontRef idx="minor">
+            <a:schemeClr val="tx1"/>
+          </a:fontRef>
+        </p:style>
+      </p:cxnSp>
+      <p:sp>
+        <p:nvSpPr>
+          <p:cNvPr id="38" name="Oval 37">
+            <a:extLst>
+              <a:ext uri="{FF2B5EF4-FFF2-40B4-BE49-F238E27FC236}">
+                <a16:creationId xmlns:a16="http://schemas.microsoft.com/office/drawing/2014/main" id="{4E5FFB01-5E5B-2C53-CD48-4A17BAB78BC3}"/>
+              </a:ext>
+            </a:extLst>
+          </p:cNvPr>
+          <p:cNvSpPr/>
+          <p:nvPr/>
+        </p:nvSpPr>
+        <p:spPr>
+          <a:xfrm>
+            <a:off x="5657345" y="4135110"/>
+            <a:ext cx="422523" cy="422523"/>
+          </a:xfrm>
+          <a:prstGeom prst="ellipse">
+            <a:avLst/>
+          </a:prstGeom>
+        </p:spPr>
+        <p:style>
+          <a:lnRef idx="2">
+            <a:schemeClr val="accent2">
+              <a:shade val="50000"/>
+            </a:schemeClr>
+          </a:lnRef>
+          <a:fillRef idx="1">
+            <a:schemeClr val="accent2"/>
+          </a:fillRef>
+          <a:effectRef idx="0">
+            <a:schemeClr val="accent2"/>
+          </a:effectRef>
+          <a:fontRef idx="minor">
+            <a:schemeClr val="lt1"/>
+          </a:fontRef>
+        </p:style>
+        <p:txBody>
+          <a:bodyPr rtlCol="0" anchor="ctr"/>
+          <a:lstStyle/>
+          <a:p>
+            <a:pPr algn="ctr"/>
+            <a:r>
+              <a:rPr lang="en-US" dirty="0"/>
+              <a:t>5</a:t>
+            </a:r>
+          </a:p>
+        </p:txBody>
+      </p:sp>
+      <p:sp>
+        <p:nvSpPr>
+          <p:cNvPr id="39" name="TextBox 38">
+            <a:extLst>
+              <a:ext uri="{FF2B5EF4-FFF2-40B4-BE49-F238E27FC236}">
+                <a16:creationId xmlns:a16="http://schemas.microsoft.com/office/drawing/2014/main" id="{E4C6E896-B733-35C4-C814-0455906E5E4B}"/>
+              </a:ext>
+            </a:extLst>
+          </p:cNvPr>
+          <p:cNvSpPr txBox="1"/>
+          <p:nvPr/>
+        </p:nvSpPr>
+        <p:spPr>
+          <a:xfrm>
+            <a:off x="5926834" y="4530072"/>
+            <a:ext cx="1558212" cy="577081"/>
+          </a:xfrm>
+          <a:prstGeom prst="rect">
+            <a:avLst/>
+          </a:prstGeom>
+          <a:noFill/>
+        </p:spPr>
+        <p:txBody>
+          <a:bodyPr wrap="square" rtlCol="0">
+            <a:spAutoFit/>
+          </a:bodyPr>
+          <a:lstStyle/>
+          <a:p>
+            <a:r>
+              <a:rPr lang="en-US" sz="1050" dirty="0"/>
+              <a:t>Access token with audience for API-B is created</a:t>
+            </a:r>
+          </a:p>
+        </p:txBody>
+      </p:sp>
+      <p:cxnSp>
+        <p:nvCxnSpPr>
+          <p:cNvPr id="40" name="Straight Arrow Connector 39">
+            <a:extLst>
+              <a:ext uri="{FF2B5EF4-FFF2-40B4-BE49-F238E27FC236}">
+                <a16:creationId xmlns:a16="http://schemas.microsoft.com/office/drawing/2014/main" id="{B11C5106-2286-4482-E36D-D919EFA3117C}"/>
+              </a:ext>
+            </a:extLst>
+          </p:cNvPr>
+          <p:cNvCxnSpPr>
+            <a:cxnSpLocks/>
+            <a:stCxn id="5" idx="3"/>
+            <a:endCxn id="6" idx="1"/>
+          </p:cNvCxnSpPr>
+          <p:nvPr/>
+        </p:nvCxnSpPr>
+        <p:spPr>
+          <a:xfrm>
+            <a:off x="6876141" y="3152511"/>
+            <a:ext cx="618066" cy="719667"/>
+          </a:xfrm>
+          <a:prstGeom prst="straightConnector1">
+            <a:avLst/>
+          </a:prstGeom>
+          <a:ln w="25400">
+            <a:tailEnd type="triangle"/>
+          </a:ln>
+        </p:spPr>
+        <p:style>
+          <a:lnRef idx="1">
+            <a:schemeClr val="accent1"/>
+          </a:lnRef>
+          <a:fillRef idx="0">
+            <a:schemeClr val="accent1"/>
+          </a:fillRef>
+          <a:effectRef idx="0">
+            <a:schemeClr val="accent1"/>
+          </a:effectRef>
+          <a:fontRef idx="minor">
+            <a:schemeClr val="tx1"/>
+          </a:fontRef>
+        </p:style>
+      </p:cxnSp>
+      <p:sp>
+        <p:nvSpPr>
+          <p:cNvPr id="43" name="Oval 42">
+            <a:extLst>
+              <a:ext uri="{FF2B5EF4-FFF2-40B4-BE49-F238E27FC236}">
+                <a16:creationId xmlns:a16="http://schemas.microsoft.com/office/drawing/2014/main" id="{DEC292D0-A4A2-802B-A9BD-B623258F3A4D}"/>
+              </a:ext>
+            </a:extLst>
+          </p:cNvPr>
+          <p:cNvSpPr/>
+          <p:nvPr/>
+        </p:nvSpPr>
+        <p:spPr>
+          <a:xfrm>
+            <a:off x="6984018" y="2851279"/>
+            <a:ext cx="422523" cy="422523"/>
+          </a:xfrm>
+          <a:prstGeom prst="ellipse">
+            <a:avLst/>
+          </a:prstGeom>
+        </p:spPr>
+        <p:style>
+          <a:lnRef idx="2">
+            <a:schemeClr val="accent2">
+              <a:shade val="50000"/>
+            </a:schemeClr>
+          </a:lnRef>
+          <a:fillRef idx="1">
+            <a:schemeClr val="accent2"/>
+          </a:fillRef>
+          <a:effectRef idx="0">
+            <a:schemeClr val="accent2"/>
+          </a:effectRef>
+          <a:fontRef idx="minor">
+            <a:schemeClr val="lt1"/>
+          </a:fontRef>
+        </p:style>
+        <p:txBody>
+          <a:bodyPr rtlCol="0" anchor="ctr"/>
+          <a:lstStyle/>
+          <a:p>
+            <a:pPr algn="ctr"/>
+            <a:r>
+              <a:rPr lang="en-US" dirty="0"/>
+              <a:t>5</a:t>
+            </a:r>
+          </a:p>
+        </p:txBody>
+      </p:sp>
+      <p:sp>
+        <p:nvSpPr>
+          <p:cNvPr id="44" name="TextBox 43">
+            <a:extLst>
+              <a:ext uri="{FF2B5EF4-FFF2-40B4-BE49-F238E27FC236}">
+                <a16:creationId xmlns:a16="http://schemas.microsoft.com/office/drawing/2014/main" id="{7C67B90B-19D8-4E75-44B2-CE95DE3D704E}"/>
+              </a:ext>
+            </a:extLst>
+          </p:cNvPr>
+          <p:cNvSpPr txBox="1"/>
+          <p:nvPr/>
+        </p:nvSpPr>
+        <p:spPr>
+          <a:xfrm>
+            <a:off x="7039255" y="2184657"/>
+            <a:ext cx="1558212" cy="738664"/>
+          </a:xfrm>
+          <a:prstGeom prst="rect">
+            <a:avLst/>
+          </a:prstGeom>
+          <a:noFill/>
+        </p:spPr>
+        <p:txBody>
+          <a:bodyPr wrap="square" rtlCol="0">
+            <a:spAutoFit/>
+          </a:bodyPr>
+          <a:lstStyle/>
+          <a:p>
+            <a:r>
+              <a:rPr lang="en-US" sz="1050" dirty="0"/>
+              <a:t>API-B validates token, extracts user information, and sends expected response</a:t>
+            </a:r>
+          </a:p>
+        </p:txBody>
+      </p:sp>
+    </p:spTree>
+    <p:extLst>
+      <p:ext uri="{BB962C8B-B14F-4D97-AF65-F5344CB8AC3E}">
+        <p14:creationId xmlns:p14="http://schemas.microsoft.com/office/powerpoint/2010/main" val="1982144010"/>
+      </p:ext>
+    </p:extLst>
+  </p:cSld>
+  <p:clrMapOvr>
+    <a:masterClrMapping/>
+  </p:clrMapOvr>
+</p:sld>
+</file>
+
+<file path=ppt/slides/slide25.xml><?xml version="1.0" encoding="utf-8"?>
 <p:sld xmlns:a="http://schemas.openxmlformats.org/drawingml/2006/main" xmlns:r="http://schemas.openxmlformats.org/officeDocument/2006/relationships" xmlns:p="http://schemas.openxmlformats.org/presentationml/2006/main">
   <p:cSld>
     <p:spTree>
@@ -12466,8 +15323,23 @@
         </p:nvSpPr>
         <p:spPr/>
         <p:txBody>
-          <a:bodyPr/>
+          <a:bodyPr>
+            <a:normAutofit lnSpcReduction="10000"/>
+          </a:bodyPr>
           <a:lstStyle/>
+          <a:p>
+            <a:r>
+              <a:rPr lang="en-US" dirty="0"/>
+              <a:t>25+ years of experience in a variety of industries</a:t>
+            </a:r>
+          </a:p>
+          <a:p>
+            <a:pPr lvl="1"/>
+            <a:r>
+              <a:rPr lang="en-US" dirty="0"/>
+              <a:t>Banking, agri-business, niche ERP solutions, e-commerce, genetics, healthcare, real estate, and construction</a:t>
+            </a:r>
+          </a:p>
           <a:p>
             <a:r>
               <a:rPr lang="en-US" dirty="0"/>
@@ -12475,27 +15347,37 @@
             </a:r>
           </a:p>
           <a:p>
+            <a:pPr lvl="1"/>
             <a:r>
               <a:rPr lang="en-US" dirty="0"/>
               <a:t>Lead the App Dev Center of Excellence</a:t>
             </a:r>
           </a:p>
           <a:p>
+            <a:pPr lvl="1"/>
             <a:r>
               <a:rPr lang="en-US" dirty="0"/>
               <a:t>Work with software developers across the North American Continent</a:t>
             </a:r>
           </a:p>
           <a:p>
+            <a:pPr lvl="1"/>
             <a:r>
               <a:rPr lang="en-US" dirty="0"/>
               <a:t>Learn about the types of software problems each district within the company is trying to solve</a:t>
             </a:r>
           </a:p>
           <a:p>
+            <a:pPr lvl="1"/>
             <a:r>
               <a:rPr lang="en-US" dirty="0"/>
               <a:t>Make software developers better by providing guidance, patterns, practices, and libraries with a goal of enhancing efficiency</a:t>
+            </a:r>
+          </a:p>
+          <a:p>
+            <a:r>
+              <a:rPr lang="en-US" dirty="0"/>
+              <a:t>Lead the Omaha .NET User’s Group for 15+ years</a:t>
             </a:r>
           </a:p>
         </p:txBody>
@@ -12529,8 +15411,8 @@
         </p:blipFill>
         <p:spPr bwMode="auto">
           <a:xfrm>
-            <a:off x="7109926" y="-304900"/>
-            <a:ext cx="5243415" cy="3609104"/>
+            <a:off x="8710612" y="-439887"/>
+            <a:ext cx="4243862" cy="2921100"/>
           </a:xfrm>
           <a:prstGeom prst="rect">
             <a:avLst/>
@@ -12582,6 +15464,593 @@
           <p:cNvPr id="2" name="Title 1">
             <a:extLst>
               <a:ext uri="{FF2B5EF4-FFF2-40B4-BE49-F238E27FC236}">
+                <a16:creationId xmlns:a16="http://schemas.microsoft.com/office/drawing/2014/main" id="{0903CEA9-E049-D76F-95BE-58B8C0B6B9E0}"/>
+              </a:ext>
+            </a:extLst>
+          </p:cNvPr>
+          <p:cNvSpPr>
+            <a:spLocks noGrp="1"/>
+          </p:cNvSpPr>
+          <p:nvPr>
+            <p:ph type="title"/>
+          </p:nvPr>
+        </p:nvSpPr>
+        <p:spPr/>
+        <p:txBody>
+          <a:bodyPr/>
+          <a:lstStyle/>
+          <a:p>
+            <a:r>
+              <a:rPr lang="en-US" dirty="0"/>
+              <a:t>Technologies I work with</a:t>
+            </a:r>
+          </a:p>
+        </p:txBody>
+      </p:sp>
+      <p:sp>
+        <p:nvSpPr>
+          <p:cNvPr id="3" name="Content Placeholder 2">
+            <a:extLst>
+              <a:ext uri="{FF2B5EF4-FFF2-40B4-BE49-F238E27FC236}">
+                <a16:creationId xmlns:a16="http://schemas.microsoft.com/office/drawing/2014/main" id="{B20B85CC-1AFA-540B-1F4E-3A8F00A4A734}"/>
+              </a:ext>
+            </a:extLst>
+          </p:cNvPr>
+          <p:cNvSpPr>
+            <a:spLocks noGrp="1"/>
+          </p:cNvSpPr>
+          <p:nvPr>
+            <p:ph idx="1"/>
+          </p:nvPr>
+        </p:nvSpPr>
+        <p:spPr>
+          <a:xfrm>
+            <a:off x="838201" y="1825625"/>
+            <a:ext cx="3793066" cy="4351338"/>
+          </a:xfrm>
+        </p:spPr>
+        <p:txBody>
+          <a:bodyPr numCol="1"/>
+          <a:lstStyle/>
+          <a:p>
+            <a:pPr marL="0" indent="0">
+              <a:buNone/>
+            </a:pPr>
+            <a:r>
+              <a:rPr lang="en-US" sz="2400" dirty="0"/>
+              <a:t>Things I’ve worked with a lot</a:t>
+            </a:r>
+          </a:p>
+          <a:p>
+            <a:r>
+              <a:rPr lang="en-US" sz="2400" dirty="0"/>
+              <a:t>Software Architecture</a:t>
+            </a:r>
+          </a:p>
+          <a:p>
+            <a:r>
+              <a:rPr lang="en-US" sz="2400" dirty="0"/>
+              <a:t>.NET / C#</a:t>
+            </a:r>
+          </a:p>
+          <a:p>
+            <a:r>
+              <a:rPr lang="en-US" sz="2400" dirty="0"/>
+              <a:t>Azure</a:t>
+            </a:r>
+          </a:p>
+          <a:p>
+            <a:r>
+              <a:rPr lang="en-US" sz="2400" dirty="0"/>
+              <a:t>Azure DevOps</a:t>
+            </a:r>
+          </a:p>
+          <a:p>
+            <a:r>
+              <a:rPr lang="en-US" sz="2400" dirty="0"/>
+              <a:t>Regular Expressions</a:t>
+            </a:r>
+          </a:p>
+          <a:p>
+            <a:r>
+              <a:rPr lang="en-US" sz="2400" dirty="0" err="1"/>
+              <a:t>Powershell</a:t>
+            </a:r>
+            <a:endParaRPr lang="en-US" sz="2400" dirty="0"/>
+          </a:p>
+        </p:txBody>
+      </p:sp>
+      <p:sp>
+        <p:nvSpPr>
+          <p:cNvPr id="4" name="Content Placeholder 2">
+            <a:extLst>
+              <a:ext uri="{FF2B5EF4-FFF2-40B4-BE49-F238E27FC236}">
+                <a16:creationId xmlns:a16="http://schemas.microsoft.com/office/drawing/2014/main" id="{C73F3016-6617-D415-951F-FC85E3896D12}"/>
+              </a:ext>
+            </a:extLst>
+          </p:cNvPr>
+          <p:cNvSpPr txBox="1">
+            <a:spLocks/>
+          </p:cNvSpPr>
+          <p:nvPr/>
+        </p:nvSpPr>
+        <p:spPr>
+          <a:xfrm>
+            <a:off x="8136294" y="1825625"/>
+            <a:ext cx="3898642" cy="4351338"/>
+          </a:xfrm>
+          <a:prstGeom prst="rect">
+            <a:avLst/>
+          </a:prstGeom>
+        </p:spPr>
+        <p:txBody>
+          <a:bodyPr vert="horz" lIns="91440" tIns="45720" rIns="91440" bIns="45720" numCol="1" rtlCol="0">
+            <a:normAutofit/>
+          </a:bodyPr>
+          <a:lstStyle>
+            <a:lvl1pPr marL="228600" indent="-228600" algn="l" defTabSz="914400" rtl="0" eaLnBrk="1" latinLnBrk="0" hangingPunct="1">
+              <a:lnSpc>
+                <a:spcPct val="90000"/>
+              </a:lnSpc>
+              <a:spcBef>
+                <a:spcPts val="1000"/>
+              </a:spcBef>
+              <a:buFont typeface="Arial" panose="020B0604020202020204" pitchFamily="34" charset="0"/>
+              <a:buChar char="•"/>
+              <a:defRPr sz="2800" kern="1200">
+                <a:solidFill>
+                  <a:schemeClr val="tx1"/>
+                </a:solidFill>
+                <a:latin typeface="+mn-lt"/>
+                <a:ea typeface="+mn-ea"/>
+                <a:cs typeface="+mn-cs"/>
+              </a:defRPr>
+            </a:lvl1pPr>
+            <a:lvl2pPr marL="685800" indent="-228600" algn="l" defTabSz="914400" rtl="0" eaLnBrk="1" latinLnBrk="0" hangingPunct="1">
+              <a:lnSpc>
+                <a:spcPct val="90000"/>
+              </a:lnSpc>
+              <a:spcBef>
+                <a:spcPts val="500"/>
+              </a:spcBef>
+              <a:buFont typeface="Arial" panose="020B0604020202020204" pitchFamily="34" charset="0"/>
+              <a:buChar char="•"/>
+              <a:defRPr sz="2400" kern="1200">
+                <a:solidFill>
+                  <a:schemeClr val="tx1"/>
+                </a:solidFill>
+                <a:latin typeface="+mn-lt"/>
+                <a:ea typeface="+mn-ea"/>
+                <a:cs typeface="+mn-cs"/>
+              </a:defRPr>
+            </a:lvl2pPr>
+            <a:lvl3pPr marL="1143000" indent="-228600" algn="l" defTabSz="914400" rtl="0" eaLnBrk="1" latinLnBrk="0" hangingPunct="1">
+              <a:lnSpc>
+                <a:spcPct val="90000"/>
+              </a:lnSpc>
+              <a:spcBef>
+                <a:spcPts val="500"/>
+              </a:spcBef>
+              <a:buFont typeface="Arial" panose="020B0604020202020204" pitchFamily="34" charset="0"/>
+              <a:buChar char="•"/>
+              <a:defRPr sz="2000" kern="1200">
+                <a:solidFill>
+                  <a:schemeClr val="tx1"/>
+                </a:solidFill>
+                <a:latin typeface="+mn-lt"/>
+                <a:ea typeface="+mn-ea"/>
+                <a:cs typeface="+mn-cs"/>
+              </a:defRPr>
+            </a:lvl3pPr>
+            <a:lvl4pPr marL="1600200" indent="-228600" algn="l" defTabSz="914400" rtl="0" eaLnBrk="1" latinLnBrk="0" hangingPunct="1">
+              <a:lnSpc>
+                <a:spcPct val="90000"/>
+              </a:lnSpc>
+              <a:spcBef>
+                <a:spcPts val="500"/>
+              </a:spcBef>
+              <a:buFont typeface="Arial" panose="020B0604020202020204" pitchFamily="34" charset="0"/>
+              <a:buChar char="•"/>
+              <a:defRPr sz="1800" kern="1200">
+                <a:solidFill>
+                  <a:schemeClr val="tx1"/>
+                </a:solidFill>
+                <a:latin typeface="+mn-lt"/>
+                <a:ea typeface="+mn-ea"/>
+                <a:cs typeface="+mn-cs"/>
+              </a:defRPr>
+            </a:lvl4pPr>
+            <a:lvl5pPr marL="2057400" indent="-228600" algn="l" defTabSz="914400" rtl="0" eaLnBrk="1" latinLnBrk="0" hangingPunct="1">
+              <a:lnSpc>
+                <a:spcPct val="90000"/>
+              </a:lnSpc>
+              <a:spcBef>
+                <a:spcPts val="500"/>
+              </a:spcBef>
+              <a:buFont typeface="Arial" panose="020B0604020202020204" pitchFamily="34" charset="0"/>
+              <a:buChar char="•"/>
+              <a:defRPr sz="1800" kern="1200">
+                <a:solidFill>
+                  <a:schemeClr val="tx1"/>
+                </a:solidFill>
+                <a:latin typeface="+mn-lt"/>
+                <a:ea typeface="+mn-ea"/>
+                <a:cs typeface="+mn-cs"/>
+              </a:defRPr>
+            </a:lvl5pPr>
+            <a:lvl6pPr marL="2514600" indent="-228600" algn="l" defTabSz="914400" rtl="0" eaLnBrk="1" latinLnBrk="0" hangingPunct="1">
+              <a:lnSpc>
+                <a:spcPct val="90000"/>
+              </a:lnSpc>
+              <a:spcBef>
+                <a:spcPts val="500"/>
+              </a:spcBef>
+              <a:buFont typeface="Arial" panose="020B0604020202020204" pitchFamily="34" charset="0"/>
+              <a:buChar char="•"/>
+              <a:defRPr sz="1800" kern="1200">
+                <a:solidFill>
+                  <a:schemeClr val="tx1"/>
+                </a:solidFill>
+                <a:latin typeface="+mn-lt"/>
+                <a:ea typeface="+mn-ea"/>
+                <a:cs typeface="+mn-cs"/>
+              </a:defRPr>
+            </a:lvl6pPr>
+            <a:lvl7pPr marL="2971800" indent="-228600" algn="l" defTabSz="914400" rtl="0" eaLnBrk="1" latinLnBrk="0" hangingPunct="1">
+              <a:lnSpc>
+                <a:spcPct val="90000"/>
+              </a:lnSpc>
+              <a:spcBef>
+                <a:spcPts val="500"/>
+              </a:spcBef>
+              <a:buFont typeface="Arial" panose="020B0604020202020204" pitchFamily="34" charset="0"/>
+              <a:buChar char="•"/>
+              <a:defRPr sz="1800" kern="1200">
+                <a:solidFill>
+                  <a:schemeClr val="tx1"/>
+                </a:solidFill>
+                <a:latin typeface="+mn-lt"/>
+                <a:ea typeface="+mn-ea"/>
+                <a:cs typeface="+mn-cs"/>
+              </a:defRPr>
+            </a:lvl7pPr>
+            <a:lvl8pPr marL="3429000" indent="-228600" algn="l" defTabSz="914400" rtl="0" eaLnBrk="1" latinLnBrk="0" hangingPunct="1">
+              <a:lnSpc>
+                <a:spcPct val="90000"/>
+              </a:lnSpc>
+              <a:spcBef>
+                <a:spcPts val="500"/>
+              </a:spcBef>
+              <a:buFont typeface="Arial" panose="020B0604020202020204" pitchFamily="34" charset="0"/>
+              <a:buChar char="•"/>
+              <a:defRPr sz="1800" kern="1200">
+                <a:solidFill>
+                  <a:schemeClr val="tx1"/>
+                </a:solidFill>
+                <a:latin typeface="+mn-lt"/>
+                <a:ea typeface="+mn-ea"/>
+                <a:cs typeface="+mn-cs"/>
+              </a:defRPr>
+            </a:lvl8pPr>
+            <a:lvl9pPr marL="3886200" indent="-228600" algn="l" defTabSz="914400" rtl="0" eaLnBrk="1" latinLnBrk="0" hangingPunct="1">
+              <a:lnSpc>
+                <a:spcPct val="90000"/>
+              </a:lnSpc>
+              <a:spcBef>
+                <a:spcPts val="500"/>
+              </a:spcBef>
+              <a:buFont typeface="Arial" panose="020B0604020202020204" pitchFamily="34" charset="0"/>
+              <a:buChar char="•"/>
+              <a:defRPr sz="1800" kern="1200">
+                <a:solidFill>
+                  <a:schemeClr val="tx1"/>
+                </a:solidFill>
+                <a:latin typeface="+mn-lt"/>
+                <a:ea typeface="+mn-ea"/>
+                <a:cs typeface="+mn-cs"/>
+              </a:defRPr>
+            </a:lvl9pPr>
+          </a:lstStyle>
+          <a:p>
+            <a:pPr marL="0" indent="0">
+              <a:buFont typeface="Arial" panose="020B0604020202020204" pitchFamily="34" charset="0"/>
+              <a:buNone/>
+            </a:pPr>
+            <a:r>
+              <a:rPr lang="en-US" sz="2400" dirty="0"/>
+              <a:t>Things I’m trying to learn more about</a:t>
+            </a:r>
+          </a:p>
+          <a:p>
+            <a:r>
+              <a:rPr lang="en-US" sz="2400" dirty="0"/>
+              <a:t>React</a:t>
+            </a:r>
+          </a:p>
+          <a:p>
+            <a:r>
+              <a:rPr lang="en-US" sz="2400" dirty="0"/>
+              <a:t>Python</a:t>
+            </a:r>
+          </a:p>
+          <a:p>
+            <a:r>
+              <a:rPr lang="en-US" sz="2400" dirty="0"/>
+              <a:t>Containers – Docker/K8</a:t>
+            </a:r>
+          </a:p>
+          <a:p>
+            <a:r>
+              <a:rPr lang="en-US" sz="2400" dirty="0"/>
+              <a:t>DAPR</a:t>
+            </a:r>
+          </a:p>
+        </p:txBody>
+      </p:sp>
+      <p:sp>
+        <p:nvSpPr>
+          <p:cNvPr id="5" name="Content Placeholder 2">
+            <a:extLst>
+              <a:ext uri="{FF2B5EF4-FFF2-40B4-BE49-F238E27FC236}">
+                <a16:creationId xmlns:a16="http://schemas.microsoft.com/office/drawing/2014/main" id="{5CA7B57E-D5BD-2FDE-9A4A-579F02F25787}"/>
+              </a:ext>
+            </a:extLst>
+          </p:cNvPr>
+          <p:cNvSpPr txBox="1">
+            <a:spLocks/>
+          </p:cNvSpPr>
+          <p:nvPr/>
+        </p:nvSpPr>
+        <p:spPr>
+          <a:xfrm>
+            <a:off x="4780384" y="1825560"/>
+            <a:ext cx="3290596" cy="4351338"/>
+          </a:xfrm>
+          <a:prstGeom prst="rect">
+            <a:avLst/>
+          </a:prstGeom>
+        </p:spPr>
+        <p:txBody>
+          <a:bodyPr vert="horz" lIns="91440" tIns="45720" rIns="91440" bIns="45720" numCol="1" rtlCol="0">
+            <a:normAutofit/>
+          </a:bodyPr>
+          <a:lstStyle>
+            <a:lvl1pPr marL="228600" indent="-228600" algn="l" defTabSz="914400" rtl="0" eaLnBrk="1" latinLnBrk="0" hangingPunct="1">
+              <a:lnSpc>
+                <a:spcPct val="90000"/>
+              </a:lnSpc>
+              <a:spcBef>
+                <a:spcPts val="1000"/>
+              </a:spcBef>
+              <a:buFont typeface="Arial" panose="020B0604020202020204" pitchFamily="34" charset="0"/>
+              <a:buChar char="•"/>
+              <a:defRPr sz="2800" kern="1200">
+                <a:solidFill>
+                  <a:schemeClr val="tx1"/>
+                </a:solidFill>
+                <a:latin typeface="+mn-lt"/>
+                <a:ea typeface="+mn-ea"/>
+                <a:cs typeface="+mn-cs"/>
+              </a:defRPr>
+            </a:lvl1pPr>
+            <a:lvl2pPr marL="685800" indent="-228600" algn="l" defTabSz="914400" rtl="0" eaLnBrk="1" latinLnBrk="0" hangingPunct="1">
+              <a:lnSpc>
+                <a:spcPct val="90000"/>
+              </a:lnSpc>
+              <a:spcBef>
+                <a:spcPts val="500"/>
+              </a:spcBef>
+              <a:buFont typeface="Arial" panose="020B0604020202020204" pitchFamily="34" charset="0"/>
+              <a:buChar char="•"/>
+              <a:defRPr sz="2400" kern="1200">
+                <a:solidFill>
+                  <a:schemeClr val="tx1"/>
+                </a:solidFill>
+                <a:latin typeface="+mn-lt"/>
+                <a:ea typeface="+mn-ea"/>
+                <a:cs typeface="+mn-cs"/>
+              </a:defRPr>
+            </a:lvl2pPr>
+            <a:lvl3pPr marL="1143000" indent="-228600" algn="l" defTabSz="914400" rtl="0" eaLnBrk="1" latinLnBrk="0" hangingPunct="1">
+              <a:lnSpc>
+                <a:spcPct val="90000"/>
+              </a:lnSpc>
+              <a:spcBef>
+                <a:spcPts val="500"/>
+              </a:spcBef>
+              <a:buFont typeface="Arial" panose="020B0604020202020204" pitchFamily="34" charset="0"/>
+              <a:buChar char="•"/>
+              <a:defRPr sz="2000" kern="1200">
+                <a:solidFill>
+                  <a:schemeClr val="tx1"/>
+                </a:solidFill>
+                <a:latin typeface="+mn-lt"/>
+                <a:ea typeface="+mn-ea"/>
+                <a:cs typeface="+mn-cs"/>
+              </a:defRPr>
+            </a:lvl3pPr>
+            <a:lvl4pPr marL="1600200" indent="-228600" algn="l" defTabSz="914400" rtl="0" eaLnBrk="1" latinLnBrk="0" hangingPunct="1">
+              <a:lnSpc>
+                <a:spcPct val="90000"/>
+              </a:lnSpc>
+              <a:spcBef>
+                <a:spcPts val="500"/>
+              </a:spcBef>
+              <a:buFont typeface="Arial" panose="020B0604020202020204" pitchFamily="34" charset="0"/>
+              <a:buChar char="•"/>
+              <a:defRPr sz="1800" kern="1200">
+                <a:solidFill>
+                  <a:schemeClr val="tx1"/>
+                </a:solidFill>
+                <a:latin typeface="+mn-lt"/>
+                <a:ea typeface="+mn-ea"/>
+                <a:cs typeface="+mn-cs"/>
+              </a:defRPr>
+            </a:lvl4pPr>
+            <a:lvl5pPr marL="2057400" indent="-228600" algn="l" defTabSz="914400" rtl="0" eaLnBrk="1" latinLnBrk="0" hangingPunct="1">
+              <a:lnSpc>
+                <a:spcPct val="90000"/>
+              </a:lnSpc>
+              <a:spcBef>
+                <a:spcPts val="500"/>
+              </a:spcBef>
+              <a:buFont typeface="Arial" panose="020B0604020202020204" pitchFamily="34" charset="0"/>
+              <a:buChar char="•"/>
+              <a:defRPr sz="1800" kern="1200">
+                <a:solidFill>
+                  <a:schemeClr val="tx1"/>
+                </a:solidFill>
+                <a:latin typeface="+mn-lt"/>
+                <a:ea typeface="+mn-ea"/>
+                <a:cs typeface="+mn-cs"/>
+              </a:defRPr>
+            </a:lvl5pPr>
+            <a:lvl6pPr marL="2514600" indent="-228600" algn="l" defTabSz="914400" rtl="0" eaLnBrk="1" latinLnBrk="0" hangingPunct="1">
+              <a:lnSpc>
+                <a:spcPct val="90000"/>
+              </a:lnSpc>
+              <a:spcBef>
+                <a:spcPts val="500"/>
+              </a:spcBef>
+              <a:buFont typeface="Arial" panose="020B0604020202020204" pitchFamily="34" charset="0"/>
+              <a:buChar char="•"/>
+              <a:defRPr sz="1800" kern="1200">
+                <a:solidFill>
+                  <a:schemeClr val="tx1"/>
+                </a:solidFill>
+                <a:latin typeface="+mn-lt"/>
+                <a:ea typeface="+mn-ea"/>
+                <a:cs typeface="+mn-cs"/>
+              </a:defRPr>
+            </a:lvl6pPr>
+            <a:lvl7pPr marL="2971800" indent="-228600" algn="l" defTabSz="914400" rtl="0" eaLnBrk="1" latinLnBrk="0" hangingPunct="1">
+              <a:lnSpc>
+                <a:spcPct val="90000"/>
+              </a:lnSpc>
+              <a:spcBef>
+                <a:spcPts val="500"/>
+              </a:spcBef>
+              <a:buFont typeface="Arial" panose="020B0604020202020204" pitchFamily="34" charset="0"/>
+              <a:buChar char="•"/>
+              <a:defRPr sz="1800" kern="1200">
+                <a:solidFill>
+                  <a:schemeClr val="tx1"/>
+                </a:solidFill>
+                <a:latin typeface="+mn-lt"/>
+                <a:ea typeface="+mn-ea"/>
+                <a:cs typeface="+mn-cs"/>
+              </a:defRPr>
+            </a:lvl7pPr>
+            <a:lvl8pPr marL="3429000" indent="-228600" algn="l" defTabSz="914400" rtl="0" eaLnBrk="1" latinLnBrk="0" hangingPunct="1">
+              <a:lnSpc>
+                <a:spcPct val="90000"/>
+              </a:lnSpc>
+              <a:spcBef>
+                <a:spcPts val="500"/>
+              </a:spcBef>
+              <a:buFont typeface="Arial" panose="020B0604020202020204" pitchFamily="34" charset="0"/>
+              <a:buChar char="•"/>
+              <a:defRPr sz="1800" kern="1200">
+                <a:solidFill>
+                  <a:schemeClr val="tx1"/>
+                </a:solidFill>
+                <a:latin typeface="+mn-lt"/>
+                <a:ea typeface="+mn-ea"/>
+                <a:cs typeface="+mn-cs"/>
+              </a:defRPr>
+            </a:lvl8pPr>
+            <a:lvl9pPr marL="3886200" indent="-228600" algn="l" defTabSz="914400" rtl="0" eaLnBrk="1" latinLnBrk="0" hangingPunct="1">
+              <a:lnSpc>
+                <a:spcPct val="90000"/>
+              </a:lnSpc>
+              <a:spcBef>
+                <a:spcPts val="500"/>
+              </a:spcBef>
+              <a:buFont typeface="Arial" panose="020B0604020202020204" pitchFamily="34" charset="0"/>
+              <a:buChar char="•"/>
+              <a:defRPr sz="1800" kern="1200">
+                <a:solidFill>
+                  <a:schemeClr val="tx1"/>
+                </a:solidFill>
+                <a:latin typeface="+mn-lt"/>
+                <a:ea typeface="+mn-ea"/>
+                <a:cs typeface="+mn-cs"/>
+              </a:defRPr>
+            </a:lvl9pPr>
+          </a:lstStyle>
+          <a:p>
+            <a:pPr marL="0" indent="0">
+              <a:buFont typeface="Arial" panose="020B0604020202020204" pitchFamily="34" charset="0"/>
+              <a:buNone/>
+            </a:pPr>
+            <a:r>
+              <a:rPr lang="en-US" sz="2400" dirty="0"/>
+              <a:t>Things I’m comfortable with</a:t>
+            </a:r>
+          </a:p>
+          <a:p>
+            <a:r>
+              <a:rPr lang="en-US" sz="2400" dirty="0"/>
+              <a:t>Azure AD (</a:t>
+            </a:r>
+            <a:r>
+              <a:rPr lang="en-US" sz="2400" dirty="0" err="1"/>
+              <a:t>Entra</a:t>
+            </a:r>
+            <a:r>
+              <a:rPr lang="en-US" sz="2400" dirty="0"/>
+              <a:t> ID)</a:t>
+            </a:r>
+          </a:p>
+          <a:p>
+            <a:r>
+              <a:rPr lang="en-US" sz="2400" dirty="0"/>
+              <a:t>GitHub</a:t>
+            </a:r>
+          </a:p>
+          <a:p>
+            <a:r>
+              <a:rPr lang="en-US" sz="2400" dirty="0"/>
+              <a:t>Linux</a:t>
+            </a:r>
+          </a:p>
+        </p:txBody>
+      </p:sp>
+    </p:spTree>
+    <p:extLst>
+      <p:ext uri="{BB962C8B-B14F-4D97-AF65-F5344CB8AC3E}">
+        <p14:creationId xmlns:p14="http://schemas.microsoft.com/office/powerpoint/2010/main" val="4127791725"/>
+      </p:ext>
+    </p:extLst>
+  </p:cSld>
+  <p:clrMapOvr>
+    <a:masterClrMapping/>
+  </p:clrMapOvr>
+</p:sld>
+</file>
+
+<file path=ppt/slides/slide5.xml><?xml version="1.0" encoding="utf-8"?>
+<p:sld xmlns:a="http://schemas.openxmlformats.org/drawingml/2006/main" xmlns:r="http://schemas.openxmlformats.org/officeDocument/2006/relationships" xmlns:p="http://schemas.openxmlformats.org/presentationml/2006/main">
+  <p:cSld>
+    <p:spTree>
+      <p:nvGrpSpPr>
+        <p:cNvPr id="1" name=""/>
+        <p:cNvGrpSpPr/>
+        <p:nvPr/>
+      </p:nvGrpSpPr>
+      <p:grpSpPr>
+        <a:xfrm>
+          <a:off x="0" y="0"/>
+          <a:ext cx="0" cy="0"/>
+          <a:chOff x="0" y="0"/>
+          <a:chExt cx="0" cy="0"/>
+        </a:xfrm>
+      </p:grpSpPr>
+      <p:sp>
+        <p:nvSpPr>
+          <p:cNvPr id="2" name="Title 1">
+            <a:extLst>
+              <a:ext uri="{FF2B5EF4-FFF2-40B4-BE49-F238E27FC236}">
                 <a16:creationId xmlns:a16="http://schemas.microsoft.com/office/drawing/2014/main" id="{C3C9E18A-9B32-B04B-5233-589472FBADA2}"/>
               </a:ext>
             </a:extLst>
@@ -12677,7 +16146,7 @@
 </p:sld>
 </file>
 
-<file path=ppt/slides/slide5.xml><?xml version="1.0" encoding="utf-8"?>
+<file path=ppt/slides/slide6.xml><?xml version="1.0" encoding="utf-8"?>
 <p:sld xmlns:a="http://schemas.openxmlformats.org/drawingml/2006/main" xmlns:r="http://schemas.openxmlformats.org/officeDocument/2006/relationships" xmlns:p="http://schemas.openxmlformats.org/presentationml/2006/main">
   <p:cSld>
     <p:spTree>
@@ -12792,7 +16261,7 @@
 </p:sld>
 </file>
 
-<file path=ppt/slides/slide6.xml><?xml version="1.0" encoding="utf-8"?>
+<file path=ppt/slides/slide7.xml><?xml version="1.0" encoding="utf-8"?>
 <p:sld xmlns:a="http://schemas.openxmlformats.org/drawingml/2006/main" xmlns:r="http://schemas.openxmlformats.org/officeDocument/2006/relationships" xmlns:p="http://schemas.openxmlformats.org/presentationml/2006/main">
   <p:cSld>
     <p:spTree>
@@ -12943,7 +16412,7 @@
 </p:sld>
 </file>
 
-<file path=ppt/slides/slide7.xml><?xml version="1.0" encoding="utf-8"?>
+<file path=ppt/slides/slide8.xml><?xml version="1.0" encoding="utf-8"?>
 <p:sld xmlns:a="http://schemas.openxmlformats.org/drawingml/2006/main" xmlns:r="http://schemas.openxmlformats.org/officeDocument/2006/relationships" xmlns:p="http://schemas.openxmlformats.org/presentationml/2006/main">
   <p:cSld>
     <p:spTree>
@@ -15359,7 +18828,7 @@
 </p:sld>
 </file>
 
-<file path=ppt/slides/slide8.xml><?xml version="1.0" encoding="utf-8"?>
+<file path=ppt/slides/slide9.xml><?xml version="1.0" encoding="utf-8"?>
 <p:sld xmlns:a="http://schemas.openxmlformats.org/drawingml/2006/main" xmlns:r="http://schemas.openxmlformats.org/officeDocument/2006/relationships" xmlns:p="http://schemas.openxmlformats.org/presentationml/2006/main">
   <p:cSld>
     <p:spTree>
@@ -17118,1732 +20587,6 @@
     <p:extLst>
       <p:ext uri="{BB962C8B-B14F-4D97-AF65-F5344CB8AC3E}">
         <p14:creationId xmlns:p14="http://schemas.microsoft.com/office/powerpoint/2010/main" val="3031448098"/>
-      </p:ext>
-    </p:extLst>
-  </p:cSld>
-  <p:clrMapOvr>
-    <a:masterClrMapping/>
-  </p:clrMapOvr>
-</p:sld>
-</file>
-
-<file path=ppt/slides/slide9.xml><?xml version="1.0" encoding="utf-8"?>
-<p:sld xmlns:a="http://schemas.openxmlformats.org/drawingml/2006/main" xmlns:r="http://schemas.openxmlformats.org/officeDocument/2006/relationships" xmlns:p="http://schemas.openxmlformats.org/presentationml/2006/main">
-  <p:cSld>
-    <p:spTree>
-      <p:nvGrpSpPr>
-        <p:cNvPr id="1" name=""/>
-        <p:cNvGrpSpPr/>
-        <p:nvPr/>
-      </p:nvGrpSpPr>
-      <p:grpSpPr>
-        <a:xfrm>
-          <a:off x="0" y="0"/>
-          <a:ext cx="0" cy="0"/>
-          <a:chOff x="0" y="0"/>
-          <a:chExt cx="0" cy="0"/>
-        </a:xfrm>
-      </p:grpSpPr>
-      <p:sp>
-        <p:nvSpPr>
-          <p:cNvPr id="2" name="Title 1">
-            <a:extLst>
-              <a:ext uri="{FF2B5EF4-FFF2-40B4-BE49-F238E27FC236}">
-                <a16:creationId xmlns:a16="http://schemas.microsoft.com/office/drawing/2014/main" id="{BD4F47CC-15E3-1205-5B8E-1CB7B76DBEAF}"/>
-              </a:ext>
-            </a:extLst>
-          </p:cNvPr>
-          <p:cNvSpPr>
-            <a:spLocks noGrp="1"/>
-          </p:cNvSpPr>
-          <p:nvPr>
-            <p:ph type="title"/>
-          </p:nvPr>
-        </p:nvSpPr>
-        <p:spPr/>
-        <p:txBody>
-          <a:bodyPr/>
-          <a:lstStyle/>
-          <a:p>
-            <a:r>
-              <a:rPr lang="en-US" dirty="0"/>
-              <a:t>Tokens and grants</a:t>
-            </a:r>
-          </a:p>
-        </p:txBody>
-      </p:sp>
-      <p:sp>
-        <p:nvSpPr>
-          <p:cNvPr id="4" name="Text Placeholder 2">
-            <a:extLst>
-              <a:ext uri="{FF2B5EF4-FFF2-40B4-BE49-F238E27FC236}">
-                <a16:creationId xmlns:a16="http://schemas.microsoft.com/office/drawing/2014/main" id="{CDDAE6C4-0951-0DDB-7182-116586CC39FF}"/>
-              </a:ext>
-            </a:extLst>
-          </p:cNvPr>
-          <p:cNvSpPr txBox="1">
-            <a:spLocks/>
-          </p:cNvSpPr>
-          <p:nvPr/>
-        </p:nvSpPr>
-        <p:spPr>
-          <a:xfrm>
-            <a:off x="584200" y="1438275"/>
-            <a:ext cx="2532063" cy="307777"/>
-          </a:xfrm>
-          <a:prstGeom prst="rect">
-            <a:avLst/>
-          </a:prstGeom>
-        </p:spPr>
-        <p:txBody>
-          <a:bodyPr/>
-          <a:lstStyle>
-            <a:lvl1pPr marL="228600" indent="-228600" algn="l" defTabSz="914400" rtl="0" eaLnBrk="1" latinLnBrk="0" hangingPunct="1">
-              <a:lnSpc>
-                <a:spcPct val="90000"/>
-              </a:lnSpc>
-              <a:spcBef>
-                <a:spcPts val="1000"/>
-              </a:spcBef>
-              <a:buFont typeface="Arial" panose="020B0604020202020204" pitchFamily="34" charset="0"/>
-              <a:buChar char="•"/>
-              <a:defRPr sz="2800" kern="1200">
-                <a:solidFill>
-                  <a:schemeClr val="tx1"/>
-                </a:solidFill>
-                <a:latin typeface="+mn-lt"/>
-                <a:ea typeface="+mn-ea"/>
-                <a:cs typeface="+mn-cs"/>
-              </a:defRPr>
-            </a:lvl1pPr>
-            <a:lvl2pPr marL="685800" indent="-228600" algn="l" defTabSz="914400" rtl="0" eaLnBrk="1" latinLnBrk="0" hangingPunct="1">
-              <a:lnSpc>
-                <a:spcPct val="90000"/>
-              </a:lnSpc>
-              <a:spcBef>
-                <a:spcPts val="500"/>
-              </a:spcBef>
-              <a:buFont typeface="Arial" panose="020B0604020202020204" pitchFamily="34" charset="0"/>
-              <a:buChar char="•"/>
-              <a:defRPr sz="2400" kern="1200">
-                <a:solidFill>
-                  <a:schemeClr val="tx1"/>
-                </a:solidFill>
-                <a:latin typeface="+mn-lt"/>
-                <a:ea typeface="+mn-ea"/>
-                <a:cs typeface="+mn-cs"/>
-              </a:defRPr>
-            </a:lvl2pPr>
-            <a:lvl3pPr marL="1143000" indent="-228600" algn="l" defTabSz="914400" rtl="0" eaLnBrk="1" latinLnBrk="0" hangingPunct="1">
-              <a:lnSpc>
-                <a:spcPct val="90000"/>
-              </a:lnSpc>
-              <a:spcBef>
-                <a:spcPts val="500"/>
-              </a:spcBef>
-              <a:buFont typeface="Arial" panose="020B0604020202020204" pitchFamily="34" charset="0"/>
-              <a:buChar char="•"/>
-              <a:defRPr sz="2000" kern="1200">
-                <a:solidFill>
-                  <a:schemeClr val="tx1"/>
-                </a:solidFill>
-                <a:latin typeface="+mn-lt"/>
-                <a:ea typeface="+mn-ea"/>
-                <a:cs typeface="+mn-cs"/>
-              </a:defRPr>
-            </a:lvl3pPr>
-            <a:lvl4pPr marL="1600200" indent="-228600" algn="l" defTabSz="914400" rtl="0" eaLnBrk="1" latinLnBrk="0" hangingPunct="1">
-              <a:lnSpc>
-                <a:spcPct val="90000"/>
-              </a:lnSpc>
-              <a:spcBef>
-                <a:spcPts val="500"/>
-              </a:spcBef>
-              <a:buFont typeface="Arial" panose="020B0604020202020204" pitchFamily="34" charset="0"/>
-              <a:buChar char="•"/>
-              <a:defRPr sz="1800" kern="1200">
-                <a:solidFill>
-                  <a:schemeClr val="tx1"/>
-                </a:solidFill>
-                <a:latin typeface="+mn-lt"/>
-                <a:ea typeface="+mn-ea"/>
-                <a:cs typeface="+mn-cs"/>
-              </a:defRPr>
-            </a:lvl4pPr>
-            <a:lvl5pPr marL="2057400" indent="-228600" algn="l" defTabSz="914400" rtl="0" eaLnBrk="1" latinLnBrk="0" hangingPunct="1">
-              <a:lnSpc>
-                <a:spcPct val="90000"/>
-              </a:lnSpc>
-              <a:spcBef>
-                <a:spcPts val="500"/>
-              </a:spcBef>
-              <a:buFont typeface="Arial" panose="020B0604020202020204" pitchFamily="34" charset="0"/>
-              <a:buChar char="•"/>
-              <a:defRPr sz="1800" kern="1200">
-                <a:solidFill>
-                  <a:schemeClr val="tx1"/>
-                </a:solidFill>
-                <a:latin typeface="+mn-lt"/>
-                <a:ea typeface="+mn-ea"/>
-                <a:cs typeface="+mn-cs"/>
-              </a:defRPr>
-            </a:lvl5pPr>
-            <a:lvl6pPr marL="2514600" indent="-228600" algn="l" defTabSz="914400" rtl="0" eaLnBrk="1" latinLnBrk="0" hangingPunct="1">
-              <a:lnSpc>
-                <a:spcPct val="90000"/>
-              </a:lnSpc>
-              <a:spcBef>
-                <a:spcPts val="500"/>
-              </a:spcBef>
-              <a:buFont typeface="Arial" panose="020B0604020202020204" pitchFamily="34" charset="0"/>
-              <a:buChar char="•"/>
-              <a:defRPr sz="1800" kern="1200">
-                <a:solidFill>
-                  <a:schemeClr val="tx1"/>
-                </a:solidFill>
-                <a:latin typeface="+mn-lt"/>
-                <a:ea typeface="+mn-ea"/>
-                <a:cs typeface="+mn-cs"/>
-              </a:defRPr>
-            </a:lvl6pPr>
-            <a:lvl7pPr marL="2971800" indent="-228600" algn="l" defTabSz="914400" rtl="0" eaLnBrk="1" latinLnBrk="0" hangingPunct="1">
-              <a:lnSpc>
-                <a:spcPct val="90000"/>
-              </a:lnSpc>
-              <a:spcBef>
-                <a:spcPts val="500"/>
-              </a:spcBef>
-              <a:buFont typeface="Arial" panose="020B0604020202020204" pitchFamily="34" charset="0"/>
-              <a:buChar char="•"/>
-              <a:defRPr sz="1800" kern="1200">
-                <a:solidFill>
-                  <a:schemeClr val="tx1"/>
-                </a:solidFill>
-                <a:latin typeface="+mn-lt"/>
-                <a:ea typeface="+mn-ea"/>
-                <a:cs typeface="+mn-cs"/>
-              </a:defRPr>
-            </a:lvl7pPr>
-            <a:lvl8pPr marL="3429000" indent="-228600" algn="l" defTabSz="914400" rtl="0" eaLnBrk="1" latinLnBrk="0" hangingPunct="1">
-              <a:lnSpc>
-                <a:spcPct val="90000"/>
-              </a:lnSpc>
-              <a:spcBef>
-                <a:spcPts val="500"/>
-              </a:spcBef>
-              <a:buFont typeface="Arial" panose="020B0604020202020204" pitchFamily="34" charset="0"/>
-              <a:buChar char="•"/>
-              <a:defRPr sz="1800" kern="1200">
-                <a:solidFill>
-                  <a:schemeClr val="tx1"/>
-                </a:solidFill>
-                <a:latin typeface="+mn-lt"/>
-                <a:ea typeface="+mn-ea"/>
-                <a:cs typeface="+mn-cs"/>
-              </a:defRPr>
-            </a:lvl8pPr>
-            <a:lvl9pPr marL="3886200" indent="-228600" algn="l" defTabSz="914400" rtl="0" eaLnBrk="1" latinLnBrk="0" hangingPunct="1">
-              <a:lnSpc>
-                <a:spcPct val="90000"/>
-              </a:lnSpc>
-              <a:spcBef>
-                <a:spcPts val="500"/>
-              </a:spcBef>
-              <a:buFont typeface="Arial" panose="020B0604020202020204" pitchFamily="34" charset="0"/>
-              <a:buChar char="•"/>
-              <a:defRPr sz="1800" kern="1200">
-                <a:solidFill>
-                  <a:schemeClr val="tx1"/>
-                </a:solidFill>
-                <a:latin typeface="+mn-lt"/>
-                <a:ea typeface="+mn-ea"/>
-                <a:cs typeface="+mn-cs"/>
-              </a:defRPr>
-            </a:lvl9pPr>
-          </a:lstStyle>
-          <a:p>
-            <a:pPr marL="0" indent="0">
-              <a:buNone/>
-            </a:pPr>
-            <a:r>
-              <a:rPr lang="en-US" dirty="0"/>
-              <a:t>Access Token</a:t>
-            </a:r>
-          </a:p>
-        </p:txBody>
-      </p:sp>
-      <p:sp>
-        <p:nvSpPr>
-          <p:cNvPr id="5" name="Text Placeholder 3">
-            <a:extLst>
-              <a:ext uri="{FF2B5EF4-FFF2-40B4-BE49-F238E27FC236}">
-                <a16:creationId xmlns:a16="http://schemas.microsoft.com/office/drawing/2014/main" id="{6D84282D-D601-440A-7C7E-AB46813A5965}"/>
-              </a:ext>
-            </a:extLst>
-          </p:cNvPr>
-          <p:cNvSpPr txBox="1">
-            <a:spLocks/>
-          </p:cNvSpPr>
-          <p:nvPr/>
-        </p:nvSpPr>
-        <p:spPr>
-          <a:xfrm>
-            <a:off x="584200" y="2283115"/>
-            <a:ext cx="2532063" cy="1883593"/>
-          </a:xfrm>
-          <a:prstGeom prst="rect">
-            <a:avLst/>
-          </a:prstGeom>
-        </p:spPr>
-        <p:txBody>
-          <a:bodyPr/>
-          <a:lstStyle>
-            <a:lvl1pPr marL="228600" indent="-228600" algn="l" defTabSz="914400" rtl="0" eaLnBrk="1" latinLnBrk="0" hangingPunct="1">
-              <a:lnSpc>
-                <a:spcPct val="90000"/>
-              </a:lnSpc>
-              <a:spcBef>
-                <a:spcPts val="1000"/>
-              </a:spcBef>
-              <a:buFont typeface="Arial" panose="020B0604020202020204" pitchFamily="34" charset="0"/>
-              <a:buChar char="•"/>
-              <a:defRPr sz="2800" kern="1200">
-                <a:solidFill>
-                  <a:schemeClr val="tx1"/>
-                </a:solidFill>
-                <a:latin typeface="+mn-lt"/>
-                <a:ea typeface="+mn-ea"/>
-                <a:cs typeface="+mn-cs"/>
-              </a:defRPr>
-            </a:lvl1pPr>
-            <a:lvl2pPr marL="685800" indent="-228600" algn="l" defTabSz="914400" rtl="0" eaLnBrk="1" latinLnBrk="0" hangingPunct="1">
-              <a:lnSpc>
-                <a:spcPct val="90000"/>
-              </a:lnSpc>
-              <a:spcBef>
-                <a:spcPts val="500"/>
-              </a:spcBef>
-              <a:buFont typeface="Arial" panose="020B0604020202020204" pitchFamily="34" charset="0"/>
-              <a:buChar char="•"/>
-              <a:defRPr sz="2400" kern="1200">
-                <a:solidFill>
-                  <a:schemeClr val="tx1"/>
-                </a:solidFill>
-                <a:latin typeface="+mn-lt"/>
-                <a:ea typeface="+mn-ea"/>
-                <a:cs typeface="+mn-cs"/>
-              </a:defRPr>
-            </a:lvl2pPr>
-            <a:lvl3pPr marL="1143000" indent="-228600" algn="l" defTabSz="914400" rtl="0" eaLnBrk="1" latinLnBrk="0" hangingPunct="1">
-              <a:lnSpc>
-                <a:spcPct val="90000"/>
-              </a:lnSpc>
-              <a:spcBef>
-                <a:spcPts val="500"/>
-              </a:spcBef>
-              <a:buFont typeface="Arial" panose="020B0604020202020204" pitchFamily="34" charset="0"/>
-              <a:buChar char="•"/>
-              <a:defRPr sz="2000" kern="1200">
-                <a:solidFill>
-                  <a:schemeClr val="tx1"/>
-                </a:solidFill>
-                <a:latin typeface="+mn-lt"/>
-                <a:ea typeface="+mn-ea"/>
-                <a:cs typeface="+mn-cs"/>
-              </a:defRPr>
-            </a:lvl3pPr>
-            <a:lvl4pPr marL="1600200" indent="-228600" algn="l" defTabSz="914400" rtl="0" eaLnBrk="1" latinLnBrk="0" hangingPunct="1">
-              <a:lnSpc>
-                <a:spcPct val="90000"/>
-              </a:lnSpc>
-              <a:spcBef>
-                <a:spcPts val="500"/>
-              </a:spcBef>
-              <a:buFont typeface="Arial" panose="020B0604020202020204" pitchFamily="34" charset="0"/>
-              <a:buChar char="•"/>
-              <a:defRPr sz="1800" kern="1200">
-                <a:solidFill>
-                  <a:schemeClr val="tx1"/>
-                </a:solidFill>
-                <a:latin typeface="+mn-lt"/>
-                <a:ea typeface="+mn-ea"/>
-                <a:cs typeface="+mn-cs"/>
-              </a:defRPr>
-            </a:lvl4pPr>
-            <a:lvl5pPr marL="2057400" indent="-228600" algn="l" defTabSz="914400" rtl="0" eaLnBrk="1" latinLnBrk="0" hangingPunct="1">
-              <a:lnSpc>
-                <a:spcPct val="90000"/>
-              </a:lnSpc>
-              <a:spcBef>
-                <a:spcPts val="500"/>
-              </a:spcBef>
-              <a:buFont typeface="Arial" panose="020B0604020202020204" pitchFamily="34" charset="0"/>
-              <a:buChar char="•"/>
-              <a:defRPr sz="1800" kern="1200">
-                <a:solidFill>
-                  <a:schemeClr val="tx1"/>
-                </a:solidFill>
-                <a:latin typeface="+mn-lt"/>
-                <a:ea typeface="+mn-ea"/>
-                <a:cs typeface="+mn-cs"/>
-              </a:defRPr>
-            </a:lvl5pPr>
-            <a:lvl6pPr marL="2514600" indent="-228600" algn="l" defTabSz="914400" rtl="0" eaLnBrk="1" latinLnBrk="0" hangingPunct="1">
-              <a:lnSpc>
-                <a:spcPct val="90000"/>
-              </a:lnSpc>
-              <a:spcBef>
-                <a:spcPts val="500"/>
-              </a:spcBef>
-              <a:buFont typeface="Arial" panose="020B0604020202020204" pitchFamily="34" charset="0"/>
-              <a:buChar char="•"/>
-              <a:defRPr sz="1800" kern="1200">
-                <a:solidFill>
-                  <a:schemeClr val="tx1"/>
-                </a:solidFill>
-                <a:latin typeface="+mn-lt"/>
-                <a:ea typeface="+mn-ea"/>
-                <a:cs typeface="+mn-cs"/>
-              </a:defRPr>
-            </a:lvl6pPr>
-            <a:lvl7pPr marL="2971800" indent="-228600" algn="l" defTabSz="914400" rtl="0" eaLnBrk="1" latinLnBrk="0" hangingPunct="1">
-              <a:lnSpc>
-                <a:spcPct val="90000"/>
-              </a:lnSpc>
-              <a:spcBef>
-                <a:spcPts val="500"/>
-              </a:spcBef>
-              <a:buFont typeface="Arial" panose="020B0604020202020204" pitchFamily="34" charset="0"/>
-              <a:buChar char="•"/>
-              <a:defRPr sz="1800" kern="1200">
-                <a:solidFill>
-                  <a:schemeClr val="tx1"/>
-                </a:solidFill>
-                <a:latin typeface="+mn-lt"/>
-                <a:ea typeface="+mn-ea"/>
-                <a:cs typeface="+mn-cs"/>
-              </a:defRPr>
-            </a:lvl7pPr>
-            <a:lvl8pPr marL="3429000" indent="-228600" algn="l" defTabSz="914400" rtl="0" eaLnBrk="1" latinLnBrk="0" hangingPunct="1">
-              <a:lnSpc>
-                <a:spcPct val="90000"/>
-              </a:lnSpc>
-              <a:spcBef>
-                <a:spcPts val="500"/>
-              </a:spcBef>
-              <a:buFont typeface="Arial" panose="020B0604020202020204" pitchFamily="34" charset="0"/>
-              <a:buChar char="•"/>
-              <a:defRPr sz="1800" kern="1200">
-                <a:solidFill>
-                  <a:schemeClr val="tx1"/>
-                </a:solidFill>
-                <a:latin typeface="+mn-lt"/>
-                <a:ea typeface="+mn-ea"/>
-                <a:cs typeface="+mn-cs"/>
-              </a:defRPr>
-            </a:lvl8pPr>
-            <a:lvl9pPr marL="3886200" indent="-228600" algn="l" defTabSz="914400" rtl="0" eaLnBrk="1" latinLnBrk="0" hangingPunct="1">
-              <a:lnSpc>
-                <a:spcPct val="90000"/>
-              </a:lnSpc>
-              <a:spcBef>
-                <a:spcPts val="500"/>
-              </a:spcBef>
-              <a:buFont typeface="Arial" panose="020B0604020202020204" pitchFamily="34" charset="0"/>
-              <a:buChar char="•"/>
-              <a:defRPr sz="1800" kern="1200">
-                <a:solidFill>
-                  <a:schemeClr val="tx1"/>
-                </a:solidFill>
-                <a:latin typeface="+mn-lt"/>
-                <a:ea typeface="+mn-ea"/>
-                <a:cs typeface="+mn-cs"/>
-              </a:defRPr>
-            </a:lvl9pPr>
-          </a:lstStyle>
-          <a:p>
-            <a:r>
-              <a:rPr lang="en-US" sz="1800" dirty="0"/>
-              <a:t>JWT </a:t>
-            </a:r>
-          </a:p>
-          <a:p>
-            <a:r>
-              <a:rPr lang="en-US" sz="1800" dirty="0"/>
-              <a:t>Requested by client</a:t>
-            </a:r>
-          </a:p>
-          <a:p>
-            <a:r>
-              <a:rPr lang="en-US" sz="1800" dirty="0"/>
-              <a:t>For a resource</a:t>
-            </a:r>
-          </a:p>
-          <a:p>
-            <a:r>
-              <a:rPr lang="en-US" sz="1800" dirty="0"/>
-              <a:t>Provide </a:t>
-            </a:r>
-            <a:r>
-              <a:rPr lang="en-US" sz="1800" dirty="0" err="1"/>
-              <a:t>authz</a:t>
-            </a:r>
-            <a:r>
-              <a:rPr lang="en-US" sz="1800" dirty="0"/>
-              <a:t> data, e.g. scope</a:t>
-            </a:r>
-          </a:p>
-          <a:p>
-            <a:endParaRPr lang="en-US" sz="1800" dirty="0"/>
-          </a:p>
-        </p:txBody>
-      </p:sp>
-      <p:sp>
-        <p:nvSpPr>
-          <p:cNvPr id="6" name="Text Placeholder 4">
-            <a:extLst>
-              <a:ext uri="{FF2B5EF4-FFF2-40B4-BE49-F238E27FC236}">
-                <a16:creationId xmlns:a16="http://schemas.microsoft.com/office/drawing/2014/main" id="{A88F07B4-FC1D-CF00-12C1-BDE39C0248B4}"/>
-              </a:ext>
-            </a:extLst>
-          </p:cNvPr>
-          <p:cNvSpPr txBox="1">
-            <a:spLocks/>
-          </p:cNvSpPr>
-          <p:nvPr/>
-        </p:nvSpPr>
-        <p:spPr>
-          <a:xfrm>
-            <a:off x="3413125" y="1438275"/>
-            <a:ext cx="2533650" cy="307777"/>
-          </a:xfrm>
-          <a:prstGeom prst="rect">
-            <a:avLst/>
-          </a:prstGeom>
-        </p:spPr>
-        <p:txBody>
-          <a:bodyPr/>
-          <a:lstStyle>
-            <a:lvl1pPr marL="228600" indent="-228600" algn="l" defTabSz="914400" rtl="0" eaLnBrk="1" latinLnBrk="0" hangingPunct="1">
-              <a:lnSpc>
-                <a:spcPct val="90000"/>
-              </a:lnSpc>
-              <a:spcBef>
-                <a:spcPts val="1000"/>
-              </a:spcBef>
-              <a:buFont typeface="Arial" panose="020B0604020202020204" pitchFamily="34" charset="0"/>
-              <a:buChar char="•"/>
-              <a:defRPr sz="2800" kern="1200">
-                <a:solidFill>
-                  <a:schemeClr val="tx1"/>
-                </a:solidFill>
-                <a:latin typeface="+mn-lt"/>
-                <a:ea typeface="+mn-ea"/>
-                <a:cs typeface="+mn-cs"/>
-              </a:defRPr>
-            </a:lvl1pPr>
-            <a:lvl2pPr marL="685800" indent="-228600" algn="l" defTabSz="914400" rtl="0" eaLnBrk="1" latinLnBrk="0" hangingPunct="1">
-              <a:lnSpc>
-                <a:spcPct val="90000"/>
-              </a:lnSpc>
-              <a:spcBef>
-                <a:spcPts val="500"/>
-              </a:spcBef>
-              <a:buFont typeface="Arial" panose="020B0604020202020204" pitchFamily="34" charset="0"/>
-              <a:buChar char="•"/>
-              <a:defRPr sz="2400" kern="1200">
-                <a:solidFill>
-                  <a:schemeClr val="tx1"/>
-                </a:solidFill>
-                <a:latin typeface="+mn-lt"/>
-                <a:ea typeface="+mn-ea"/>
-                <a:cs typeface="+mn-cs"/>
-              </a:defRPr>
-            </a:lvl2pPr>
-            <a:lvl3pPr marL="1143000" indent="-228600" algn="l" defTabSz="914400" rtl="0" eaLnBrk="1" latinLnBrk="0" hangingPunct="1">
-              <a:lnSpc>
-                <a:spcPct val="90000"/>
-              </a:lnSpc>
-              <a:spcBef>
-                <a:spcPts val="500"/>
-              </a:spcBef>
-              <a:buFont typeface="Arial" panose="020B0604020202020204" pitchFamily="34" charset="0"/>
-              <a:buChar char="•"/>
-              <a:defRPr sz="2000" kern="1200">
-                <a:solidFill>
-                  <a:schemeClr val="tx1"/>
-                </a:solidFill>
-                <a:latin typeface="+mn-lt"/>
-                <a:ea typeface="+mn-ea"/>
-                <a:cs typeface="+mn-cs"/>
-              </a:defRPr>
-            </a:lvl3pPr>
-            <a:lvl4pPr marL="1600200" indent="-228600" algn="l" defTabSz="914400" rtl="0" eaLnBrk="1" latinLnBrk="0" hangingPunct="1">
-              <a:lnSpc>
-                <a:spcPct val="90000"/>
-              </a:lnSpc>
-              <a:spcBef>
-                <a:spcPts val="500"/>
-              </a:spcBef>
-              <a:buFont typeface="Arial" panose="020B0604020202020204" pitchFamily="34" charset="0"/>
-              <a:buChar char="•"/>
-              <a:defRPr sz="1800" kern="1200">
-                <a:solidFill>
-                  <a:schemeClr val="tx1"/>
-                </a:solidFill>
-                <a:latin typeface="+mn-lt"/>
-                <a:ea typeface="+mn-ea"/>
-                <a:cs typeface="+mn-cs"/>
-              </a:defRPr>
-            </a:lvl4pPr>
-            <a:lvl5pPr marL="2057400" indent="-228600" algn="l" defTabSz="914400" rtl="0" eaLnBrk="1" latinLnBrk="0" hangingPunct="1">
-              <a:lnSpc>
-                <a:spcPct val="90000"/>
-              </a:lnSpc>
-              <a:spcBef>
-                <a:spcPts val="500"/>
-              </a:spcBef>
-              <a:buFont typeface="Arial" panose="020B0604020202020204" pitchFamily="34" charset="0"/>
-              <a:buChar char="•"/>
-              <a:defRPr sz="1800" kern="1200">
-                <a:solidFill>
-                  <a:schemeClr val="tx1"/>
-                </a:solidFill>
-                <a:latin typeface="+mn-lt"/>
-                <a:ea typeface="+mn-ea"/>
-                <a:cs typeface="+mn-cs"/>
-              </a:defRPr>
-            </a:lvl5pPr>
-            <a:lvl6pPr marL="2514600" indent="-228600" algn="l" defTabSz="914400" rtl="0" eaLnBrk="1" latinLnBrk="0" hangingPunct="1">
-              <a:lnSpc>
-                <a:spcPct val="90000"/>
-              </a:lnSpc>
-              <a:spcBef>
-                <a:spcPts val="500"/>
-              </a:spcBef>
-              <a:buFont typeface="Arial" panose="020B0604020202020204" pitchFamily="34" charset="0"/>
-              <a:buChar char="•"/>
-              <a:defRPr sz="1800" kern="1200">
-                <a:solidFill>
-                  <a:schemeClr val="tx1"/>
-                </a:solidFill>
-                <a:latin typeface="+mn-lt"/>
-                <a:ea typeface="+mn-ea"/>
-                <a:cs typeface="+mn-cs"/>
-              </a:defRPr>
-            </a:lvl6pPr>
-            <a:lvl7pPr marL="2971800" indent="-228600" algn="l" defTabSz="914400" rtl="0" eaLnBrk="1" latinLnBrk="0" hangingPunct="1">
-              <a:lnSpc>
-                <a:spcPct val="90000"/>
-              </a:lnSpc>
-              <a:spcBef>
-                <a:spcPts val="500"/>
-              </a:spcBef>
-              <a:buFont typeface="Arial" panose="020B0604020202020204" pitchFamily="34" charset="0"/>
-              <a:buChar char="•"/>
-              <a:defRPr sz="1800" kern="1200">
-                <a:solidFill>
-                  <a:schemeClr val="tx1"/>
-                </a:solidFill>
-                <a:latin typeface="+mn-lt"/>
-                <a:ea typeface="+mn-ea"/>
-                <a:cs typeface="+mn-cs"/>
-              </a:defRPr>
-            </a:lvl7pPr>
-            <a:lvl8pPr marL="3429000" indent="-228600" algn="l" defTabSz="914400" rtl="0" eaLnBrk="1" latinLnBrk="0" hangingPunct="1">
-              <a:lnSpc>
-                <a:spcPct val="90000"/>
-              </a:lnSpc>
-              <a:spcBef>
-                <a:spcPts val="500"/>
-              </a:spcBef>
-              <a:buFont typeface="Arial" panose="020B0604020202020204" pitchFamily="34" charset="0"/>
-              <a:buChar char="•"/>
-              <a:defRPr sz="1800" kern="1200">
-                <a:solidFill>
-                  <a:schemeClr val="tx1"/>
-                </a:solidFill>
-                <a:latin typeface="+mn-lt"/>
-                <a:ea typeface="+mn-ea"/>
-                <a:cs typeface="+mn-cs"/>
-              </a:defRPr>
-            </a:lvl8pPr>
-            <a:lvl9pPr marL="3886200" indent="-228600" algn="l" defTabSz="914400" rtl="0" eaLnBrk="1" latinLnBrk="0" hangingPunct="1">
-              <a:lnSpc>
-                <a:spcPct val="90000"/>
-              </a:lnSpc>
-              <a:spcBef>
-                <a:spcPts val="500"/>
-              </a:spcBef>
-              <a:buFont typeface="Arial" panose="020B0604020202020204" pitchFamily="34" charset="0"/>
-              <a:buChar char="•"/>
-              <a:defRPr sz="1800" kern="1200">
-                <a:solidFill>
-                  <a:schemeClr val="tx1"/>
-                </a:solidFill>
-                <a:latin typeface="+mn-lt"/>
-                <a:ea typeface="+mn-ea"/>
-                <a:cs typeface="+mn-cs"/>
-              </a:defRPr>
-            </a:lvl9pPr>
-          </a:lstStyle>
-          <a:p>
-            <a:pPr marL="0" indent="0">
-              <a:buNone/>
-            </a:pPr>
-            <a:r>
-              <a:rPr lang="en-US" dirty="0"/>
-              <a:t>Id token</a:t>
-            </a:r>
-          </a:p>
-        </p:txBody>
-      </p:sp>
-      <p:sp>
-        <p:nvSpPr>
-          <p:cNvPr id="7" name="Text Placeholder 5">
-            <a:extLst>
-              <a:ext uri="{FF2B5EF4-FFF2-40B4-BE49-F238E27FC236}">
-                <a16:creationId xmlns:a16="http://schemas.microsoft.com/office/drawing/2014/main" id="{FE54F9EF-79C1-EFD4-0F96-4D17D2DD3580}"/>
-              </a:ext>
-            </a:extLst>
-          </p:cNvPr>
-          <p:cNvSpPr txBox="1">
-            <a:spLocks/>
-          </p:cNvSpPr>
-          <p:nvPr/>
-        </p:nvSpPr>
-        <p:spPr>
-          <a:xfrm>
-            <a:off x="3413125" y="2276475"/>
-            <a:ext cx="2532063" cy="3323987"/>
-          </a:xfrm>
-          <a:prstGeom prst="rect">
-            <a:avLst/>
-          </a:prstGeom>
-        </p:spPr>
-        <p:txBody>
-          <a:bodyPr/>
-          <a:lstStyle>
-            <a:lvl1pPr marL="228600" indent="-228600" algn="l" defTabSz="914400" rtl="0" eaLnBrk="1" latinLnBrk="0" hangingPunct="1">
-              <a:lnSpc>
-                <a:spcPct val="90000"/>
-              </a:lnSpc>
-              <a:spcBef>
-                <a:spcPts val="1000"/>
-              </a:spcBef>
-              <a:buFont typeface="Arial" panose="020B0604020202020204" pitchFamily="34" charset="0"/>
-              <a:buChar char="•"/>
-              <a:defRPr sz="2800" kern="1200">
-                <a:solidFill>
-                  <a:schemeClr val="tx1"/>
-                </a:solidFill>
-                <a:latin typeface="+mn-lt"/>
-                <a:ea typeface="+mn-ea"/>
-                <a:cs typeface="+mn-cs"/>
-              </a:defRPr>
-            </a:lvl1pPr>
-            <a:lvl2pPr marL="685800" indent="-228600" algn="l" defTabSz="914400" rtl="0" eaLnBrk="1" latinLnBrk="0" hangingPunct="1">
-              <a:lnSpc>
-                <a:spcPct val="90000"/>
-              </a:lnSpc>
-              <a:spcBef>
-                <a:spcPts val="500"/>
-              </a:spcBef>
-              <a:buFont typeface="Arial" panose="020B0604020202020204" pitchFamily="34" charset="0"/>
-              <a:buChar char="•"/>
-              <a:defRPr sz="2400" kern="1200">
-                <a:solidFill>
-                  <a:schemeClr val="tx1"/>
-                </a:solidFill>
-                <a:latin typeface="+mn-lt"/>
-                <a:ea typeface="+mn-ea"/>
-                <a:cs typeface="+mn-cs"/>
-              </a:defRPr>
-            </a:lvl2pPr>
-            <a:lvl3pPr marL="1143000" indent="-228600" algn="l" defTabSz="914400" rtl="0" eaLnBrk="1" latinLnBrk="0" hangingPunct="1">
-              <a:lnSpc>
-                <a:spcPct val="90000"/>
-              </a:lnSpc>
-              <a:spcBef>
-                <a:spcPts val="500"/>
-              </a:spcBef>
-              <a:buFont typeface="Arial" panose="020B0604020202020204" pitchFamily="34" charset="0"/>
-              <a:buChar char="•"/>
-              <a:defRPr sz="2000" kern="1200">
-                <a:solidFill>
-                  <a:schemeClr val="tx1"/>
-                </a:solidFill>
-                <a:latin typeface="+mn-lt"/>
-                <a:ea typeface="+mn-ea"/>
-                <a:cs typeface="+mn-cs"/>
-              </a:defRPr>
-            </a:lvl3pPr>
-            <a:lvl4pPr marL="1600200" indent="-228600" algn="l" defTabSz="914400" rtl="0" eaLnBrk="1" latinLnBrk="0" hangingPunct="1">
-              <a:lnSpc>
-                <a:spcPct val="90000"/>
-              </a:lnSpc>
-              <a:spcBef>
-                <a:spcPts val="500"/>
-              </a:spcBef>
-              <a:buFont typeface="Arial" panose="020B0604020202020204" pitchFamily="34" charset="0"/>
-              <a:buChar char="•"/>
-              <a:defRPr sz="1800" kern="1200">
-                <a:solidFill>
-                  <a:schemeClr val="tx1"/>
-                </a:solidFill>
-                <a:latin typeface="+mn-lt"/>
-                <a:ea typeface="+mn-ea"/>
-                <a:cs typeface="+mn-cs"/>
-              </a:defRPr>
-            </a:lvl4pPr>
-            <a:lvl5pPr marL="2057400" indent="-228600" algn="l" defTabSz="914400" rtl="0" eaLnBrk="1" latinLnBrk="0" hangingPunct="1">
-              <a:lnSpc>
-                <a:spcPct val="90000"/>
-              </a:lnSpc>
-              <a:spcBef>
-                <a:spcPts val="500"/>
-              </a:spcBef>
-              <a:buFont typeface="Arial" panose="020B0604020202020204" pitchFamily="34" charset="0"/>
-              <a:buChar char="•"/>
-              <a:defRPr sz="1800" kern="1200">
-                <a:solidFill>
-                  <a:schemeClr val="tx1"/>
-                </a:solidFill>
-                <a:latin typeface="+mn-lt"/>
-                <a:ea typeface="+mn-ea"/>
-                <a:cs typeface="+mn-cs"/>
-              </a:defRPr>
-            </a:lvl5pPr>
-            <a:lvl6pPr marL="2514600" indent="-228600" algn="l" defTabSz="914400" rtl="0" eaLnBrk="1" latinLnBrk="0" hangingPunct="1">
-              <a:lnSpc>
-                <a:spcPct val="90000"/>
-              </a:lnSpc>
-              <a:spcBef>
-                <a:spcPts val="500"/>
-              </a:spcBef>
-              <a:buFont typeface="Arial" panose="020B0604020202020204" pitchFamily="34" charset="0"/>
-              <a:buChar char="•"/>
-              <a:defRPr sz="1800" kern="1200">
-                <a:solidFill>
-                  <a:schemeClr val="tx1"/>
-                </a:solidFill>
-                <a:latin typeface="+mn-lt"/>
-                <a:ea typeface="+mn-ea"/>
-                <a:cs typeface="+mn-cs"/>
-              </a:defRPr>
-            </a:lvl6pPr>
-            <a:lvl7pPr marL="2971800" indent="-228600" algn="l" defTabSz="914400" rtl="0" eaLnBrk="1" latinLnBrk="0" hangingPunct="1">
-              <a:lnSpc>
-                <a:spcPct val="90000"/>
-              </a:lnSpc>
-              <a:spcBef>
-                <a:spcPts val="500"/>
-              </a:spcBef>
-              <a:buFont typeface="Arial" panose="020B0604020202020204" pitchFamily="34" charset="0"/>
-              <a:buChar char="•"/>
-              <a:defRPr sz="1800" kern="1200">
-                <a:solidFill>
-                  <a:schemeClr val="tx1"/>
-                </a:solidFill>
-                <a:latin typeface="+mn-lt"/>
-                <a:ea typeface="+mn-ea"/>
-                <a:cs typeface="+mn-cs"/>
-              </a:defRPr>
-            </a:lvl7pPr>
-            <a:lvl8pPr marL="3429000" indent="-228600" algn="l" defTabSz="914400" rtl="0" eaLnBrk="1" latinLnBrk="0" hangingPunct="1">
-              <a:lnSpc>
-                <a:spcPct val="90000"/>
-              </a:lnSpc>
-              <a:spcBef>
-                <a:spcPts val="500"/>
-              </a:spcBef>
-              <a:buFont typeface="Arial" panose="020B0604020202020204" pitchFamily="34" charset="0"/>
-              <a:buChar char="•"/>
-              <a:defRPr sz="1800" kern="1200">
-                <a:solidFill>
-                  <a:schemeClr val="tx1"/>
-                </a:solidFill>
-                <a:latin typeface="+mn-lt"/>
-                <a:ea typeface="+mn-ea"/>
-                <a:cs typeface="+mn-cs"/>
-              </a:defRPr>
-            </a:lvl8pPr>
-            <a:lvl9pPr marL="3886200" indent="-228600" algn="l" defTabSz="914400" rtl="0" eaLnBrk="1" latinLnBrk="0" hangingPunct="1">
-              <a:lnSpc>
-                <a:spcPct val="90000"/>
-              </a:lnSpc>
-              <a:spcBef>
-                <a:spcPts val="500"/>
-              </a:spcBef>
-              <a:buFont typeface="Arial" panose="020B0604020202020204" pitchFamily="34" charset="0"/>
-              <a:buChar char="•"/>
-              <a:defRPr sz="1800" kern="1200">
-                <a:solidFill>
-                  <a:schemeClr val="tx1"/>
-                </a:solidFill>
-                <a:latin typeface="+mn-lt"/>
-                <a:ea typeface="+mn-ea"/>
-                <a:cs typeface="+mn-cs"/>
-              </a:defRPr>
-            </a:lvl9pPr>
-          </a:lstStyle>
-          <a:p>
-            <a:r>
-              <a:rPr lang="en-US" sz="1800" dirty="0"/>
-              <a:t>JWT</a:t>
-            </a:r>
-          </a:p>
-          <a:p>
-            <a:r>
-              <a:rPr lang="en-US" sz="1800" dirty="0"/>
-              <a:t>Requested by client</a:t>
-            </a:r>
-          </a:p>
-          <a:p>
-            <a:r>
-              <a:rPr lang="en-US" sz="1800" dirty="0"/>
-              <a:t>For own use</a:t>
-            </a:r>
-          </a:p>
-          <a:p>
-            <a:r>
-              <a:rPr lang="en-US" sz="1800" dirty="0"/>
-              <a:t>Claims describing a user</a:t>
-            </a:r>
-          </a:p>
-          <a:p>
-            <a:r>
-              <a:rPr lang="en-US" sz="1800" dirty="0"/>
-              <a:t>Use MS Graph to get detailed user info</a:t>
-            </a:r>
-          </a:p>
-          <a:p>
-            <a:endParaRPr lang="en-US" sz="1800" dirty="0"/>
-          </a:p>
-        </p:txBody>
-      </p:sp>
-      <p:sp>
-        <p:nvSpPr>
-          <p:cNvPr id="8" name="Text Placeholder 6">
-            <a:extLst>
-              <a:ext uri="{FF2B5EF4-FFF2-40B4-BE49-F238E27FC236}">
-                <a16:creationId xmlns:a16="http://schemas.microsoft.com/office/drawing/2014/main" id="{5387E117-4565-B2E2-AD1E-0D864FA6CD51}"/>
-              </a:ext>
-            </a:extLst>
-          </p:cNvPr>
-          <p:cNvSpPr txBox="1">
-            <a:spLocks/>
-          </p:cNvSpPr>
-          <p:nvPr/>
-        </p:nvSpPr>
-        <p:spPr>
-          <a:xfrm>
-            <a:off x="6244208" y="1438275"/>
-            <a:ext cx="2532063" cy="307777"/>
-          </a:xfrm>
-          <a:prstGeom prst="rect">
-            <a:avLst/>
-          </a:prstGeom>
-        </p:spPr>
-        <p:txBody>
-          <a:bodyPr/>
-          <a:lstStyle>
-            <a:lvl1pPr marL="228600" indent="-228600" algn="l" defTabSz="914400" rtl="0" eaLnBrk="1" latinLnBrk="0" hangingPunct="1">
-              <a:lnSpc>
-                <a:spcPct val="90000"/>
-              </a:lnSpc>
-              <a:spcBef>
-                <a:spcPts val="1000"/>
-              </a:spcBef>
-              <a:buFont typeface="Arial" panose="020B0604020202020204" pitchFamily="34" charset="0"/>
-              <a:buChar char="•"/>
-              <a:defRPr sz="2800" kern="1200">
-                <a:solidFill>
-                  <a:schemeClr val="tx1"/>
-                </a:solidFill>
-                <a:latin typeface="+mn-lt"/>
-                <a:ea typeface="+mn-ea"/>
-                <a:cs typeface="+mn-cs"/>
-              </a:defRPr>
-            </a:lvl1pPr>
-            <a:lvl2pPr marL="685800" indent="-228600" algn="l" defTabSz="914400" rtl="0" eaLnBrk="1" latinLnBrk="0" hangingPunct="1">
-              <a:lnSpc>
-                <a:spcPct val="90000"/>
-              </a:lnSpc>
-              <a:spcBef>
-                <a:spcPts val="500"/>
-              </a:spcBef>
-              <a:buFont typeface="Arial" panose="020B0604020202020204" pitchFamily="34" charset="0"/>
-              <a:buChar char="•"/>
-              <a:defRPr sz="2400" kern="1200">
-                <a:solidFill>
-                  <a:schemeClr val="tx1"/>
-                </a:solidFill>
-                <a:latin typeface="+mn-lt"/>
-                <a:ea typeface="+mn-ea"/>
-                <a:cs typeface="+mn-cs"/>
-              </a:defRPr>
-            </a:lvl2pPr>
-            <a:lvl3pPr marL="1143000" indent="-228600" algn="l" defTabSz="914400" rtl="0" eaLnBrk="1" latinLnBrk="0" hangingPunct="1">
-              <a:lnSpc>
-                <a:spcPct val="90000"/>
-              </a:lnSpc>
-              <a:spcBef>
-                <a:spcPts val="500"/>
-              </a:spcBef>
-              <a:buFont typeface="Arial" panose="020B0604020202020204" pitchFamily="34" charset="0"/>
-              <a:buChar char="•"/>
-              <a:defRPr sz="2000" kern="1200">
-                <a:solidFill>
-                  <a:schemeClr val="tx1"/>
-                </a:solidFill>
-                <a:latin typeface="+mn-lt"/>
-                <a:ea typeface="+mn-ea"/>
-                <a:cs typeface="+mn-cs"/>
-              </a:defRPr>
-            </a:lvl3pPr>
-            <a:lvl4pPr marL="1600200" indent="-228600" algn="l" defTabSz="914400" rtl="0" eaLnBrk="1" latinLnBrk="0" hangingPunct="1">
-              <a:lnSpc>
-                <a:spcPct val="90000"/>
-              </a:lnSpc>
-              <a:spcBef>
-                <a:spcPts val="500"/>
-              </a:spcBef>
-              <a:buFont typeface="Arial" panose="020B0604020202020204" pitchFamily="34" charset="0"/>
-              <a:buChar char="•"/>
-              <a:defRPr sz="1800" kern="1200">
-                <a:solidFill>
-                  <a:schemeClr val="tx1"/>
-                </a:solidFill>
-                <a:latin typeface="+mn-lt"/>
-                <a:ea typeface="+mn-ea"/>
-                <a:cs typeface="+mn-cs"/>
-              </a:defRPr>
-            </a:lvl4pPr>
-            <a:lvl5pPr marL="2057400" indent="-228600" algn="l" defTabSz="914400" rtl="0" eaLnBrk="1" latinLnBrk="0" hangingPunct="1">
-              <a:lnSpc>
-                <a:spcPct val="90000"/>
-              </a:lnSpc>
-              <a:spcBef>
-                <a:spcPts val="500"/>
-              </a:spcBef>
-              <a:buFont typeface="Arial" panose="020B0604020202020204" pitchFamily="34" charset="0"/>
-              <a:buChar char="•"/>
-              <a:defRPr sz="1800" kern="1200">
-                <a:solidFill>
-                  <a:schemeClr val="tx1"/>
-                </a:solidFill>
-                <a:latin typeface="+mn-lt"/>
-                <a:ea typeface="+mn-ea"/>
-                <a:cs typeface="+mn-cs"/>
-              </a:defRPr>
-            </a:lvl5pPr>
-            <a:lvl6pPr marL="2514600" indent="-228600" algn="l" defTabSz="914400" rtl="0" eaLnBrk="1" latinLnBrk="0" hangingPunct="1">
-              <a:lnSpc>
-                <a:spcPct val="90000"/>
-              </a:lnSpc>
-              <a:spcBef>
-                <a:spcPts val="500"/>
-              </a:spcBef>
-              <a:buFont typeface="Arial" panose="020B0604020202020204" pitchFamily="34" charset="0"/>
-              <a:buChar char="•"/>
-              <a:defRPr sz="1800" kern="1200">
-                <a:solidFill>
-                  <a:schemeClr val="tx1"/>
-                </a:solidFill>
-                <a:latin typeface="+mn-lt"/>
-                <a:ea typeface="+mn-ea"/>
-                <a:cs typeface="+mn-cs"/>
-              </a:defRPr>
-            </a:lvl6pPr>
-            <a:lvl7pPr marL="2971800" indent="-228600" algn="l" defTabSz="914400" rtl="0" eaLnBrk="1" latinLnBrk="0" hangingPunct="1">
-              <a:lnSpc>
-                <a:spcPct val="90000"/>
-              </a:lnSpc>
-              <a:spcBef>
-                <a:spcPts val="500"/>
-              </a:spcBef>
-              <a:buFont typeface="Arial" panose="020B0604020202020204" pitchFamily="34" charset="0"/>
-              <a:buChar char="•"/>
-              <a:defRPr sz="1800" kern="1200">
-                <a:solidFill>
-                  <a:schemeClr val="tx1"/>
-                </a:solidFill>
-                <a:latin typeface="+mn-lt"/>
-                <a:ea typeface="+mn-ea"/>
-                <a:cs typeface="+mn-cs"/>
-              </a:defRPr>
-            </a:lvl7pPr>
-            <a:lvl8pPr marL="3429000" indent="-228600" algn="l" defTabSz="914400" rtl="0" eaLnBrk="1" latinLnBrk="0" hangingPunct="1">
-              <a:lnSpc>
-                <a:spcPct val="90000"/>
-              </a:lnSpc>
-              <a:spcBef>
-                <a:spcPts val="500"/>
-              </a:spcBef>
-              <a:buFont typeface="Arial" panose="020B0604020202020204" pitchFamily="34" charset="0"/>
-              <a:buChar char="•"/>
-              <a:defRPr sz="1800" kern="1200">
-                <a:solidFill>
-                  <a:schemeClr val="tx1"/>
-                </a:solidFill>
-                <a:latin typeface="+mn-lt"/>
-                <a:ea typeface="+mn-ea"/>
-                <a:cs typeface="+mn-cs"/>
-              </a:defRPr>
-            </a:lvl8pPr>
-            <a:lvl9pPr marL="3886200" indent="-228600" algn="l" defTabSz="914400" rtl="0" eaLnBrk="1" latinLnBrk="0" hangingPunct="1">
-              <a:lnSpc>
-                <a:spcPct val="90000"/>
-              </a:lnSpc>
-              <a:spcBef>
-                <a:spcPts val="500"/>
-              </a:spcBef>
-              <a:buFont typeface="Arial" panose="020B0604020202020204" pitchFamily="34" charset="0"/>
-              <a:buChar char="•"/>
-              <a:defRPr sz="1800" kern="1200">
-                <a:solidFill>
-                  <a:schemeClr val="tx1"/>
-                </a:solidFill>
-                <a:latin typeface="+mn-lt"/>
-                <a:ea typeface="+mn-ea"/>
-                <a:cs typeface="+mn-cs"/>
-              </a:defRPr>
-            </a:lvl9pPr>
-          </a:lstStyle>
-          <a:p>
-            <a:pPr marL="0" indent="0">
-              <a:buNone/>
-            </a:pPr>
-            <a:r>
-              <a:rPr lang="en-US" dirty="0"/>
-              <a:t>Refresh tokens</a:t>
-            </a:r>
-          </a:p>
-        </p:txBody>
-      </p:sp>
-      <p:sp>
-        <p:nvSpPr>
-          <p:cNvPr id="9" name="Text Placeholder 7">
-            <a:extLst>
-              <a:ext uri="{FF2B5EF4-FFF2-40B4-BE49-F238E27FC236}">
-                <a16:creationId xmlns:a16="http://schemas.microsoft.com/office/drawing/2014/main" id="{14E9A369-7478-32A1-F842-A2CB1B7F2FA3}"/>
-              </a:ext>
-            </a:extLst>
-          </p:cNvPr>
-          <p:cNvSpPr txBox="1">
-            <a:spLocks/>
-          </p:cNvSpPr>
-          <p:nvPr/>
-        </p:nvSpPr>
-        <p:spPr>
-          <a:xfrm>
-            <a:off x="6244208" y="2283115"/>
-            <a:ext cx="2532063" cy="1495794"/>
-          </a:xfrm>
-          <a:prstGeom prst="rect">
-            <a:avLst/>
-          </a:prstGeom>
-        </p:spPr>
-        <p:txBody>
-          <a:bodyPr/>
-          <a:lstStyle>
-            <a:lvl1pPr marL="228600" indent="-228600" algn="l" defTabSz="914400" rtl="0" eaLnBrk="1" latinLnBrk="0" hangingPunct="1">
-              <a:lnSpc>
-                <a:spcPct val="90000"/>
-              </a:lnSpc>
-              <a:spcBef>
-                <a:spcPts val="1000"/>
-              </a:spcBef>
-              <a:buFont typeface="Arial" panose="020B0604020202020204" pitchFamily="34" charset="0"/>
-              <a:buChar char="•"/>
-              <a:defRPr sz="2800" kern="1200">
-                <a:solidFill>
-                  <a:schemeClr val="tx1"/>
-                </a:solidFill>
-                <a:latin typeface="+mn-lt"/>
-                <a:ea typeface="+mn-ea"/>
-                <a:cs typeface="+mn-cs"/>
-              </a:defRPr>
-            </a:lvl1pPr>
-            <a:lvl2pPr marL="685800" indent="-228600" algn="l" defTabSz="914400" rtl="0" eaLnBrk="1" latinLnBrk="0" hangingPunct="1">
-              <a:lnSpc>
-                <a:spcPct val="90000"/>
-              </a:lnSpc>
-              <a:spcBef>
-                <a:spcPts val="500"/>
-              </a:spcBef>
-              <a:buFont typeface="Arial" panose="020B0604020202020204" pitchFamily="34" charset="0"/>
-              <a:buChar char="•"/>
-              <a:defRPr sz="2400" kern="1200">
-                <a:solidFill>
-                  <a:schemeClr val="tx1"/>
-                </a:solidFill>
-                <a:latin typeface="+mn-lt"/>
-                <a:ea typeface="+mn-ea"/>
-                <a:cs typeface="+mn-cs"/>
-              </a:defRPr>
-            </a:lvl2pPr>
-            <a:lvl3pPr marL="1143000" indent="-228600" algn="l" defTabSz="914400" rtl="0" eaLnBrk="1" latinLnBrk="0" hangingPunct="1">
-              <a:lnSpc>
-                <a:spcPct val="90000"/>
-              </a:lnSpc>
-              <a:spcBef>
-                <a:spcPts val="500"/>
-              </a:spcBef>
-              <a:buFont typeface="Arial" panose="020B0604020202020204" pitchFamily="34" charset="0"/>
-              <a:buChar char="•"/>
-              <a:defRPr sz="2000" kern="1200">
-                <a:solidFill>
-                  <a:schemeClr val="tx1"/>
-                </a:solidFill>
-                <a:latin typeface="+mn-lt"/>
-                <a:ea typeface="+mn-ea"/>
-                <a:cs typeface="+mn-cs"/>
-              </a:defRPr>
-            </a:lvl3pPr>
-            <a:lvl4pPr marL="1600200" indent="-228600" algn="l" defTabSz="914400" rtl="0" eaLnBrk="1" latinLnBrk="0" hangingPunct="1">
-              <a:lnSpc>
-                <a:spcPct val="90000"/>
-              </a:lnSpc>
-              <a:spcBef>
-                <a:spcPts val="500"/>
-              </a:spcBef>
-              <a:buFont typeface="Arial" panose="020B0604020202020204" pitchFamily="34" charset="0"/>
-              <a:buChar char="•"/>
-              <a:defRPr sz="1800" kern="1200">
-                <a:solidFill>
-                  <a:schemeClr val="tx1"/>
-                </a:solidFill>
-                <a:latin typeface="+mn-lt"/>
-                <a:ea typeface="+mn-ea"/>
-                <a:cs typeface="+mn-cs"/>
-              </a:defRPr>
-            </a:lvl4pPr>
-            <a:lvl5pPr marL="2057400" indent="-228600" algn="l" defTabSz="914400" rtl="0" eaLnBrk="1" latinLnBrk="0" hangingPunct="1">
-              <a:lnSpc>
-                <a:spcPct val="90000"/>
-              </a:lnSpc>
-              <a:spcBef>
-                <a:spcPts val="500"/>
-              </a:spcBef>
-              <a:buFont typeface="Arial" panose="020B0604020202020204" pitchFamily="34" charset="0"/>
-              <a:buChar char="•"/>
-              <a:defRPr sz="1800" kern="1200">
-                <a:solidFill>
-                  <a:schemeClr val="tx1"/>
-                </a:solidFill>
-                <a:latin typeface="+mn-lt"/>
-                <a:ea typeface="+mn-ea"/>
-                <a:cs typeface="+mn-cs"/>
-              </a:defRPr>
-            </a:lvl5pPr>
-            <a:lvl6pPr marL="2514600" indent="-228600" algn="l" defTabSz="914400" rtl="0" eaLnBrk="1" latinLnBrk="0" hangingPunct="1">
-              <a:lnSpc>
-                <a:spcPct val="90000"/>
-              </a:lnSpc>
-              <a:spcBef>
-                <a:spcPts val="500"/>
-              </a:spcBef>
-              <a:buFont typeface="Arial" panose="020B0604020202020204" pitchFamily="34" charset="0"/>
-              <a:buChar char="•"/>
-              <a:defRPr sz="1800" kern="1200">
-                <a:solidFill>
-                  <a:schemeClr val="tx1"/>
-                </a:solidFill>
-                <a:latin typeface="+mn-lt"/>
-                <a:ea typeface="+mn-ea"/>
-                <a:cs typeface="+mn-cs"/>
-              </a:defRPr>
-            </a:lvl6pPr>
-            <a:lvl7pPr marL="2971800" indent="-228600" algn="l" defTabSz="914400" rtl="0" eaLnBrk="1" latinLnBrk="0" hangingPunct="1">
-              <a:lnSpc>
-                <a:spcPct val="90000"/>
-              </a:lnSpc>
-              <a:spcBef>
-                <a:spcPts val="500"/>
-              </a:spcBef>
-              <a:buFont typeface="Arial" panose="020B0604020202020204" pitchFamily="34" charset="0"/>
-              <a:buChar char="•"/>
-              <a:defRPr sz="1800" kern="1200">
-                <a:solidFill>
-                  <a:schemeClr val="tx1"/>
-                </a:solidFill>
-                <a:latin typeface="+mn-lt"/>
-                <a:ea typeface="+mn-ea"/>
-                <a:cs typeface="+mn-cs"/>
-              </a:defRPr>
-            </a:lvl7pPr>
-            <a:lvl8pPr marL="3429000" indent="-228600" algn="l" defTabSz="914400" rtl="0" eaLnBrk="1" latinLnBrk="0" hangingPunct="1">
-              <a:lnSpc>
-                <a:spcPct val="90000"/>
-              </a:lnSpc>
-              <a:spcBef>
-                <a:spcPts val="500"/>
-              </a:spcBef>
-              <a:buFont typeface="Arial" panose="020B0604020202020204" pitchFamily="34" charset="0"/>
-              <a:buChar char="•"/>
-              <a:defRPr sz="1800" kern="1200">
-                <a:solidFill>
-                  <a:schemeClr val="tx1"/>
-                </a:solidFill>
-                <a:latin typeface="+mn-lt"/>
-                <a:ea typeface="+mn-ea"/>
-                <a:cs typeface="+mn-cs"/>
-              </a:defRPr>
-            </a:lvl8pPr>
-            <a:lvl9pPr marL="3886200" indent="-228600" algn="l" defTabSz="914400" rtl="0" eaLnBrk="1" latinLnBrk="0" hangingPunct="1">
-              <a:lnSpc>
-                <a:spcPct val="90000"/>
-              </a:lnSpc>
-              <a:spcBef>
-                <a:spcPts val="500"/>
-              </a:spcBef>
-              <a:buFont typeface="Arial" panose="020B0604020202020204" pitchFamily="34" charset="0"/>
-              <a:buChar char="•"/>
-              <a:defRPr sz="1800" kern="1200">
-                <a:solidFill>
-                  <a:schemeClr val="tx1"/>
-                </a:solidFill>
-                <a:latin typeface="+mn-lt"/>
-                <a:ea typeface="+mn-ea"/>
-                <a:cs typeface="+mn-cs"/>
-              </a:defRPr>
-            </a:lvl9pPr>
-          </a:lstStyle>
-          <a:p>
-            <a:r>
-              <a:rPr lang="en-US" sz="1800"/>
-              <a:t>Allow clients to renew an access token</a:t>
-            </a:r>
-          </a:p>
-          <a:p>
-            <a:r>
-              <a:rPr lang="en-US" sz="1800"/>
-              <a:t>Opaque to both client and resource</a:t>
-            </a:r>
-          </a:p>
-          <a:p>
-            <a:endParaRPr lang="en-US" sz="1800" dirty="0"/>
-          </a:p>
-        </p:txBody>
-      </p:sp>
-      <p:sp>
-        <p:nvSpPr>
-          <p:cNvPr id="10" name="Text Placeholder 8">
-            <a:extLst>
-              <a:ext uri="{FF2B5EF4-FFF2-40B4-BE49-F238E27FC236}">
-                <a16:creationId xmlns:a16="http://schemas.microsoft.com/office/drawing/2014/main" id="{8DBB0B71-0CB7-CE81-2F43-FD1DF3134245}"/>
-              </a:ext>
-            </a:extLst>
-          </p:cNvPr>
-          <p:cNvSpPr txBox="1">
-            <a:spLocks/>
-          </p:cNvSpPr>
-          <p:nvPr/>
-        </p:nvSpPr>
-        <p:spPr>
-          <a:xfrm>
-            <a:off x="9073133" y="1438275"/>
-            <a:ext cx="2982018" cy="307777"/>
-          </a:xfrm>
-          <a:prstGeom prst="rect">
-            <a:avLst/>
-          </a:prstGeom>
-        </p:spPr>
-        <p:txBody>
-          <a:bodyPr/>
-          <a:lstStyle>
-            <a:lvl1pPr marL="228600" indent="-228600" algn="l" defTabSz="914400" rtl="0" eaLnBrk="1" latinLnBrk="0" hangingPunct="1">
-              <a:lnSpc>
-                <a:spcPct val="90000"/>
-              </a:lnSpc>
-              <a:spcBef>
-                <a:spcPts val="1000"/>
-              </a:spcBef>
-              <a:buFont typeface="Arial" panose="020B0604020202020204" pitchFamily="34" charset="0"/>
-              <a:buChar char="•"/>
-              <a:defRPr sz="2800" kern="1200">
-                <a:solidFill>
-                  <a:schemeClr val="tx1"/>
-                </a:solidFill>
-                <a:latin typeface="+mn-lt"/>
-                <a:ea typeface="+mn-ea"/>
-                <a:cs typeface="+mn-cs"/>
-              </a:defRPr>
-            </a:lvl1pPr>
-            <a:lvl2pPr marL="685800" indent="-228600" algn="l" defTabSz="914400" rtl="0" eaLnBrk="1" latinLnBrk="0" hangingPunct="1">
-              <a:lnSpc>
-                <a:spcPct val="90000"/>
-              </a:lnSpc>
-              <a:spcBef>
-                <a:spcPts val="500"/>
-              </a:spcBef>
-              <a:buFont typeface="Arial" panose="020B0604020202020204" pitchFamily="34" charset="0"/>
-              <a:buChar char="•"/>
-              <a:defRPr sz="2400" kern="1200">
-                <a:solidFill>
-                  <a:schemeClr val="tx1"/>
-                </a:solidFill>
-                <a:latin typeface="+mn-lt"/>
-                <a:ea typeface="+mn-ea"/>
-                <a:cs typeface="+mn-cs"/>
-              </a:defRPr>
-            </a:lvl2pPr>
-            <a:lvl3pPr marL="1143000" indent="-228600" algn="l" defTabSz="914400" rtl="0" eaLnBrk="1" latinLnBrk="0" hangingPunct="1">
-              <a:lnSpc>
-                <a:spcPct val="90000"/>
-              </a:lnSpc>
-              <a:spcBef>
-                <a:spcPts val="500"/>
-              </a:spcBef>
-              <a:buFont typeface="Arial" panose="020B0604020202020204" pitchFamily="34" charset="0"/>
-              <a:buChar char="•"/>
-              <a:defRPr sz="2000" kern="1200">
-                <a:solidFill>
-                  <a:schemeClr val="tx1"/>
-                </a:solidFill>
-                <a:latin typeface="+mn-lt"/>
-                <a:ea typeface="+mn-ea"/>
-                <a:cs typeface="+mn-cs"/>
-              </a:defRPr>
-            </a:lvl3pPr>
-            <a:lvl4pPr marL="1600200" indent="-228600" algn="l" defTabSz="914400" rtl="0" eaLnBrk="1" latinLnBrk="0" hangingPunct="1">
-              <a:lnSpc>
-                <a:spcPct val="90000"/>
-              </a:lnSpc>
-              <a:spcBef>
-                <a:spcPts val="500"/>
-              </a:spcBef>
-              <a:buFont typeface="Arial" panose="020B0604020202020204" pitchFamily="34" charset="0"/>
-              <a:buChar char="•"/>
-              <a:defRPr sz="1800" kern="1200">
-                <a:solidFill>
-                  <a:schemeClr val="tx1"/>
-                </a:solidFill>
-                <a:latin typeface="+mn-lt"/>
-                <a:ea typeface="+mn-ea"/>
-                <a:cs typeface="+mn-cs"/>
-              </a:defRPr>
-            </a:lvl4pPr>
-            <a:lvl5pPr marL="2057400" indent="-228600" algn="l" defTabSz="914400" rtl="0" eaLnBrk="1" latinLnBrk="0" hangingPunct="1">
-              <a:lnSpc>
-                <a:spcPct val="90000"/>
-              </a:lnSpc>
-              <a:spcBef>
-                <a:spcPts val="500"/>
-              </a:spcBef>
-              <a:buFont typeface="Arial" panose="020B0604020202020204" pitchFamily="34" charset="0"/>
-              <a:buChar char="•"/>
-              <a:defRPr sz="1800" kern="1200">
-                <a:solidFill>
-                  <a:schemeClr val="tx1"/>
-                </a:solidFill>
-                <a:latin typeface="+mn-lt"/>
-                <a:ea typeface="+mn-ea"/>
-                <a:cs typeface="+mn-cs"/>
-              </a:defRPr>
-            </a:lvl5pPr>
-            <a:lvl6pPr marL="2514600" indent="-228600" algn="l" defTabSz="914400" rtl="0" eaLnBrk="1" latinLnBrk="0" hangingPunct="1">
-              <a:lnSpc>
-                <a:spcPct val="90000"/>
-              </a:lnSpc>
-              <a:spcBef>
-                <a:spcPts val="500"/>
-              </a:spcBef>
-              <a:buFont typeface="Arial" panose="020B0604020202020204" pitchFamily="34" charset="0"/>
-              <a:buChar char="•"/>
-              <a:defRPr sz="1800" kern="1200">
-                <a:solidFill>
-                  <a:schemeClr val="tx1"/>
-                </a:solidFill>
-                <a:latin typeface="+mn-lt"/>
-                <a:ea typeface="+mn-ea"/>
-                <a:cs typeface="+mn-cs"/>
-              </a:defRPr>
-            </a:lvl6pPr>
-            <a:lvl7pPr marL="2971800" indent="-228600" algn="l" defTabSz="914400" rtl="0" eaLnBrk="1" latinLnBrk="0" hangingPunct="1">
-              <a:lnSpc>
-                <a:spcPct val="90000"/>
-              </a:lnSpc>
-              <a:spcBef>
-                <a:spcPts val="500"/>
-              </a:spcBef>
-              <a:buFont typeface="Arial" panose="020B0604020202020204" pitchFamily="34" charset="0"/>
-              <a:buChar char="•"/>
-              <a:defRPr sz="1800" kern="1200">
-                <a:solidFill>
-                  <a:schemeClr val="tx1"/>
-                </a:solidFill>
-                <a:latin typeface="+mn-lt"/>
-                <a:ea typeface="+mn-ea"/>
-                <a:cs typeface="+mn-cs"/>
-              </a:defRPr>
-            </a:lvl7pPr>
-            <a:lvl8pPr marL="3429000" indent="-228600" algn="l" defTabSz="914400" rtl="0" eaLnBrk="1" latinLnBrk="0" hangingPunct="1">
-              <a:lnSpc>
-                <a:spcPct val="90000"/>
-              </a:lnSpc>
-              <a:spcBef>
-                <a:spcPts val="500"/>
-              </a:spcBef>
-              <a:buFont typeface="Arial" panose="020B0604020202020204" pitchFamily="34" charset="0"/>
-              <a:buChar char="•"/>
-              <a:defRPr sz="1800" kern="1200">
-                <a:solidFill>
-                  <a:schemeClr val="tx1"/>
-                </a:solidFill>
-                <a:latin typeface="+mn-lt"/>
-                <a:ea typeface="+mn-ea"/>
-                <a:cs typeface="+mn-cs"/>
-              </a:defRPr>
-            </a:lvl8pPr>
-            <a:lvl9pPr marL="3886200" indent="-228600" algn="l" defTabSz="914400" rtl="0" eaLnBrk="1" latinLnBrk="0" hangingPunct="1">
-              <a:lnSpc>
-                <a:spcPct val="90000"/>
-              </a:lnSpc>
-              <a:spcBef>
-                <a:spcPts val="500"/>
-              </a:spcBef>
-              <a:buFont typeface="Arial" panose="020B0604020202020204" pitchFamily="34" charset="0"/>
-              <a:buChar char="•"/>
-              <a:defRPr sz="1800" kern="1200">
-                <a:solidFill>
-                  <a:schemeClr val="tx1"/>
-                </a:solidFill>
-                <a:latin typeface="+mn-lt"/>
-                <a:ea typeface="+mn-ea"/>
-                <a:cs typeface="+mn-cs"/>
-              </a:defRPr>
-            </a:lvl9pPr>
-          </a:lstStyle>
-          <a:p>
-            <a:pPr marL="0" indent="0">
-              <a:buNone/>
-            </a:pPr>
-            <a:r>
-              <a:rPr lang="en-US" dirty="0"/>
-              <a:t>Flows/Grant types</a:t>
-            </a:r>
-          </a:p>
-        </p:txBody>
-      </p:sp>
-      <p:sp>
-        <p:nvSpPr>
-          <p:cNvPr id="11" name="Text Placeholder 9">
-            <a:extLst>
-              <a:ext uri="{FF2B5EF4-FFF2-40B4-BE49-F238E27FC236}">
-                <a16:creationId xmlns:a16="http://schemas.microsoft.com/office/drawing/2014/main" id="{DD4A83BB-93D0-4F59-3489-11764B504ADD}"/>
-              </a:ext>
-            </a:extLst>
-          </p:cNvPr>
-          <p:cNvSpPr txBox="1">
-            <a:spLocks/>
-          </p:cNvSpPr>
-          <p:nvPr/>
-        </p:nvSpPr>
-        <p:spPr>
-          <a:xfrm>
-            <a:off x="9073133" y="2276475"/>
-            <a:ext cx="2532063" cy="2382191"/>
-          </a:xfrm>
-          <a:prstGeom prst="rect">
-            <a:avLst/>
-          </a:prstGeom>
-        </p:spPr>
-        <p:txBody>
-          <a:bodyPr/>
-          <a:lstStyle>
-            <a:lvl1pPr marL="228600" indent="-228600" algn="l" defTabSz="914400" rtl="0" eaLnBrk="1" latinLnBrk="0" hangingPunct="1">
-              <a:lnSpc>
-                <a:spcPct val="90000"/>
-              </a:lnSpc>
-              <a:spcBef>
-                <a:spcPts val="1000"/>
-              </a:spcBef>
-              <a:buFont typeface="Arial" panose="020B0604020202020204" pitchFamily="34" charset="0"/>
-              <a:buChar char="•"/>
-              <a:defRPr sz="2800" kern="1200">
-                <a:solidFill>
-                  <a:schemeClr val="tx1"/>
-                </a:solidFill>
-                <a:latin typeface="+mn-lt"/>
-                <a:ea typeface="+mn-ea"/>
-                <a:cs typeface="+mn-cs"/>
-              </a:defRPr>
-            </a:lvl1pPr>
-            <a:lvl2pPr marL="685800" indent="-228600" algn="l" defTabSz="914400" rtl="0" eaLnBrk="1" latinLnBrk="0" hangingPunct="1">
-              <a:lnSpc>
-                <a:spcPct val="90000"/>
-              </a:lnSpc>
-              <a:spcBef>
-                <a:spcPts val="500"/>
-              </a:spcBef>
-              <a:buFont typeface="Arial" panose="020B0604020202020204" pitchFamily="34" charset="0"/>
-              <a:buChar char="•"/>
-              <a:defRPr sz="2400" kern="1200">
-                <a:solidFill>
-                  <a:schemeClr val="tx1"/>
-                </a:solidFill>
-                <a:latin typeface="+mn-lt"/>
-                <a:ea typeface="+mn-ea"/>
-                <a:cs typeface="+mn-cs"/>
-              </a:defRPr>
-            </a:lvl2pPr>
-            <a:lvl3pPr marL="1143000" indent="-228600" algn="l" defTabSz="914400" rtl="0" eaLnBrk="1" latinLnBrk="0" hangingPunct="1">
-              <a:lnSpc>
-                <a:spcPct val="90000"/>
-              </a:lnSpc>
-              <a:spcBef>
-                <a:spcPts val="500"/>
-              </a:spcBef>
-              <a:buFont typeface="Arial" panose="020B0604020202020204" pitchFamily="34" charset="0"/>
-              <a:buChar char="•"/>
-              <a:defRPr sz="2000" kern="1200">
-                <a:solidFill>
-                  <a:schemeClr val="tx1"/>
-                </a:solidFill>
-                <a:latin typeface="+mn-lt"/>
-                <a:ea typeface="+mn-ea"/>
-                <a:cs typeface="+mn-cs"/>
-              </a:defRPr>
-            </a:lvl3pPr>
-            <a:lvl4pPr marL="1600200" indent="-228600" algn="l" defTabSz="914400" rtl="0" eaLnBrk="1" latinLnBrk="0" hangingPunct="1">
-              <a:lnSpc>
-                <a:spcPct val="90000"/>
-              </a:lnSpc>
-              <a:spcBef>
-                <a:spcPts val="500"/>
-              </a:spcBef>
-              <a:buFont typeface="Arial" panose="020B0604020202020204" pitchFamily="34" charset="0"/>
-              <a:buChar char="•"/>
-              <a:defRPr sz="1800" kern="1200">
-                <a:solidFill>
-                  <a:schemeClr val="tx1"/>
-                </a:solidFill>
-                <a:latin typeface="+mn-lt"/>
-                <a:ea typeface="+mn-ea"/>
-                <a:cs typeface="+mn-cs"/>
-              </a:defRPr>
-            </a:lvl4pPr>
-            <a:lvl5pPr marL="2057400" indent="-228600" algn="l" defTabSz="914400" rtl="0" eaLnBrk="1" latinLnBrk="0" hangingPunct="1">
-              <a:lnSpc>
-                <a:spcPct val="90000"/>
-              </a:lnSpc>
-              <a:spcBef>
-                <a:spcPts val="500"/>
-              </a:spcBef>
-              <a:buFont typeface="Arial" panose="020B0604020202020204" pitchFamily="34" charset="0"/>
-              <a:buChar char="•"/>
-              <a:defRPr sz="1800" kern="1200">
-                <a:solidFill>
-                  <a:schemeClr val="tx1"/>
-                </a:solidFill>
-                <a:latin typeface="+mn-lt"/>
-                <a:ea typeface="+mn-ea"/>
-                <a:cs typeface="+mn-cs"/>
-              </a:defRPr>
-            </a:lvl5pPr>
-            <a:lvl6pPr marL="2514600" indent="-228600" algn="l" defTabSz="914400" rtl="0" eaLnBrk="1" latinLnBrk="0" hangingPunct="1">
-              <a:lnSpc>
-                <a:spcPct val="90000"/>
-              </a:lnSpc>
-              <a:spcBef>
-                <a:spcPts val="500"/>
-              </a:spcBef>
-              <a:buFont typeface="Arial" panose="020B0604020202020204" pitchFamily="34" charset="0"/>
-              <a:buChar char="•"/>
-              <a:defRPr sz="1800" kern="1200">
-                <a:solidFill>
-                  <a:schemeClr val="tx1"/>
-                </a:solidFill>
-                <a:latin typeface="+mn-lt"/>
-                <a:ea typeface="+mn-ea"/>
-                <a:cs typeface="+mn-cs"/>
-              </a:defRPr>
-            </a:lvl6pPr>
-            <a:lvl7pPr marL="2971800" indent="-228600" algn="l" defTabSz="914400" rtl="0" eaLnBrk="1" latinLnBrk="0" hangingPunct="1">
-              <a:lnSpc>
-                <a:spcPct val="90000"/>
-              </a:lnSpc>
-              <a:spcBef>
-                <a:spcPts val="500"/>
-              </a:spcBef>
-              <a:buFont typeface="Arial" panose="020B0604020202020204" pitchFamily="34" charset="0"/>
-              <a:buChar char="•"/>
-              <a:defRPr sz="1800" kern="1200">
-                <a:solidFill>
-                  <a:schemeClr val="tx1"/>
-                </a:solidFill>
-                <a:latin typeface="+mn-lt"/>
-                <a:ea typeface="+mn-ea"/>
-                <a:cs typeface="+mn-cs"/>
-              </a:defRPr>
-            </a:lvl7pPr>
-            <a:lvl8pPr marL="3429000" indent="-228600" algn="l" defTabSz="914400" rtl="0" eaLnBrk="1" latinLnBrk="0" hangingPunct="1">
-              <a:lnSpc>
-                <a:spcPct val="90000"/>
-              </a:lnSpc>
-              <a:spcBef>
-                <a:spcPts val="500"/>
-              </a:spcBef>
-              <a:buFont typeface="Arial" panose="020B0604020202020204" pitchFamily="34" charset="0"/>
-              <a:buChar char="•"/>
-              <a:defRPr sz="1800" kern="1200">
-                <a:solidFill>
-                  <a:schemeClr val="tx1"/>
-                </a:solidFill>
-                <a:latin typeface="+mn-lt"/>
-                <a:ea typeface="+mn-ea"/>
-                <a:cs typeface="+mn-cs"/>
-              </a:defRPr>
-            </a:lvl8pPr>
-            <a:lvl9pPr marL="3886200" indent="-228600" algn="l" defTabSz="914400" rtl="0" eaLnBrk="1" latinLnBrk="0" hangingPunct="1">
-              <a:lnSpc>
-                <a:spcPct val="90000"/>
-              </a:lnSpc>
-              <a:spcBef>
-                <a:spcPts val="500"/>
-              </a:spcBef>
-              <a:buFont typeface="Arial" panose="020B0604020202020204" pitchFamily="34" charset="0"/>
-              <a:buChar char="•"/>
-              <a:defRPr sz="1800" kern="1200">
-                <a:solidFill>
-                  <a:schemeClr val="tx1"/>
-                </a:solidFill>
-                <a:latin typeface="+mn-lt"/>
-                <a:ea typeface="+mn-ea"/>
-                <a:cs typeface="+mn-cs"/>
-              </a:defRPr>
-            </a:lvl9pPr>
-          </a:lstStyle>
-          <a:p>
-            <a:r>
-              <a:rPr lang="en-US" sz="1800"/>
-              <a:t>OAuth2 defined interactions for obtaining tokens</a:t>
-            </a:r>
-          </a:p>
-          <a:p>
-            <a:r>
-              <a:rPr lang="en-US" sz="1800"/>
-              <a:t>Designed to minimize risks of token misuse</a:t>
-            </a:r>
-          </a:p>
-          <a:p>
-            <a:r>
-              <a:rPr lang="en-US" sz="1800"/>
-              <a:t>Choice dependent on the nature of client</a:t>
-            </a:r>
-          </a:p>
-          <a:p>
-            <a:endParaRPr lang="en-US" sz="1800" dirty="0"/>
-          </a:p>
-        </p:txBody>
-      </p:sp>
-    </p:spTree>
-    <p:extLst>
-      <p:ext uri="{BB962C8B-B14F-4D97-AF65-F5344CB8AC3E}">
-        <p14:creationId xmlns:p14="http://schemas.microsoft.com/office/powerpoint/2010/main" val="1543282413"/>
       </p:ext>
     </p:extLst>
   </p:cSld>
